--- a/기획서/문서/UI 기획.pptx
+++ b/기획서/문서/UI 기획.pptx
@@ -218,7 +218,7 @@
           <a:p>
             <a:fld id="{D686C50E-113A-4B4A-8A5C-9EE1E9DBA064}" type="datetimeFigureOut">
               <a:rPr lang="ko-KR" altLang="en-US" smtClean="0"/>
-              <a:t>2021-04-13</a:t>
+              <a:t>2021-05-26</a:t>
             </a:fld>
             <a:endParaRPr lang="ko-KR" altLang="en-US" dirty="0"/>
           </a:p>
@@ -395,7 +395,7 @@
           <a:p>
             <a:fld id="{40EC3B2E-CA71-40FC-A78E-FA212ABD0BB7}" type="datetimeFigureOut">
               <a:rPr lang="ko-KR" altLang="en-US" smtClean="0"/>
-              <a:t>2021-04-13</a:t>
+              <a:t>2021-05-26</a:t>
             </a:fld>
             <a:endParaRPr lang="ko-KR" altLang="en-US" dirty="0"/>
           </a:p>
@@ -877,7 +877,7 @@
           <a:p>
             <a:fld id="{F8CAAD71-D53C-4447-AAA3-BC9075A67E69}" type="datetimeFigureOut">
               <a:rPr lang="ko-KR" altLang="en-US" smtClean="0"/>
-              <a:t>2021-04-13</a:t>
+              <a:t>2021-05-26</a:t>
             </a:fld>
             <a:endParaRPr lang="ko-KR" altLang="en-US" dirty="0"/>
           </a:p>
@@ -1047,7 +1047,7 @@
           <a:p>
             <a:fld id="{F8CAAD71-D53C-4447-AAA3-BC9075A67E69}" type="datetimeFigureOut">
               <a:rPr lang="ko-KR" altLang="en-US" smtClean="0"/>
-              <a:t>2021-04-13</a:t>
+              <a:t>2021-05-26</a:t>
             </a:fld>
             <a:endParaRPr lang="ko-KR" altLang="en-US" dirty="0"/>
           </a:p>
@@ -1227,7 +1227,7 @@
           <a:p>
             <a:fld id="{F8CAAD71-D53C-4447-AAA3-BC9075A67E69}" type="datetimeFigureOut">
               <a:rPr lang="ko-KR" altLang="en-US" smtClean="0"/>
-              <a:t>2021-04-13</a:t>
+              <a:t>2021-05-26</a:t>
             </a:fld>
             <a:endParaRPr lang="ko-KR" altLang="en-US" dirty="0"/>
           </a:p>
@@ -1397,7 +1397,7 @@
           <a:p>
             <a:fld id="{F8CAAD71-D53C-4447-AAA3-BC9075A67E69}" type="datetimeFigureOut">
               <a:rPr lang="ko-KR" altLang="en-US" smtClean="0"/>
-              <a:t>2021-04-13</a:t>
+              <a:t>2021-05-26</a:t>
             </a:fld>
             <a:endParaRPr lang="ko-KR" altLang="en-US" dirty="0"/>
           </a:p>
@@ -1643,7 +1643,7 @@
           <a:p>
             <a:fld id="{F8CAAD71-D53C-4447-AAA3-BC9075A67E69}" type="datetimeFigureOut">
               <a:rPr lang="ko-KR" altLang="en-US" smtClean="0"/>
-              <a:t>2021-04-13</a:t>
+              <a:t>2021-05-26</a:t>
             </a:fld>
             <a:endParaRPr lang="ko-KR" altLang="en-US" dirty="0"/>
           </a:p>
@@ -1875,7 +1875,7 @@
           <a:p>
             <a:fld id="{F8CAAD71-D53C-4447-AAA3-BC9075A67E69}" type="datetimeFigureOut">
               <a:rPr lang="ko-KR" altLang="en-US" smtClean="0"/>
-              <a:t>2021-04-13</a:t>
+              <a:t>2021-05-26</a:t>
             </a:fld>
             <a:endParaRPr lang="ko-KR" altLang="en-US" dirty="0"/>
           </a:p>
@@ -2242,7 +2242,7 @@
           <a:p>
             <a:fld id="{F8CAAD71-D53C-4447-AAA3-BC9075A67E69}" type="datetimeFigureOut">
               <a:rPr lang="ko-KR" altLang="en-US" smtClean="0"/>
-              <a:t>2021-04-13</a:t>
+              <a:t>2021-05-26</a:t>
             </a:fld>
             <a:endParaRPr lang="ko-KR" altLang="en-US" dirty="0"/>
           </a:p>
@@ -2360,7 +2360,7 @@
           <a:p>
             <a:fld id="{F8CAAD71-D53C-4447-AAA3-BC9075A67E69}" type="datetimeFigureOut">
               <a:rPr lang="ko-KR" altLang="en-US" smtClean="0"/>
-              <a:t>2021-04-13</a:t>
+              <a:t>2021-05-26</a:t>
             </a:fld>
             <a:endParaRPr lang="ko-KR" altLang="en-US" dirty="0"/>
           </a:p>
@@ -2455,7 +2455,7 @@
           <a:p>
             <a:fld id="{F8CAAD71-D53C-4447-AAA3-BC9075A67E69}" type="datetimeFigureOut">
               <a:rPr lang="ko-KR" altLang="en-US" smtClean="0"/>
-              <a:t>2021-04-13</a:t>
+              <a:t>2021-05-26</a:t>
             </a:fld>
             <a:endParaRPr lang="ko-KR" altLang="en-US" dirty="0"/>
           </a:p>
@@ -2732,7 +2732,7 @@
           <a:p>
             <a:fld id="{F8CAAD71-D53C-4447-AAA3-BC9075A67E69}" type="datetimeFigureOut">
               <a:rPr lang="ko-KR" altLang="en-US" smtClean="0"/>
-              <a:t>2021-04-13</a:t>
+              <a:t>2021-05-26</a:t>
             </a:fld>
             <a:endParaRPr lang="ko-KR" altLang="en-US" dirty="0"/>
           </a:p>
@@ -2989,7 +2989,7 @@
           <a:p>
             <a:fld id="{F8CAAD71-D53C-4447-AAA3-BC9075A67E69}" type="datetimeFigureOut">
               <a:rPr lang="ko-KR" altLang="en-US" smtClean="0"/>
-              <a:t>2021-04-13</a:t>
+              <a:t>2021-05-26</a:t>
             </a:fld>
             <a:endParaRPr lang="ko-KR" altLang="en-US" dirty="0"/>
           </a:p>
@@ -3207,7 +3207,7 @@
           <a:p>
             <a:fld id="{F8CAAD71-D53C-4447-AAA3-BC9075A67E69}" type="datetimeFigureOut">
               <a:rPr lang="ko-KR" altLang="en-US" smtClean="0"/>
-              <a:t>2021-04-13</a:t>
+              <a:t>2021-05-26</a:t>
             </a:fld>
             <a:endParaRPr lang="ko-KR" altLang="en-US" dirty="0"/>
           </a:p>
@@ -4039,7 +4039,7 @@
                 <a:latin typeface="+mj-ea"/>
                 <a:ea typeface="+mj-ea"/>
               </a:rPr>
-              <a:t>로비 배치 구상 </a:t>
+              <a:t>타이틀 배치 구상 </a:t>
             </a:r>
             <a:r>
               <a:rPr lang="en-US" altLang="ko-KR" sz="2400" b="1" dirty="0">
@@ -5129,14 +5129,14 @@
           <p:nvPr>
             <p:extLst>
               <p:ext uri="{D42A27DB-BD31-4B8C-83A1-F6EECF244321}">
-                <p14:modId xmlns:p14="http://schemas.microsoft.com/office/powerpoint/2010/main" val="1896195075"/>
+                <p14:modId xmlns:p14="http://schemas.microsoft.com/office/powerpoint/2010/main" val="49077710"/>
               </p:ext>
             </p:extLst>
           </p:nvPr>
         </p:nvGraphicFramePr>
         <p:xfrm>
           <a:off x="11792313" y="1430919"/>
-          <a:ext cx="5716224" cy="2906152"/>
+          <a:ext cx="5716224" cy="2439576"/>
         </p:xfrm>
         <a:graphic>
           <a:graphicData uri="http://schemas.openxmlformats.org/drawingml/2006/table">
@@ -5407,20 +5407,12 @@
                     <a:p>
                       <a:pPr algn="ctr" latinLnBrk="1"/>
                       <a:r>
-                        <a:rPr lang="ko-KR" altLang="en-US" sz="1600" i="0" dirty="0" err="1">
-                          <a:solidFill>
-                            <a:schemeClr val="tx1"/>
-                          </a:solidFill>
-                        </a:rPr>
-                        <a:t>대쉬</a:t>
-                      </a:r>
-                      <a:r>
                         <a:rPr lang="ko-KR" altLang="en-US" sz="1600" i="0" dirty="0">
                           <a:solidFill>
                             <a:schemeClr val="tx1"/>
                           </a:solidFill>
                         </a:rPr>
-                        <a:t> </a:t>
+                        <a:t>게임 목표 </a:t>
                       </a:r>
                       <a:r>
                         <a:rPr lang="ko-KR" altLang="en-US" sz="1600" i="0" dirty="0" err="1">
@@ -5428,65 +5420,9 @@
                             <a:schemeClr val="tx1"/>
                           </a:solidFill>
                         </a:rPr>
-                        <a:t>쿨타임</a:t>
-                      </a:r>
-                      <a:r>
-                        <a:rPr lang="ko-KR" altLang="en-US" sz="1600" i="0" dirty="0">
-                          <a:solidFill>
-                            <a:schemeClr val="tx1"/>
-                          </a:solidFill>
-                        </a:rPr>
-                        <a:t> 출력</a:t>
+                        <a:t>표시바</a:t>
                       </a:r>
                       <a:endParaRPr lang="en-US" altLang="ko-KR" sz="1600" i="0" dirty="0">
-                        <a:solidFill>
-                          <a:schemeClr val="tx1"/>
-                        </a:solidFill>
-                      </a:endParaRPr>
-                    </a:p>
-                    <a:p>
-                      <a:pPr algn="ctr" latinLnBrk="1"/>
-                      <a:r>
-                        <a:rPr lang="en-US" altLang="ko-KR" sz="1600" i="0" dirty="0">
-                          <a:solidFill>
-                            <a:schemeClr val="tx1"/>
-                          </a:solidFill>
-                        </a:rPr>
-                        <a:t>(</a:t>
-                      </a:r>
-                      <a:r>
-                        <a:rPr lang="ko-KR" altLang="en-US" sz="1600" i="0" dirty="0">
-                          <a:solidFill>
-                            <a:schemeClr val="tx1"/>
-                          </a:solidFill>
-                        </a:rPr>
-                        <a:t>바가 가득차면 </a:t>
-                      </a:r>
-                      <a:r>
-                        <a:rPr lang="ko-KR" altLang="en-US" sz="1600" i="0" dirty="0" err="1">
-                          <a:solidFill>
-                            <a:schemeClr val="tx1"/>
-                          </a:solidFill>
-                        </a:rPr>
-                        <a:t>대쉬</a:t>
-                      </a:r>
-                      <a:r>
-                        <a:rPr lang="ko-KR" altLang="en-US" sz="1600" i="0" dirty="0">
-                          <a:solidFill>
-                            <a:schemeClr val="tx1"/>
-                          </a:solidFill>
-                        </a:rPr>
-                        <a:t> 사용 가능</a:t>
-                      </a:r>
-                      <a:r>
-                        <a:rPr lang="en-US" altLang="ko-KR" sz="1600" i="0" dirty="0">
-                          <a:solidFill>
-                            <a:schemeClr val="tx1"/>
-                          </a:solidFill>
-                        </a:rPr>
-                        <a:t>)</a:t>
-                      </a:r>
-                      <a:endParaRPr lang="ko-KR" altLang="en-US" sz="1600" i="0" dirty="0">
                         <a:solidFill>
                           <a:schemeClr val="tx1"/>
                         </a:solidFill>
@@ -5530,70 +5466,11 @@
                     <a:lstStyle/>
                     <a:p>
                       <a:pPr algn="ctr" latinLnBrk="1"/>
-                      <a:r>
-                        <a:rPr lang="ko-KR" altLang="en-US" sz="1600" i="0" dirty="0" err="1">
-                          <a:solidFill>
-                            <a:schemeClr val="tx1"/>
-                          </a:solidFill>
-                        </a:rPr>
-                        <a:t>캐랙터</a:t>
-                      </a:r>
-                      <a:r>
-                        <a:rPr lang="ko-KR" altLang="en-US" sz="1600" i="0" dirty="0">
-                          <a:solidFill>
-                            <a:schemeClr val="tx1"/>
-                          </a:solidFill>
-                        </a:rPr>
-                        <a:t> 대화 메시지 출력</a:t>
-                      </a:r>
                       <a:endParaRPr lang="en-US" altLang="ko-KR" sz="1600" i="0" dirty="0">
                         <a:solidFill>
                           <a:schemeClr val="tx1"/>
                         </a:solidFill>
                       </a:endParaRPr>
-                    </a:p>
-                    <a:p>
-                      <a:pPr algn="ctr" latinLnBrk="1"/>
-                      <a:r>
-                        <a:rPr lang="en-US" altLang="ko-KR" sz="1600" i="0" dirty="0">
-                          <a:solidFill>
-                            <a:schemeClr val="tx1"/>
-                          </a:solidFill>
-                        </a:rPr>
-                        <a:t>(</a:t>
-                      </a:r>
-                      <a:r>
-                        <a:rPr lang="ko-KR" altLang="en-US" sz="1600" i="0" dirty="0">
-                          <a:solidFill>
-                            <a:schemeClr val="tx1"/>
-                          </a:solidFill>
-                        </a:rPr>
-                        <a:t>메시지 출력할 때에만 </a:t>
-                      </a:r>
-                      <a:r>
-                        <a:rPr lang="en-US" altLang="ko-KR" sz="1600" i="0" dirty="0">
-                          <a:solidFill>
-                            <a:schemeClr val="tx1"/>
-                          </a:solidFill>
-                        </a:rPr>
-                        <a:t>UI</a:t>
-                      </a:r>
-                      <a:r>
-                        <a:rPr lang="ko-KR" altLang="en-US" sz="1600" i="0" dirty="0">
-                          <a:solidFill>
-                            <a:schemeClr val="tx1"/>
-                          </a:solidFill>
-                        </a:rPr>
-                        <a:t>도 출력</a:t>
-                      </a:r>
-                      <a:r>
-                        <a:rPr lang="en-US" altLang="ko-KR" sz="1600" i="0" dirty="0">
-                          <a:solidFill>
-                            <a:schemeClr val="tx1"/>
-                          </a:solidFill>
-                        </a:rPr>
-                        <a:t>)</a:t>
-                      </a:r>
                     </a:p>
                   </a:txBody>
                   <a:tcPr anchor="ctr">
@@ -5626,10 +5503,10 @@
         </p:nvGrpSpPr>
         <p:grpSpPr>
           <a:xfrm>
-            <a:off x="228601" y="1322390"/>
-            <a:ext cx="3302000" cy="2091332"/>
-            <a:chOff x="228600" y="1322389"/>
-            <a:chExt cx="4024187" cy="2548731"/>
+            <a:off x="228601" y="1435716"/>
+            <a:ext cx="2912952" cy="1978007"/>
+            <a:chOff x="228600" y="1460500"/>
+            <a:chExt cx="3550050" cy="2410620"/>
           </a:xfrm>
         </p:grpSpPr>
         <p:grpSp>
@@ -6201,105 +6078,6 @@
             </p:txBody>
           </p:sp>
         </p:grpSp>
-        <p:sp>
-          <p:nvSpPr>
-            <p:cNvPr id="36" name="사다리꼴 35">
-              <a:extLst>
-                <a:ext uri="{FF2B5EF4-FFF2-40B4-BE49-F238E27FC236}">
-                  <a16:creationId xmlns:a16="http://schemas.microsoft.com/office/drawing/2014/main" id="{E0723D03-DAAF-4BF2-884A-5E15B9DDF672}"/>
-                </a:ext>
-              </a:extLst>
-            </p:cNvPr>
-            <p:cNvSpPr/>
-            <p:nvPr/>
-          </p:nvSpPr>
-          <p:spPr>
-            <a:xfrm flipV="1">
-              <a:off x="1781175" y="1553222"/>
-              <a:ext cx="2052637" cy="73484"/>
-            </a:xfrm>
-            <a:prstGeom prst="trapezoid">
-              <a:avLst>
-                <a:gd name="adj" fmla="val 51047"/>
-              </a:avLst>
-            </a:prstGeom>
-            <a:solidFill>
-              <a:srgbClr val="FFC000"/>
-            </a:solidFill>
-            <a:ln>
-              <a:noFill/>
-            </a:ln>
-          </p:spPr>
-          <p:style>
-            <a:lnRef idx="2">
-              <a:schemeClr val="accent1">
-                <a:shade val="50000"/>
-              </a:schemeClr>
-            </a:lnRef>
-            <a:fillRef idx="1">
-              <a:schemeClr val="accent1"/>
-            </a:fillRef>
-            <a:effectRef idx="0">
-              <a:schemeClr val="accent1"/>
-            </a:effectRef>
-            <a:fontRef idx="minor">
-              <a:schemeClr val="lt1"/>
-            </a:fontRef>
-          </p:style>
-          <p:txBody>
-            <a:bodyPr rtlCol="0" anchor="ctr"/>
-            <a:lstStyle/>
-            <a:p>
-              <a:pPr algn="ctr"/>
-              <a:endParaRPr lang="ko-KR" altLang="en-US" sz="1400"/>
-            </a:p>
-          </p:txBody>
-        </p:sp>
-        <p:sp>
-          <p:nvSpPr>
-            <p:cNvPr id="37" name="TextBox 36">
-              <a:extLst>
-                <a:ext uri="{FF2B5EF4-FFF2-40B4-BE49-F238E27FC236}">
-                  <a16:creationId xmlns:a16="http://schemas.microsoft.com/office/drawing/2014/main" id="{9657527C-AD1F-40B4-8085-3C404D717898}"/>
-                </a:ext>
-              </a:extLst>
-            </p:cNvPr>
-            <p:cNvSpPr txBox="1"/>
-            <p:nvPr/>
-          </p:nvSpPr>
-          <p:spPr>
-            <a:xfrm>
-              <a:off x="3757487" y="1322389"/>
-              <a:ext cx="495300" cy="369332"/>
-            </a:xfrm>
-            <a:prstGeom prst="rect">
-              <a:avLst/>
-            </a:prstGeom>
-            <a:noFill/>
-          </p:spPr>
-          <p:txBody>
-            <a:bodyPr wrap="square" rtlCol="0">
-              <a:spAutoFit/>
-            </a:bodyPr>
-            <a:lstStyle/>
-            <a:p>
-              <a:pPr algn="ctr"/>
-              <a:r>
-                <a:rPr lang="ko-KR" altLang="en-US" b="1" dirty="0">
-                  <a:solidFill>
-                    <a:srgbClr val="FF0000"/>
-                  </a:solidFill>
-                </a:rPr>
-                <a:t>④</a:t>
-              </a:r>
-              <a:endParaRPr lang="en-US" altLang="ko-KR" b="1" dirty="0">
-                <a:solidFill>
-                  <a:srgbClr val="FF0000"/>
-                </a:solidFill>
-              </a:endParaRPr>
-            </a:p>
-          </p:txBody>
-        </p:sp>
       </p:grpSp>
       <p:grpSp>
         <p:nvGrpSpPr>
@@ -6469,7 +6247,7 @@
           <p:spPr>
             <a:xfrm>
               <a:off x="3232150" y="7056903"/>
-              <a:ext cx="495300" cy="369332"/>
+              <a:ext cx="495301" cy="477520"/>
             </a:xfrm>
             <a:prstGeom prst="rect">
               <a:avLst/>
@@ -6489,7 +6267,7 @@
                     <a:srgbClr val="FF0000"/>
                   </a:solidFill>
                 </a:rPr>
-                <a:t>⑤</a:t>
+                <a:t>④</a:t>
               </a:r>
               <a:endParaRPr lang="en-US" altLang="ko-KR" b="1" dirty="0">
                 <a:solidFill>
@@ -6544,7 +6322,7 @@
         </p:nvSpPr>
         <p:spPr>
           <a:xfrm>
-            <a:off x="5808754" y="4655651"/>
+            <a:off x="3192554" y="4655651"/>
             <a:ext cx="7717170" cy="2012950"/>
           </a:xfrm>
           <a:prstGeom prst="rect">
@@ -6600,7 +6378,7 @@
         </p:nvSpPr>
         <p:spPr>
           <a:xfrm>
-            <a:off x="5808754" y="4234800"/>
+            <a:off x="3192554" y="4234800"/>
             <a:ext cx="7717170" cy="369332"/>
           </a:xfrm>
           <a:prstGeom prst="rect">
@@ -6629,68 +6407,12 @@
                 <a:latin typeface="HY그래픽M" panose="02030600000101010101" pitchFamily="18" charset="-127"/>
                 <a:ea typeface="HY그래픽M" panose="02030600000101010101" pitchFamily="18" charset="-127"/>
               </a:rPr>
-              <a:t>⑤</a:t>
+              <a:t>④</a:t>
             </a:r>
             <a:endParaRPr lang="en-US" altLang="ko-KR" b="1" dirty="0">
               <a:latin typeface="HY그래픽M" panose="02030600000101010101" pitchFamily="18" charset="-127"/>
               <a:ea typeface="HY그래픽M" panose="02030600000101010101" pitchFamily="18" charset="-127"/>
             </a:endParaRPr>
-          </a:p>
-        </p:txBody>
-      </p:sp>
-      <p:sp>
-        <p:nvSpPr>
-          <p:cNvPr id="75" name="직사각형 74">
-            <a:extLst>
-              <a:ext uri="{FF2B5EF4-FFF2-40B4-BE49-F238E27FC236}">
-                <a16:creationId xmlns:a16="http://schemas.microsoft.com/office/drawing/2014/main" id="{7126679C-FBAC-4FEB-9A87-A43EFF66F65E}"/>
-              </a:ext>
-            </a:extLst>
-          </p:cNvPr>
-          <p:cNvSpPr/>
-          <p:nvPr/>
-        </p:nvSpPr>
-        <p:spPr>
-          <a:xfrm>
-            <a:off x="2972594" y="4674310"/>
-            <a:ext cx="2539999" cy="2012950"/>
-          </a:xfrm>
-          <a:prstGeom prst="rect">
-            <a:avLst/>
-          </a:prstGeom>
-          <a:solidFill>
-            <a:schemeClr val="bg1">
-              <a:alpha val="20000"/>
-            </a:schemeClr>
-          </a:solidFill>
-          <a:ln>
-            <a:solidFill>
-              <a:schemeClr val="bg1"/>
-            </a:solidFill>
-          </a:ln>
-        </p:spPr>
-        <p:style>
-          <a:lnRef idx="2">
-            <a:schemeClr val="accent1">
-              <a:shade val="50000"/>
-            </a:schemeClr>
-          </a:lnRef>
-          <a:fillRef idx="1">
-            <a:schemeClr val="accent1"/>
-          </a:fillRef>
-          <a:effectRef idx="0">
-            <a:schemeClr val="accent1"/>
-          </a:effectRef>
-          <a:fontRef idx="minor">
-            <a:schemeClr val="lt1"/>
-          </a:fontRef>
-        </p:style>
-        <p:txBody>
-          <a:bodyPr rtlCol="0" anchor="ctr"/>
-          <a:lstStyle/>
-          <a:p>
-            <a:pPr algn="ctr"/>
-            <a:endParaRPr lang="ko-KR" altLang="en-US" dirty="0"/>
           </a:p>
         </p:txBody>
       </p:sp>
@@ -6969,7 +6691,7 @@
           <p:nvPr>
             <p:extLst>
               <p:ext uri="{D42A27DB-BD31-4B8C-83A1-F6EECF244321}">
-                <p14:modId xmlns:p14="http://schemas.microsoft.com/office/powerpoint/2010/main" val="599812393"/>
+                <p14:modId xmlns:p14="http://schemas.microsoft.com/office/powerpoint/2010/main" val="393131965"/>
               </p:ext>
             </p:extLst>
           </p:nvPr>
@@ -7172,20 +6894,31 @@
                     <a:bodyPr/>
                     <a:lstStyle/>
                     <a:p>
-                      <a:pPr algn="ctr" latinLnBrk="1"/>
+                      <a:pPr marL="0" marR="0" lvl="0" indent="0" algn="ctr" defTabSz="1320759" rtl="0" eaLnBrk="1" fontAlgn="auto" latinLnBrk="1" hangingPunct="1">
+                        <a:lnSpc>
+                          <a:spcPct val="100000"/>
+                        </a:lnSpc>
+                        <a:spcBef>
+                          <a:spcPts val="0"/>
+                        </a:spcBef>
+                        <a:spcAft>
+                          <a:spcPts val="0"/>
+                        </a:spcAft>
+                        <a:buClrTx/>
+                        <a:buSzTx/>
+                        <a:buFontTx/>
+                        <a:buNone/>
+                        <a:tabLst/>
+                        <a:defRPr/>
+                      </a:pPr>
                       <a:r>
                         <a:rPr lang="en-US" altLang="ko-KR" sz="1600" i="0" dirty="0">
                           <a:solidFill>
                             <a:schemeClr val="tx1"/>
                           </a:solidFill>
                         </a:rPr>
-                        <a:t>282*12</a:t>
+                        <a:t>840*66</a:t>
                       </a:r>
-                      <a:endParaRPr lang="ko-KR" altLang="en-US" sz="1600" i="0" dirty="0">
-                        <a:solidFill>
-                          <a:schemeClr val="tx1"/>
-                        </a:solidFill>
-                      </a:endParaRPr>
                     </a:p>
                   </a:txBody>
                   <a:tcPr anchor="ctr">
@@ -7225,14 +6958,11 @@
                     <a:lstStyle/>
                     <a:p>
                       <a:pPr algn="ctr" latinLnBrk="1"/>
-                      <a:r>
-                        <a:rPr lang="en-US" altLang="ko-KR" sz="1600" i="0" dirty="0">
-                          <a:solidFill>
-                            <a:schemeClr val="tx1"/>
-                          </a:solidFill>
-                        </a:rPr>
-                        <a:t>840*66</a:t>
-                      </a:r>
+                      <a:endParaRPr lang="en-US" altLang="ko-KR" sz="1600" i="0" dirty="0">
+                        <a:solidFill>
+                          <a:schemeClr val="tx1"/>
+                        </a:solidFill>
+                      </a:endParaRPr>
                     </a:p>
                   </a:txBody>
                   <a:tcPr anchor="ctr">
@@ -9173,431 +8903,6 @@
           </p:txBody>
         </p:sp>
       </p:grpSp>
-      <p:sp>
-        <p:nvSpPr>
-          <p:cNvPr id="76" name="TextBox 75">
-            <a:extLst>
-              <a:ext uri="{FF2B5EF4-FFF2-40B4-BE49-F238E27FC236}">
-                <a16:creationId xmlns:a16="http://schemas.microsoft.com/office/drawing/2014/main" id="{DBC4C2CA-8A97-41C5-8B46-54A71CFD8F80}"/>
-              </a:ext>
-            </a:extLst>
-          </p:cNvPr>
-          <p:cNvSpPr txBox="1"/>
-          <p:nvPr/>
-        </p:nvSpPr>
-        <p:spPr>
-          <a:xfrm>
-            <a:off x="2972594" y="4240947"/>
-            <a:ext cx="2539999" cy="369332"/>
-          </a:xfrm>
-          <a:prstGeom prst="rect">
-            <a:avLst/>
-          </a:prstGeom>
-          <a:solidFill>
-            <a:schemeClr val="bg1">
-              <a:alpha val="20000"/>
-            </a:schemeClr>
-          </a:solidFill>
-          <a:ln>
-            <a:solidFill>
-              <a:schemeClr val="bg1"/>
-            </a:solidFill>
-          </a:ln>
-        </p:spPr>
-        <p:txBody>
-          <a:bodyPr wrap="square" rtlCol="0">
-            <a:spAutoFit/>
-          </a:bodyPr>
-          <a:lstStyle/>
-          <a:p>
-            <a:pPr algn="ctr"/>
-            <a:r>
-              <a:rPr lang="ko-KR" altLang="en-US" b="1" dirty="0">
-                <a:latin typeface="HY그래픽M" panose="02030600000101010101" pitchFamily="18" charset="-127"/>
-                <a:ea typeface="HY그래픽M" panose="02030600000101010101" pitchFamily="18" charset="-127"/>
-              </a:rPr>
-              <a:t>④</a:t>
-            </a:r>
-            <a:endParaRPr lang="en-US" altLang="ko-KR" b="1" dirty="0">
-              <a:latin typeface="HY그래픽M" panose="02030600000101010101" pitchFamily="18" charset="-127"/>
-              <a:ea typeface="HY그래픽M" panose="02030600000101010101" pitchFamily="18" charset="-127"/>
-            </a:endParaRPr>
-          </a:p>
-        </p:txBody>
-      </p:sp>
-      <p:sp>
-        <p:nvSpPr>
-          <p:cNvPr id="83" name="TextBox 82">
-            <a:extLst>
-              <a:ext uri="{FF2B5EF4-FFF2-40B4-BE49-F238E27FC236}">
-                <a16:creationId xmlns:a16="http://schemas.microsoft.com/office/drawing/2014/main" id="{08944C7F-369B-4479-AE7B-A7C4FF9BF974}"/>
-              </a:ext>
-            </a:extLst>
-          </p:cNvPr>
-          <p:cNvSpPr txBox="1"/>
-          <p:nvPr/>
-        </p:nvSpPr>
-        <p:spPr>
-          <a:xfrm>
-            <a:off x="2624204" y="5431493"/>
-            <a:ext cx="1170791" cy="230832"/>
-          </a:xfrm>
-          <a:prstGeom prst="rect">
-            <a:avLst/>
-          </a:prstGeom>
-          <a:noFill/>
-        </p:spPr>
-        <p:txBody>
-          <a:bodyPr wrap="square" rtlCol="0">
-            <a:spAutoFit/>
-          </a:bodyPr>
-          <a:lstStyle/>
-          <a:p>
-            <a:pPr algn="ctr"/>
-            <a:r>
-              <a:rPr lang="en-US" altLang="ko-KR" sz="900" dirty="0"/>
-              <a:t>12</a:t>
-            </a:r>
-          </a:p>
-        </p:txBody>
-      </p:sp>
-      <p:grpSp>
-        <p:nvGrpSpPr>
-          <p:cNvPr id="87" name="그룹 86">
-            <a:extLst>
-              <a:ext uri="{FF2B5EF4-FFF2-40B4-BE49-F238E27FC236}">
-                <a16:creationId xmlns:a16="http://schemas.microsoft.com/office/drawing/2014/main" id="{DA88F0CC-5272-488D-AA91-EBCA2B2B6103}"/>
-              </a:ext>
-            </a:extLst>
-          </p:cNvPr>
-          <p:cNvGrpSpPr/>
-          <p:nvPr/>
-        </p:nvGrpSpPr>
-        <p:grpSpPr>
-          <a:xfrm>
-            <a:off x="3296307" y="5206673"/>
-            <a:ext cx="1792286" cy="477035"/>
-            <a:chOff x="3296307" y="5206673"/>
-            <a:chExt cx="1792286" cy="477035"/>
-          </a:xfrm>
-        </p:grpSpPr>
-        <p:sp>
-          <p:nvSpPr>
-            <p:cNvPr id="11" name="사다리꼴 10">
-              <a:extLst>
-                <a:ext uri="{FF2B5EF4-FFF2-40B4-BE49-F238E27FC236}">
-                  <a16:creationId xmlns:a16="http://schemas.microsoft.com/office/drawing/2014/main" id="{F60A3F75-CC7C-495C-A3C9-E0DFECE57631}"/>
-                </a:ext>
-              </a:extLst>
-            </p:cNvPr>
-            <p:cNvSpPr/>
-            <p:nvPr/>
-          </p:nvSpPr>
-          <p:spPr>
-            <a:xfrm flipV="1">
-              <a:off x="3396593" y="5510909"/>
-              <a:ext cx="1692000" cy="72000"/>
-            </a:xfrm>
-            <a:prstGeom prst="trapezoid">
-              <a:avLst>
-                <a:gd name="adj" fmla="val 51047"/>
-              </a:avLst>
-            </a:prstGeom>
-            <a:solidFill>
-              <a:srgbClr val="FFC000"/>
-            </a:solidFill>
-            <a:ln>
-              <a:noFill/>
-            </a:ln>
-          </p:spPr>
-          <p:style>
-            <a:lnRef idx="2">
-              <a:schemeClr val="accent1">
-                <a:shade val="50000"/>
-              </a:schemeClr>
-            </a:lnRef>
-            <a:fillRef idx="1">
-              <a:schemeClr val="accent1"/>
-            </a:fillRef>
-            <a:effectRef idx="0">
-              <a:schemeClr val="accent1"/>
-            </a:effectRef>
-            <a:fontRef idx="minor">
-              <a:schemeClr val="lt1"/>
-            </a:fontRef>
-          </p:style>
-          <p:txBody>
-            <a:bodyPr rtlCol="0" anchor="ctr"/>
-            <a:lstStyle/>
-            <a:p>
-              <a:pPr algn="ctr"/>
-              <a:endParaRPr lang="ko-KR" altLang="en-US" sz="1400"/>
-            </a:p>
-          </p:txBody>
-        </p:sp>
-        <p:sp>
-          <p:nvSpPr>
-            <p:cNvPr id="77" name="직사각형 76">
-              <a:extLst>
-                <a:ext uri="{FF2B5EF4-FFF2-40B4-BE49-F238E27FC236}">
-                  <a16:creationId xmlns:a16="http://schemas.microsoft.com/office/drawing/2014/main" id="{83BC48BD-5B11-45B6-80AC-1D943414EE2B}"/>
-                </a:ext>
-              </a:extLst>
-            </p:cNvPr>
-            <p:cNvSpPr/>
-            <p:nvPr/>
-          </p:nvSpPr>
-          <p:spPr>
-            <a:xfrm>
-              <a:off x="3396593" y="5510909"/>
-              <a:ext cx="1692000" cy="72000"/>
-            </a:xfrm>
-            <a:prstGeom prst="rect">
-              <a:avLst/>
-            </a:prstGeom>
-            <a:noFill/>
-            <a:ln>
-              <a:solidFill>
-                <a:schemeClr val="tx1"/>
-              </a:solidFill>
-            </a:ln>
-          </p:spPr>
-          <p:style>
-            <a:lnRef idx="2">
-              <a:schemeClr val="accent1">
-                <a:shade val="50000"/>
-              </a:schemeClr>
-            </a:lnRef>
-            <a:fillRef idx="1">
-              <a:schemeClr val="accent1"/>
-            </a:fillRef>
-            <a:effectRef idx="0">
-              <a:schemeClr val="accent1"/>
-            </a:effectRef>
-            <a:fontRef idx="minor">
-              <a:schemeClr val="lt1"/>
-            </a:fontRef>
-          </p:style>
-          <p:txBody>
-            <a:bodyPr rtlCol="0" anchor="ctr"/>
-            <a:lstStyle/>
-            <a:p>
-              <a:pPr algn="ctr"/>
-              <a:endParaRPr lang="ko-KR" altLang="en-US" dirty="0"/>
-            </a:p>
-          </p:txBody>
-        </p:sp>
-        <p:sp>
-          <p:nvSpPr>
-            <p:cNvPr id="78" name="왼쪽 대괄호 77">
-              <a:extLst>
-                <a:ext uri="{FF2B5EF4-FFF2-40B4-BE49-F238E27FC236}">
-                  <a16:creationId xmlns:a16="http://schemas.microsoft.com/office/drawing/2014/main" id="{2D598D46-846A-4DFB-AF49-EC9F9626533D}"/>
-                </a:ext>
-              </a:extLst>
-            </p:cNvPr>
-            <p:cNvSpPr/>
-            <p:nvPr/>
-          </p:nvSpPr>
-          <p:spPr>
-            <a:xfrm rot="5400000">
-              <a:off x="4192193" y="4614509"/>
-              <a:ext cx="100800" cy="1692000"/>
-            </a:xfrm>
-            <a:prstGeom prst="leftBracket">
-              <a:avLst>
-                <a:gd name="adj" fmla="val 703214"/>
-              </a:avLst>
-            </a:prstGeom>
-          </p:spPr>
-          <p:style>
-            <a:lnRef idx="1">
-              <a:schemeClr val="dk1"/>
-            </a:lnRef>
-            <a:fillRef idx="0">
-              <a:schemeClr val="dk1"/>
-            </a:fillRef>
-            <a:effectRef idx="0">
-              <a:schemeClr val="dk1"/>
-            </a:effectRef>
-            <a:fontRef idx="minor">
-              <a:schemeClr val="tx1"/>
-            </a:fontRef>
-          </p:style>
-          <p:txBody>
-            <a:bodyPr rtlCol="0" anchor="ctr"/>
-            <a:lstStyle/>
-            <a:p>
-              <a:pPr algn="ctr"/>
-              <a:endParaRPr lang="ko-KR" altLang="en-US"/>
-            </a:p>
-          </p:txBody>
-        </p:sp>
-        <p:sp>
-          <p:nvSpPr>
-            <p:cNvPr id="79" name="TextBox 78">
-              <a:extLst>
-                <a:ext uri="{FF2B5EF4-FFF2-40B4-BE49-F238E27FC236}">
-                  <a16:creationId xmlns:a16="http://schemas.microsoft.com/office/drawing/2014/main" id="{2AF411AA-A758-4D23-B552-BE9386B72BDF}"/>
-                </a:ext>
-              </a:extLst>
-            </p:cNvPr>
-            <p:cNvSpPr txBox="1"/>
-            <p:nvPr/>
-          </p:nvSpPr>
-          <p:spPr>
-            <a:xfrm>
-              <a:off x="3660560" y="5206673"/>
-              <a:ext cx="1170791" cy="230832"/>
-            </a:xfrm>
-            <a:prstGeom prst="rect">
-              <a:avLst/>
-            </a:prstGeom>
-            <a:noFill/>
-          </p:spPr>
-          <p:txBody>
-            <a:bodyPr wrap="square" rtlCol="0">
-              <a:spAutoFit/>
-            </a:bodyPr>
-            <a:lstStyle/>
-            <a:p>
-              <a:pPr algn="ctr"/>
-              <a:r>
-                <a:rPr lang="en-US" altLang="ko-KR" sz="900" dirty="0"/>
-                <a:t>282</a:t>
-              </a:r>
-            </a:p>
-          </p:txBody>
-        </p:sp>
-        <p:sp>
-          <p:nvSpPr>
-            <p:cNvPr id="82" name="왼쪽 대괄호 81">
-              <a:extLst>
-                <a:ext uri="{FF2B5EF4-FFF2-40B4-BE49-F238E27FC236}">
-                  <a16:creationId xmlns:a16="http://schemas.microsoft.com/office/drawing/2014/main" id="{1EBD86B2-B4D0-48CF-A709-8A145EC91B6C}"/>
-                </a:ext>
-              </a:extLst>
-            </p:cNvPr>
-            <p:cNvSpPr/>
-            <p:nvPr/>
-          </p:nvSpPr>
-          <p:spPr>
-            <a:xfrm>
-              <a:off x="3296307" y="5511201"/>
-              <a:ext cx="100800" cy="71708"/>
-            </a:xfrm>
-            <a:prstGeom prst="leftBracket">
-              <a:avLst>
-                <a:gd name="adj" fmla="val 703214"/>
-              </a:avLst>
-            </a:prstGeom>
-          </p:spPr>
-          <p:style>
-            <a:lnRef idx="1">
-              <a:schemeClr val="dk1"/>
-            </a:lnRef>
-            <a:fillRef idx="0">
-              <a:schemeClr val="dk1"/>
-            </a:fillRef>
-            <a:effectRef idx="0">
-              <a:schemeClr val="dk1"/>
-            </a:effectRef>
-            <a:fontRef idx="minor">
-              <a:schemeClr val="tx1"/>
-            </a:fontRef>
-          </p:style>
-          <p:txBody>
-            <a:bodyPr rtlCol="0" anchor="ctr"/>
-            <a:lstStyle/>
-            <a:p>
-              <a:pPr algn="ctr"/>
-              <a:endParaRPr lang="ko-KR" altLang="en-US"/>
-            </a:p>
-          </p:txBody>
-        </p:sp>
-        <p:sp>
-          <p:nvSpPr>
-            <p:cNvPr id="85" name="왼쪽 대괄호 84">
-              <a:extLst>
-                <a:ext uri="{FF2B5EF4-FFF2-40B4-BE49-F238E27FC236}">
-                  <a16:creationId xmlns:a16="http://schemas.microsoft.com/office/drawing/2014/main" id="{9A890303-BE4E-4F84-A32B-45F382F04118}"/>
-                </a:ext>
-              </a:extLst>
-            </p:cNvPr>
-            <p:cNvSpPr/>
-            <p:nvPr/>
-          </p:nvSpPr>
-          <p:spPr>
-            <a:xfrm rot="16200000" flipV="1">
-              <a:off x="3364969" y="5616084"/>
-              <a:ext cx="99249" cy="36000"/>
-            </a:xfrm>
-            <a:prstGeom prst="leftBracket">
-              <a:avLst>
-                <a:gd name="adj" fmla="val 703214"/>
-              </a:avLst>
-            </a:prstGeom>
-          </p:spPr>
-          <p:style>
-            <a:lnRef idx="1">
-              <a:schemeClr val="dk1"/>
-            </a:lnRef>
-            <a:fillRef idx="0">
-              <a:schemeClr val="dk1"/>
-            </a:fillRef>
-            <a:effectRef idx="0">
-              <a:schemeClr val="dk1"/>
-            </a:effectRef>
-            <a:fontRef idx="minor">
-              <a:schemeClr val="tx1"/>
-            </a:fontRef>
-          </p:style>
-          <p:txBody>
-            <a:bodyPr rtlCol="0" anchor="ctr"/>
-            <a:lstStyle/>
-            <a:p>
-              <a:pPr algn="ctr"/>
-              <a:endParaRPr lang="ko-KR" altLang="en-US"/>
-            </a:p>
-          </p:txBody>
-        </p:sp>
-      </p:grpSp>
-      <p:sp>
-        <p:nvSpPr>
-          <p:cNvPr id="86" name="TextBox 85">
-            <a:extLst>
-              <a:ext uri="{FF2B5EF4-FFF2-40B4-BE49-F238E27FC236}">
-                <a16:creationId xmlns:a16="http://schemas.microsoft.com/office/drawing/2014/main" id="{1773DA1C-86B7-4224-93F3-78A9277C63FA}"/>
-              </a:ext>
-            </a:extLst>
-          </p:cNvPr>
-          <p:cNvSpPr txBox="1"/>
-          <p:nvPr/>
-        </p:nvSpPr>
-        <p:spPr>
-          <a:xfrm>
-            <a:off x="2829197" y="5647907"/>
-            <a:ext cx="1170791" cy="230832"/>
-          </a:xfrm>
-          <a:prstGeom prst="rect">
-            <a:avLst/>
-          </a:prstGeom>
-          <a:noFill/>
-        </p:spPr>
-        <p:txBody>
-          <a:bodyPr wrap="square" rtlCol="0">
-            <a:spAutoFit/>
-          </a:bodyPr>
-          <a:lstStyle/>
-          <a:p>
-            <a:pPr algn="ctr"/>
-            <a:r>
-              <a:rPr lang="en-US" altLang="ko-KR" sz="900" dirty="0"/>
-              <a:t>6</a:t>
-            </a:r>
-          </a:p>
-        </p:txBody>
-      </p:sp>
       <p:grpSp>
         <p:nvGrpSpPr>
           <p:cNvPr id="109" name="그룹 108">
@@ -9612,7 +8917,7 @@
         </p:nvGrpSpPr>
         <p:grpSpPr>
           <a:xfrm>
-            <a:off x="6668461" y="5037137"/>
+            <a:off x="4052261" y="5037137"/>
             <a:ext cx="5989733" cy="1036768"/>
             <a:chOff x="6668461" y="5037137"/>
             <a:chExt cx="5989733" cy="1036768"/>
@@ -10183,14 +9488,14 @@
                 <a:latin typeface="메이플스토리" panose="02000300000000000000" pitchFamily="2" charset="-127"/>
                 <a:ea typeface="메이플스토리" panose="02000300000000000000" pitchFamily="2" charset="-127"/>
               </a:rPr>
-              <a:t>로비 배치 구상 </a:t>
+              <a:t>타이틀 배치 구상 </a:t>
             </a:r>
             <a:r>
               <a:rPr lang="en-US" altLang="ko-KR" b="1" dirty="0">
                 <a:latin typeface="메이플스토리" panose="02000300000000000000" pitchFamily="2" charset="-127"/>
                 <a:ea typeface="메이플스토리" panose="02000300000000000000" pitchFamily="2" charset="-127"/>
               </a:rPr>
-              <a:t>&amp; UI </a:t>
+              <a:t>&amp; UI</a:t>
             </a:r>
             <a:r>
               <a:rPr lang="ko-KR" altLang="en-US" b="1" dirty="0">
@@ -10304,17 +9609,6 @@
           </a:p>
           <a:p>
             <a:pPr algn="ctr"/>
-            <a:endParaRPr lang="en-US" altLang="ko-KR" sz="3600" b="1" dirty="0">
-              <a:solidFill>
-                <a:schemeClr val="tx1">
-                  <a:lumMod val="75000"/>
-                  <a:lumOff val="25000"/>
-                </a:schemeClr>
-              </a:solidFill>
-            </a:endParaRPr>
-          </a:p>
-          <a:p>
-            <a:pPr algn="ctr"/>
             <a:endParaRPr lang="ko-KR" altLang="en-US" sz="3600" b="1" dirty="0">
               <a:solidFill>
                 <a:schemeClr val="tx1">
@@ -10323,180 +9617,6 @@
                 </a:schemeClr>
               </a:solidFill>
             </a:endParaRPr>
-          </a:p>
-        </p:txBody>
-      </p:sp>
-      <p:sp>
-        <p:nvSpPr>
-          <p:cNvPr id="9" name="육각형 8">
-            <a:extLst>
-              <a:ext uri="{FF2B5EF4-FFF2-40B4-BE49-F238E27FC236}">
-                <a16:creationId xmlns:a16="http://schemas.microsoft.com/office/drawing/2014/main" id="{80C73C3C-78FB-4E62-B907-5AAACA5D8BAB}"/>
-              </a:ext>
-            </a:extLst>
-          </p:cNvPr>
-          <p:cNvSpPr/>
-          <p:nvPr/>
-        </p:nvSpPr>
-        <p:spPr>
-          <a:xfrm>
-            <a:off x="4029963" y="6934200"/>
-            <a:ext cx="3780000" cy="576000"/>
-          </a:xfrm>
-          <a:prstGeom prst="hexagon">
-            <a:avLst/>
-          </a:prstGeom>
-          <a:ln>
-            <a:noFill/>
-          </a:ln>
-        </p:spPr>
-        <p:style>
-          <a:lnRef idx="2">
-            <a:schemeClr val="accent1">
-              <a:shade val="50000"/>
-            </a:schemeClr>
-          </a:lnRef>
-          <a:fillRef idx="1">
-            <a:schemeClr val="accent1"/>
-          </a:fillRef>
-          <a:effectRef idx="0">
-            <a:schemeClr val="accent1"/>
-          </a:effectRef>
-          <a:fontRef idx="minor">
-            <a:schemeClr val="lt1"/>
-          </a:fontRef>
-        </p:style>
-        <p:txBody>
-          <a:bodyPr rtlCol="0" anchor="ctr"/>
-          <a:lstStyle/>
-          <a:p>
-            <a:pPr algn="ctr"/>
-            <a:r>
-              <a:rPr lang="ko-KR" altLang="en-US" dirty="0"/>
-              <a:t>③</a:t>
-            </a:r>
-            <a:r>
-              <a:rPr lang="en-US" altLang="ko-KR" dirty="0"/>
-              <a:t>Quit</a:t>
-            </a:r>
-            <a:endParaRPr lang="ko-KR" altLang="en-US" dirty="0"/>
-          </a:p>
-        </p:txBody>
-      </p:sp>
-      <p:sp>
-        <p:nvSpPr>
-          <p:cNvPr id="11" name="육각형 10">
-            <a:extLst>
-              <a:ext uri="{FF2B5EF4-FFF2-40B4-BE49-F238E27FC236}">
-                <a16:creationId xmlns:a16="http://schemas.microsoft.com/office/drawing/2014/main" id="{8BC4A912-B8B3-444F-A433-E68AE5DABCAD}"/>
-              </a:ext>
-            </a:extLst>
-          </p:cNvPr>
-          <p:cNvSpPr/>
-          <p:nvPr/>
-        </p:nvSpPr>
-        <p:spPr>
-          <a:xfrm>
-            <a:off x="4029963" y="6235820"/>
-            <a:ext cx="3780000" cy="576000"/>
-          </a:xfrm>
-          <a:prstGeom prst="hexagon">
-            <a:avLst/>
-          </a:prstGeom>
-          <a:ln>
-            <a:noFill/>
-          </a:ln>
-        </p:spPr>
-        <p:style>
-          <a:lnRef idx="2">
-            <a:schemeClr val="accent1">
-              <a:shade val="50000"/>
-            </a:schemeClr>
-          </a:lnRef>
-          <a:fillRef idx="1">
-            <a:schemeClr val="accent1"/>
-          </a:fillRef>
-          <a:effectRef idx="0">
-            <a:schemeClr val="accent1"/>
-          </a:effectRef>
-          <a:fontRef idx="minor">
-            <a:schemeClr val="lt1"/>
-          </a:fontRef>
-        </p:style>
-        <p:txBody>
-          <a:bodyPr rtlCol="0" anchor="ctr"/>
-          <a:lstStyle/>
-          <a:p>
-            <a:pPr algn="ctr"/>
-            <a:r>
-              <a:rPr lang="ko-KR" altLang="en-US" dirty="0"/>
-              <a:t>②</a:t>
-            </a:r>
-            <a:r>
-              <a:rPr lang="en-US" altLang="ko-KR" dirty="0"/>
-              <a:t>Load</a:t>
-            </a:r>
-            <a:endParaRPr lang="ko-KR" altLang="en-US" dirty="0"/>
-          </a:p>
-        </p:txBody>
-      </p:sp>
-      <p:sp>
-        <p:nvSpPr>
-          <p:cNvPr id="12" name="육각형 11">
-            <a:extLst>
-              <a:ext uri="{FF2B5EF4-FFF2-40B4-BE49-F238E27FC236}">
-                <a16:creationId xmlns:a16="http://schemas.microsoft.com/office/drawing/2014/main" id="{00596777-97E3-4316-A73B-E7371A03AE18}"/>
-              </a:ext>
-            </a:extLst>
-          </p:cNvPr>
-          <p:cNvSpPr/>
-          <p:nvPr/>
-        </p:nvSpPr>
-        <p:spPr>
-          <a:xfrm>
-            <a:off x="4029963" y="5537440"/>
-            <a:ext cx="3780000" cy="576000"/>
-          </a:xfrm>
-          <a:prstGeom prst="hexagon">
-            <a:avLst/>
-          </a:prstGeom>
-          <a:solidFill>
-            <a:srgbClr val="FF4343"/>
-          </a:solidFill>
-          <a:ln>
-            <a:noFill/>
-          </a:ln>
-        </p:spPr>
-        <p:style>
-          <a:lnRef idx="2">
-            <a:schemeClr val="accent1">
-              <a:shade val="50000"/>
-            </a:schemeClr>
-          </a:lnRef>
-          <a:fillRef idx="1">
-            <a:schemeClr val="accent1"/>
-          </a:fillRef>
-          <a:effectRef idx="0">
-            <a:schemeClr val="accent1"/>
-          </a:effectRef>
-          <a:fontRef idx="minor">
-            <a:schemeClr val="lt1"/>
-          </a:fontRef>
-        </p:style>
-        <p:txBody>
-          <a:bodyPr rtlCol="0" anchor="ctr"/>
-          <a:lstStyle/>
-          <a:p>
-            <a:pPr algn="ctr"/>
-            <a:r>
-              <a:rPr lang="ko-KR" altLang="en-US" dirty="0"/>
-              <a:t>①</a:t>
-            </a:r>
-            <a:r>
-              <a:rPr lang="en-US" altLang="ko-KR" dirty="0"/>
-              <a:t>New Game</a:t>
-            </a:r>
-            <a:endParaRPr lang="ko-KR" altLang="en-US" dirty="0"/>
           </a:p>
         </p:txBody>
       </p:sp>
@@ -10515,14 +9635,14 @@
           <p:nvPr>
             <p:extLst>
               <p:ext uri="{D42A27DB-BD31-4B8C-83A1-F6EECF244321}">
-                <p14:modId xmlns:p14="http://schemas.microsoft.com/office/powerpoint/2010/main" val="2744270819"/>
+                <p14:modId xmlns:p14="http://schemas.microsoft.com/office/powerpoint/2010/main" val="133631781"/>
               </p:ext>
             </p:extLst>
           </p:nvPr>
         </p:nvGraphicFramePr>
         <p:xfrm>
           <a:off x="11792313" y="1430919"/>
-          <a:ext cx="5716224" cy="1037496"/>
+          <a:ext cx="5716224" cy="579120"/>
         </p:xfrm>
         <a:graphic>
           <a:graphicData uri="http://schemas.openxmlformats.org/drawingml/2006/table">
@@ -10573,8 +9693,33 @@
                       <a:pPr algn="ctr" latinLnBrk="1"/>
                       <a:r>
                         <a:rPr lang="ko-KR" altLang="en-US" sz="1600" dirty="0"/>
-                        <a:t>새로운 게임을 시작하는 버튼</a:t>
+                        <a:t>텍스트</a:t>
                       </a:r>
+                      <a:endParaRPr lang="en-US" altLang="ko-KR" sz="1600" dirty="0"/>
+                    </a:p>
+                    <a:p>
+                      <a:pPr algn="ctr" latinLnBrk="1"/>
+                      <a:r>
+                        <a:rPr lang="en-US" altLang="ko-KR" sz="1600" dirty="0"/>
+                        <a:t>(</a:t>
+                      </a:r>
+                      <a:r>
+                        <a:rPr lang="ko-KR" altLang="en-US" sz="1600" dirty="0"/>
+                        <a:t>게임을 시작하려면 </a:t>
+                      </a:r>
+                      <a:r>
+                        <a:rPr lang="ko-KR" altLang="en-US" sz="1600" dirty="0" err="1"/>
+                        <a:t>아무키나</a:t>
+                      </a:r>
+                      <a:r>
+                        <a:rPr lang="ko-KR" altLang="en-US" sz="1600" dirty="0"/>
+                        <a:t> 누르시오</a:t>
+                      </a:r>
+                      <a:r>
+                        <a:rPr lang="en-US" altLang="ko-KR" sz="1600" dirty="0"/>
+                        <a:t>)</a:t>
+                      </a:r>
+                      <a:endParaRPr lang="ko-KR" altLang="en-US" sz="1600" dirty="0"/>
                     </a:p>
                   </a:txBody>
                   <a:tcPr anchor="ctr">
@@ -10589,270 +9734,16 @@
                   </a:ext>
                 </a:extLst>
               </a:tr>
-              <a:tr h="345832">
-                <a:tc>
-                  <a:txBody>
-                    <a:bodyPr/>
-                    <a:lstStyle/>
-                    <a:p>
-                      <a:pPr algn="ctr" latinLnBrk="1"/>
-                      <a:r>
-                        <a:rPr lang="ko-KR" altLang="en-US" sz="1600" dirty="0"/>
-                        <a:t>②</a:t>
-                      </a:r>
-                    </a:p>
-                  </a:txBody>
-                  <a:tcPr anchor="ctr">
-                    <a:solidFill>
-                      <a:schemeClr val="bg1"/>
-                    </a:solidFill>
-                  </a:tcPr>
-                </a:tc>
-                <a:tc>
-                  <a:txBody>
-                    <a:bodyPr/>
-                    <a:lstStyle/>
-                    <a:p>
-                      <a:pPr algn="ctr" latinLnBrk="1"/>
-                      <a:r>
-                        <a:rPr lang="ko-KR" altLang="en-US" sz="1600" i="0" dirty="0">
-                          <a:solidFill>
-                            <a:schemeClr val="tx1"/>
-                          </a:solidFill>
-                        </a:rPr>
-                        <a:t>기존에 저장한 게임을 불러오는 버튼</a:t>
-                      </a:r>
-                    </a:p>
-                  </a:txBody>
-                  <a:tcPr anchor="ctr">
-                    <a:solidFill>
-                      <a:schemeClr val="bg1"/>
-                    </a:solidFill>
-                  </a:tcPr>
-                </a:tc>
-                <a:extLst>
-                  <a:ext uri="{0D108BD9-81ED-4DB2-BD59-A6C34878D82A}">
-                    <a16:rowId xmlns:a16="http://schemas.microsoft.com/office/drawing/2014/main" val="3473698866"/>
-                  </a:ext>
-                </a:extLst>
-              </a:tr>
-              <a:tr h="345832">
-                <a:tc>
-                  <a:txBody>
-                    <a:bodyPr/>
-                    <a:lstStyle/>
-                    <a:p>
-                      <a:pPr algn="ctr" latinLnBrk="1"/>
-                      <a:r>
-                        <a:rPr lang="ko-KR" altLang="en-US" sz="1600" dirty="0"/>
-                        <a:t>③</a:t>
-                      </a:r>
-                    </a:p>
-                  </a:txBody>
-                  <a:tcPr anchor="ctr">
-                    <a:solidFill>
-                      <a:schemeClr val="bg1"/>
-                    </a:solidFill>
-                  </a:tcPr>
-                </a:tc>
-                <a:tc>
-                  <a:txBody>
-                    <a:bodyPr/>
-                    <a:lstStyle/>
-                    <a:p>
-                      <a:pPr algn="ctr" latinLnBrk="1"/>
-                      <a:r>
-                        <a:rPr lang="ko-KR" altLang="en-US" sz="1600" i="0" dirty="0">
-                          <a:solidFill>
-                            <a:schemeClr val="tx1"/>
-                          </a:solidFill>
-                        </a:rPr>
-                        <a:t>게임을 종료하는 버튼</a:t>
-                      </a:r>
-                    </a:p>
-                  </a:txBody>
-                  <a:tcPr anchor="ctr">
-                    <a:solidFill>
-                      <a:schemeClr val="bg1"/>
-                    </a:solidFill>
-                  </a:tcPr>
-                </a:tc>
-                <a:extLst>
-                  <a:ext uri="{0D108BD9-81ED-4DB2-BD59-A6C34878D82A}">
-                    <a16:rowId xmlns:a16="http://schemas.microsoft.com/office/drawing/2014/main" val="1387162518"/>
-                  </a:ext>
-                </a:extLst>
-              </a:tr>
             </a:tbl>
           </a:graphicData>
         </a:graphic>
       </p:graphicFrame>
       <p:sp>
         <p:nvSpPr>
-          <p:cNvPr id="20" name="이등변 삼각형 19">
+          <p:cNvPr id="42" name="TextBox 41">
             <a:extLst>
               <a:ext uri="{FF2B5EF4-FFF2-40B4-BE49-F238E27FC236}">
-                <a16:creationId xmlns:a16="http://schemas.microsoft.com/office/drawing/2014/main" id="{E9103A0C-A455-4D7B-911B-0376E3DB99F6}"/>
-              </a:ext>
-            </a:extLst>
-          </p:cNvPr>
-          <p:cNvSpPr/>
-          <p:nvPr/>
-        </p:nvSpPr>
-        <p:spPr>
-          <a:xfrm rot="5400000">
-            <a:off x="3508379" y="5654110"/>
-            <a:ext cx="397486" cy="342660"/>
-          </a:xfrm>
-          <a:prstGeom prst="triangle">
-            <a:avLst/>
-          </a:prstGeom>
-          <a:solidFill>
-            <a:srgbClr val="FF4343"/>
-          </a:solidFill>
-          <a:ln>
-            <a:noFill/>
-          </a:ln>
-        </p:spPr>
-        <p:style>
-          <a:lnRef idx="2">
-            <a:schemeClr val="accent1">
-              <a:shade val="50000"/>
-            </a:schemeClr>
-          </a:lnRef>
-          <a:fillRef idx="1">
-            <a:schemeClr val="accent1"/>
-          </a:fillRef>
-          <a:effectRef idx="0">
-            <a:schemeClr val="accent1"/>
-          </a:effectRef>
-          <a:fontRef idx="minor">
-            <a:schemeClr val="lt1"/>
-          </a:fontRef>
-        </p:style>
-        <p:txBody>
-          <a:bodyPr rtlCol="0" anchor="ctr"/>
-          <a:lstStyle/>
-          <a:p>
-            <a:pPr algn="ctr"/>
-            <a:endParaRPr lang="ko-KR" altLang="en-US"/>
-          </a:p>
-        </p:txBody>
-      </p:sp>
-      <p:sp>
-        <p:nvSpPr>
-          <p:cNvPr id="21" name="이등변 삼각형 20">
-            <a:extLst>
-              <a:ext uri="{FF2B5EF4-FFF2-40B4-BE49-F238E27FC236}">
-                <a16:creationId xmlns:a16="http://schemas.microsoft.com/office/drawing/2014/main" id="{B0DA61B1-EDB2-451D-B673-761770C411F8}"/>
-              </a:ext>
-            </a:extLst>
-          </p:cNvPr>
-          <p:cNvSpPr/>
-          <p:nvPr/>
-        </p:nvSpPr>
-        <p:spPr>
-          <a:xfrm rot="16200000">
-            <a:off x="7934061" y="5654110"/>
-            <a:ext cx="397486" cy="342660"/>
-          </a:xfrm>
-          <a:prstGeom prst="triangle">
-            <a:avLst/>
-          </a:prstGeom>
-          <a:solidFill>
-            <a:srgbClr val="FF4343"/>
-          </a:solidFill>
-          <a:ln>
-            <a:noFill/>
-          </a:ln>
-        </p:spPr>
-        <p:style>
-          <a:lnRef idx="2">
-            <a:schemeClr val="accent1">
-              <a:shade val="50000"/>
-            </a:schemeClr>
-          </a:lnRef>
-          <a:fillRef idx="1">
-            <a:schemeClr val="accent1"/>
-          </a:fillRef>
-          <a:effectRef idx="0">
-            <a:schemeClr val="accent1"/>
-          </a:effectRef>
-          <a:fontRef idx="minor">
-            <a:schemeClr val="lt1"/>
-          </a:fontRef>
-        </p:style>
-        <p:txBody>
-          <a:bodyPr rtlCol="0" anchor="ctr"/>
-          <a:lstStyle/>
-          <a:p>
-            <a:pPr algn="ctr"/>
-            <a:endParaRPr lang="ko-KR" altLang="en-US"/>
-          </a:p>
-        </p:txBody>
-      </p:sp>
-      <p:sp>
-        <p:nvSpPr>
-          <p:cNvPr id="22" name="직사각형 21">
-            <a:extLst>
-              <a:ext uri="{FF2B5EF4-FFF2-40B4-BE49-F238E27FC236}">
-                <a16:creationId xmlns:a16="http://schemas.microsoft.com/office/drawing/2014/main" id="{5EAECCFA-F487-49EB-9904-2B90D88E7054}"/>
-              </a:ext>
-            </a:extLst>
-          </p:cNvPr>
-          <p:cNvSpPr/>
-          <p:nvPr/>
-        </p:nvSpPr>
-        <p:spPr>
-          <a:xfrm>
-            <a:off x="12045682" y="3211814"/>
-            <a:ext cx="5194299" cy="2012950"/>
-          </a:xfrm>
-          <a:prstGeom prst="rect">
-            <a:avLst/>
-          </a:prstGeom>
-          <a:solidFill>
-            <a:schemeClr val="bg1">
-              <a:alpha val="20000"/>
-            </a:schemeClr>
-          </a:solidFill>
-          <a:ln>
-            <a:solidFill>
-              <a:schemeClr val="bg1"/>
-            </a:solidFill>
-          </a:ln>
-        </p:spPr>
-        <p:style>
-          <a:lnRef idx="2">
-            <a:schemeClr val="accent1">
-              <a:shade val="50000"/>
-            </a:schemeClr>
-          </a:lnRef>
-          <a:fillRef idx="1">
-            <a:schemeClr val="accent1"/>
-          </a:fillRef>
-          <a:effectRef idx="0">
-            <a:schemeClr val="accent1"/>
-          </a:effectRef>
-          <a:fontRef idx="minor">
-            <a:schemeClr val="lt1"/>
-          </a:fontRef>
-        </p:style>
-        <p:txBody>
-          <a:bodyPr rtlCol="0" anchor="ctr"/>
-          <a:lstStyle/>
-          <a:p>
-            <a:pPr algn="ctr"/>
-            <a:endParaRPr lang="ko-KR" altLang="en-US" dirty="0"/>
-          </a:p>
-        </p:txBody>
-      </p:sp>
-      <p:sp>
-        <p:nvSpPr>
-          <p:cNvPr id="24" name="TextBox 23">
-            <a:extLst>
-              <a:ext uri="{FF2B5EF4-FFF2-40B4-BE49-F238E27FC236}">
-                <a16:creationId xmlns:a16="http://schemas.microsoft.com/office/drawing/2014/main" id="{D49912B6-3EB1-47E3-88FA-29CEADFF8FFD}"/>
+                <a16:creationId xmlns:a16="http://schemas.microsoft.com/office/drawing/2014/main" id="{1CAB9211-CDAD-40E4-A28A-CFF90807A4F5}"/>
               </a:ext>
             </a:extLst>
           </p:cNvPr>
@@ -10861,22 +9752,13 @@
         </p:nvSpPr>
         <p:spPr>
           <a:xfrm>
-            <a:off x="12045682" y="2782183"/>
-            <a:ext cx="5194299" cy="369332"/>
+            <a:off x="2352867" y="5916951"/>
+            <a:ext cx="7134189" cy="369332"/>
           </a:xfrm>
           <a:prstGeom prst="rect">
             <a:avLst/>
           </a:prstGeom>
-          <a:solidFill>
-            <a:schemeClr val="bg1">
-              <a:alpha val="20000"/>
-            </a:schemeClr>
-          </a:solidFill>
-          <a:ln>
-            <a:solidFill>
-              <a:schemeClr val="bg1"/>
-            </a:solidFill>
-          </a:ln>
+          <a:noFill/>
         </p:spPr>
         <p:txBody>
           <a:bodyPr wrap="square" rtlCol="0">
@@ -10886,776 +9768,29 @@
           <a:p>
             <a:pPr algn="ctr"/>
             <a:r>
-              <a:rPr lang="ko-KR" altLang="en-US" b="1" dirty="0">
-                <a:latin typeface="HY그래픽M" panose="02030600000101010101" pitchFamily="18" charset="-127"/>
-                <a:ea typeface="HY그래픽M" panose="02030600000101010101" pitchFamily="18" charset="-127"/>
+              <a:rPr lang="ko-KR" altLang="en-US" dirty="0">
+                <a:solidFill>
+                  <a:schemeClr val="bg1"/>
+                </a:solidFill>
               </a:rPr>
-              <a:t>버튼</a:t>
-            </a:r>
-            <a:endParaRPr lang="en-US" altLang="ko-KR" b="1" dirty="0">
-              <a:latin typeface="HY그래픽M" panose="02030600000101010101" pitchFamily="18" charset="-127"/>
-              <a:ea typeface="HY그래픽M" panose="02030600000101010101" pitchFamily="18" charset="-127"/>
+              <a:t>① </a:t>
+            </a:r>
+            <a:r>
+              <a:rPr lang="en-US" altLang="ko-KR" dirty="0">
+                <a:solidFill>
+                  <a:schemeClr val="bg1"/>
+                </a:solidFill>
+              </a:rPr>
+              <a:t>MESSAGE</a:t>
+            </a:r>
+            <a:endParaRPr lang="ko-KR" altLang="en-US" dirty="0">
+              <a:solidFill>
+                <a:schemeClr val="bg1"/>
+              </a:solidFill>
             </a:endParaRPr>
           </a:p>
         </p:txBody>
       </p:sp>
-      <p:sp>
-        <p:nvSpPr>
-          <p:cNvPr id="31" name="직사각형 30">
-            <a:extLst>
-              <a:ext uri="{FF2B5EF4-FFF2-40B4-BE49-F238E27FC236}">
-                <a16:creationId xmlns:a16="http://schemas.microsoft.com/office/drawing/2014/main" id="{8EAC5E67-3D80-4C3D-A594-630092400D7B}"/>
-              </a:ext>
-            </a:extLst>
-          </p:cNvPr>
-          <p:cNvSpPr/>
-          <p:nvPr/>
-        </p:nvSpPr>
-        <p:spPr>
-          <a:xfrm>
-            <a:off x="13335316" y="5967071"/>
-            <a:ext cx="2592637" cy="2012950"/>
-          </a:xfrm>
-          <a:prstGeom prst="rect">
-            <a:avLst/>
-          </a:prstGeom>
-          <a:solidFill>
-            <a:schemeClr val="bg1">
-              <a:alpha val="20000"/>
-            </a:schemeClr>
-          </a:solidFill>
-          <a:ln>
-            <a:solidFill>
-              <a:schemeClr val="bg1"/>
-            </a:solidFill>
-          </a:ln>
-        </p:spPr>
-        <p:style>
-          <a:lnRef idx="2">
-            <a:schemeClr val="accent1">
-              <a:shade val="50000"/>
-            </a:schemeClr>
-          </a:lnRef>
-          <a:fillRef idx="1">
-            <a:schemeClr val="accent1"/>
-          </a:fillRef>
-          <a:effectRef idx="0">
-            <a:schemeClr val="accent1"/>
-          </a:effectRef>
-          <a:fontRef idx="minor">
-            <a:schemeClr val="lt1"/>
-          </a:fontRef>
-        </p:style>
-        <p:txBody>
-          <a:bodyPr rtlCol="0" anchor="ctr"/>
-          <a:lstStyle/>
-          <a:p>
-            <a:pPr algn="ctr"/>
-            <a:endParaRPr lang="ko-KR" altLang="en-US" dirty="0"/>
-          </a:p>
-        </p:txBody>
-      </p:sp>
-      <p:sp>
-        <p:nvSpPr>
-          <p:cNvPr id="32" name="TextBox 31">
-            <a:extLst>
-              <a:ext uri="{FF2B5EF4-FFF2-40B4-BE49-F238E27FC236}">
-                <a16:creationId xmlns:a16="http://schemas.microsoft.com/office/drawing/2014/main" id="{D833A803-AEC0-4A43-80D5-B02FF8A9835E}"/>
-              </a:ext>
-            </a:extLst>
-          </p:cNvPr>
-          <p:cNvSpPr txBox="1"/>
-          <p:nvPr/>
-        </p:nvSpPr>
-        <p:spPr>
-          <a:xfrm>
-            <a:off x="13335316" y="5537440"/>
-            <a:ext cx="2592637" cy="369332"/>
-          </a:xfrm>
-          <a:prstGeom prst="rect">
-            <a:avLst/>
-          </a:prstGeom>
-          <a:solidFill>
-            <a:schemeClr val="bg1">
-              <a:alpha val="20000"/>
-            </a:schemeClr>
-          </a:solidFill>
-          <a:ln>
-            <a:solidFill>
-              <a:schemeClr val="bg1"/>
-            </a:solidFill>
-          </a:ln>
-        </p:spPr>
-        <p:txBody>
-          <a:bodyPr wrap="square" rtlCol="0">
-            <a:spAutoFit/>
-          </a:bodyPr>
-          <a:lstStyle/>
-          <a:p>
-            <a:pPr algn="ctr"/>
-            <a:r>
-              <a:rPr lang="ko-KR" altLang="en-US" b="1" dirty="0">
-                <a:latin typeface="HY그래픽M" panose="02030600000101010101" pitchFamily="18" charset="-127"/>
-                <a:ea typeface="HY그래픽M" panose="02030600000101010101" pitchFamily="18" charset="-127"/>
-              </a:rPr>
-              <a:t>선택 표시</a:t>
-            </a:r>
-            <a:endParaRPr lang="en-US" altLang="ko-KR" b="1" dirty="0">
-              <a:latin typeface="HY그래픽M" panose="02030600000101010101" pitchFamily="18" charset="-127"/>
-              <a:ea typeface="HY그래픽M" panose="02030600000101010101" pitchFamily="18" charset="-127"/>
-            </a:endParaRPr>
-          </a:p>
-        </p:txBody>
-      </p:sp>
-      <p:grpSp>
-        <p:nvGrpSpPr>
-          <p:cNvPr id="41" name="그룹 40">
-            <a:extLst>
-              <a:ext uri="{FF2B5EF4-FFF2-40B4-BE49-F238E27FC236}">
-                <a16:creationId xmlns:a16="http://schemas.microsoft.com/office/drawing/2014/main" id="{C967A593-572A-449D-B3CE-6D5B1AD2C2E0}"/>
-              </a:ext>
-            </a:extLst>
-          </p:cNvPr>
-          <p:cNvGrpSpPr/>
-          <p:nvPr/>
-        </p:nvGrpSpPr>
-        <p:grpSpPr>
-          <a:xfrm>
-            <a:off x="13875633" y="6774801"/>
-            <a:ext cx="1722359" cy="1139011"/>
-            <a:chOff x="13875633" y="6774801"/>
-            <a:chExt cx="1722359" cy="1139011"/>
-          </a:xfrm>
-        </p:grpSpPr>
-        <p:sp>
-          <p:nvSpPr>
-            <p:cNvPr id="30" name="이등변 삼각형 29">
-              <a:extLst>
-                <a:ext uri="{FF2B5EF4-FFF2-40B4-BE49-F238E27FC236}">
-                  <a16:creationId xmlns:a16="http://schemas.microsoft.com/office/drawing/2014/main" id="{ABA023F2-3F1D-4E13-87F5-EE0A8F5CE031}"/>
-                </a:ext>
-              </a:extLst>
-            </p:cNvPr>
-            <p:cNvSpPr/>
-            <p:nvPr/>
-          </p:nvSpPr>
-          <p:spPr>
-            <a:xfrm rot="16200000">
-              <a:off x="14432891" y="6802216"/>
-              <a:ext cx="397486" cy="342660"/>
-            </a:xfrm>
-            <a:prstGeom prst="triangle">
-              <a:avLst/>
-            </a:prstGeom>
-            <a:solidFill>
-              <a:srgbClr val="FF4343"/>
-            </a:solidFill>
-            <a:ln>
-              <a:noFill/>
-            </a:ln>
-          </p:spPr>
-          <p:style>
-            <a:lnRef idx="2">
-              <a:schemeClr val="accent1">
-                <a:shade val="50000"/>
-              </a:schemeClr>
-            </a:lnRef>
-            <a:fillRef idx="1">
-              <a:schemeClr val="accent1"/>
-            </a:fillRef>
-            <a:effectRef idx="0">
-              <a:schemeClr val="accent1"/>
-            </a:effectRef>
-            <a:fontRef idx="minor">
-              <a:schemeClr val="lt1"/>
-            </a:fontRef>
-          </p:style>
-          <p:txBody>
-            <a:bodyPr rtlCol="0" anchor="ctr"/>
-            <a:lstStyle/>
-            <a:p>
-              <a:pPr algn="ctr"/>
-              <a:endParaRPr lang="ko-KR" altLang="en-US"/>
-            </a:p>
-          </p:txBody>
-        </p:sp>
-        <p:sp>
-          <p:nvSpPr>
-            <p:cNvPr id="33" name="왼쪽 대괄호 32">
-              <a:extLst>
-                <a:ext uri="{FF2B5EF4-FFF2-40B4-BE49-F238E27FC236}">
-                  <a16:creationId xmlns:a16="http://schemas.microsoft.com/office/drawing/2014/main" id="{6F0E2276-266E-44AE-9F4A-D143F57D6154}"/>
-                </a:ext>
-              </a:extLst>
-            </p:cNvPr>
-            <p:cNvSpPr/>
-            <p:nvPr/>
-          </p:nvSpPr>
-          <p:spPr>
-            <a:xfrm rot="10800000">
-              <a:off x="14802961" y="6774801"/>
-              <a:ext cx="99766" cy="397487"/>
-            </a:xfrm>
-            <a:prstGeom prst="leftBracket">
-              <a:avLst>
-                <a:gd name="adj" fmla="val 703214"/>
-              </a:avLst>
-            </a:prstGeom>
-          </p:spPr>
-          <p:style>
-            <a:lnRef idx="1">
-              <a:schemeClr val="dk1"/>
-            </a:lnRef>
-            <a:fillRef idx="0">
-              <a:schemeClr val="dk1"/>
-            </a:fillRef>
-            <a:effectRef idx="0">
-              <a:schemeClr val="dk1"/>
-            </a:effectRef>
-            <a:fontRef idx="minor">
-              <a:schemeClr val="tx1"/>
-            </a:fontRef>
-          </p:style>
-          <p:txBody>
-            <a:bodyPr rtlCol="0" anchor="ctr"/>
-            <a:lstStyle/>
-            <a:p>
-              <a:pPr algn="ctr"/>
-              <a:endParaRPr lang="ko-KR" altLang="en-US"/>
-            </a:p>
-          </p:txBody>
-        </p:sp>
-        <p:sp>
-          <p:nvSpPr>
-            <p:cNvPr id="34" name="TextBox 33">
-              <a:extLst>
-                <a:ext uri="{FF2B5EF4-FFF2-40B4-BE49-F238E27FC236}">
-                  <a16:creationId xmlns:a16="http://schemas.microsoft.com/office/drawing/2014/main" id="{2E32E0E5-7A97-4C2A-829F-E7301B984DB4}"/>
-                </a:ext>
-              </a:extLst>
-            </p:cNvPr>
-            <p:cNvSpPr txBox="1"/>
-            <p:nvPr/>
-          </p:nvSpPr>
-          <p:spPr>
-            <a:xfrm>
-              <a:off x="14531192" y="6858128"/>
-              <a:ext cx="1066800" cy="230832"/>
-            </a:xfrm>
-            <a:prstGeom prst="rect">
-              <a:avLst/>
-            </a:prstGeom>
-            <a:noFill/>
-          </p:spPr>
-          <p:txBody>
-            <a:bodyPr wrap="square" rtlCol="0">
-              <a:spAutoFit/>
-            </a:bodyPr>
-            <a:lstStyle/>
-            <a:p>
-              <a:pPr algn="ctr"/>
-              <a:r>
-                <a:rPr lang="en-US" altLang="ko-KR" sz="900" dirty="0"/>
-                <a:t>66</a:t>
-              </a:r>
-            </a:p>
-          </p:txBody>
-        </p:sp>
-        <p:sp>
-          <p:nvSpPr>
-            <p:cNvPr id="35" name="TextBox 34">
-              <a:extLst>
-                <a:ext uri="{FF2B5EF4-FFF2-40B4-BE49-F238E27FC236}">
-                  <a16:creationId xmlns:a16="http://schemas.microsoft.com/office/drawing/2014/main" id="{AD57590E-4F5B-4973-A9D1-340FBAA281FA}"/>
-                </a:ext>
-              </a:extLst>
-            </p:cNvPr>
-            <p:cNvSpPr txBox="1"/>
-            <p:nvPr/>
-          </p:nvSpPr>
-          <p:spPr>
-            <a:xfrm>
-              <a:off x="13875633" y="7544480"/>
-              <a:ext cx="1524239" cy="369332"/>
-            </a:xfrm>
-            <a:prstGeom prst="rect">
-              <a:avLst/>
-            </a:prstGeom>
-            <a:noFill/>
-          </p:spPr>
-          <p:txBody>
-            <a:bodyPr wrap="square" rtlCol="0">
-              <a:spAutoFit/>
-            </a:bodyPr>
-            <a:lstStyle/>
-            <a:p>
-              <a:pPr algn="ctr"/>
-              <a:r>
-                <a:rPr lang="ko-KR" altLang="en-US" dirty="0"/>
-                <a:t>정삼각형</a:t>
-              </a:r>
-            </a:p>
-          </p:txBody>
-        </p:sp>
-      </p:grpSp>
-      <p:grpSp>
-        <p:nvGrpSpPr>
-          <p:cNvPr id="40" name="그룹 39">
-            <a:extLst>
-              <a:ext uri="{FF2B5EF4-FFF2-40B4-BE49-F238E27FC236}">
-                <a16:creationId xmlns:a16="http://schemas.microsoft.com/office/drawing/2014/main" id="{94984E2C-6384-4F65-9FC1-6713713AF4E4}"/>
-              </a:ext>
-            </a:extLst>
-          </p:cNvPr>
-          <p:cNvGrpSpPr/>
-          <p:nvPr/>
-        </p:nvGrpSpPr>
-        <p:grpSpPr>
-          <a:xfrm>
-            <a:off x="11994877" y="3639158"/>
-            <a:ext cx="5273521" cy="1158262"/>
-            <a:chOff x="11994877" y="3639158"/>
-            <a:chExt cx="5273521" cy="1158262"/>
-          </a:xfrm>
-        </p:grpSpPr>
-        <p:sp>
-          <p:nvSpPr>
-            <p:cNvPr id="23" name="육각형 22">
-              <a:extLst>
-                <a:ext uri="{FF2B5EF4-FFF2-40B4-BE49-F238E27FC236}">
-                  <a16:creationId xmlns:a16="http://schemas.microsoft.com/office/drawing/2014/main" id="{0E1534E0-5F1E-43A7-B3A6-6466FF0652C7}"/>
-                </a:ext>
-              </a:extLst>
-            </p:cNvPr>
-            <p:cNvSpPr/>
-            <p:nvPr/>
-          </p:nvSpPr>
-          <p:spPr>
-            <a:xfrm>
-              <a:off x="12752831" y="3930289"/>
-              <a:ext cx="3780000" cy="576000"/>
-            </a:xfrm>
-            <a:prstGeom prst="hexagon">
-              <a:avLst/>
-            </a:prstGeom>
-            <a:ln>
-              <a:noFill/>
-            </a:ln>
-          </p:spPr>
-          <p:style>
-            <a:lnRef idx="2">
-              <a:schemeClr val="accent1">
-                <a:shade val="50000"/>
-              </a:schemeClr>
-            </a:lnRef>
-            <a:fillRef idx="1">
-              <a:schemeClr val="accent1"/>
-            </a:fillRef>
-            <a:effectRef idx="0">
-              <a:schemeClr val="accent1"/>
-            </a:effectRef>
-            <a:fontRef idx="minor">
-              <a:schemeClr val="lt1"/>
-            </a:fontRef>
-          </p:style>
-          <p:txBody>
-            <a:bodyPr rtlCol="0" anchor="ctr"/>
-            <a:lstStyle/>
-            <a:p>
-              <a:pPr algn="ctr"/>
-              <a:r>
-                <a:rPr lang="ko-KR" altLang="en-US" dirty="0"/>
-                <a:t>①</a:t>
-              </a:r>
-              <a:r>
-                <a:rPr lang="en-US" altLang="ko-KR" dirty="0"/>
-                <a:t>New Game</a:t>
-              </a:r>
-              <a:endParaRPr lang="ko-KR" altLang="en-US" dirty="0"/>
-            </a:p>
-          </p:txBody>
-        </p:sp>
-        <p:sp>
-          <p:nvSpPr>
-            <p:cNvPr id="25" name="직사각형 24">
-              <a:extLst>
-                <a:ext uri="{FF2B5EF4-FFF2-40B4-BE49-F238E27FC236}">
-                  <a16:creationId xmlns:a16="http://schemas.microsoft.com/office/drawing/2014/main" id="{FCD35564-3820-41B6-AB1F-A8C54BCFAA8C}"/>
-                </a:ext>
-              </a:extLst>
-            </p:cNvPr>
-            <p:cNvSpPr/>
-            <p:nvPr/>
-          </p:nvSpPr>
-          <p:spPr>
-            <a:xfrm>
-              <a:off x="12752830" y="3930289"/>
-              <a:ext cx="3779999" cy="576000"/>
-            </a:xfrm>
-            <a:prstGeom prst="rect">
-              <a:avLst/>
-            </a:prstGeom>
-            <a:noFill/>
-            <a:ln>
-              <a:solidFill>
-                <a:schemeClr val="tx1"/>
-              </a:solidFill>
-            </a:ln>
-          </p:spPr>
-          <p:style>
-            <a:lnRef idx="2">
-              <a:schemeClr val="accent1">
-                <a:shade val="50000"/>
-              </a:schemeClr>
-            </a:lnRef>
-            <a:fillRef idx="1">
-              <a:schemeClr val="accent1"/>
-            </a:fillRef>
-            <a:effectRef idx="0">
-              <a:schemeClr val="accent1"/>
-            </a:effectRef>
-            <a:fontRef idx="minor">
-              <a:schemeClr val="lt1"/>
-            </a:fontRef>
-          </p:style>
-          <p:txBody>
-            <a:bodyPr rtlCol="0" anchor="ctr"/>
-            <a:lstStyle/>
-            <a:p>
-              <a:pPr algn="ctr"/>
-              <a:endParaRPr lang="ko-KR" altLang="en-US" dirty="0"/>
-            </a:p>
-          </p:txBody>
-        </p:sp>
-        <p:sp>
-          <p:nvSpPr>
-            <p:cNvPr id="26" name="왼쪽 대괄호 25">
-              <a:extLst>
-                <a:ext uri="{FF2B5EF4-FFF2-40B4-BE49-F238E27FC236}">
-                  <a16:creationId xmlns:a16="http://schemas.microsoft.com/office/drawing/2014/main" id="{73B1DFBD-DE04-4081-9870-FE1B8752DA10}"/>
-                </a:ext>
-              </a:extLst>
-            </p:cNvPr>
-            <p:cNvSpPr/>
-            <p:nvPr/>
-          </p:nvSpPr>
-          <p:spPr>
-            <a:xfrm rot="5400000">
-              <a:off x="14593252" y="1990714"/>
-              <a:ext cx="99150" cy="3779999"/>
-            </a:xfrm>
-            <a:prstGeom prst="leftBracket">
-              <a:avLst>
-                <a:gd name="adj" fmla="val 703214"/>
-              </a:avLst>
-            </a:prstGeom>
-          </p:spPr>
-          <p:style>
-            <a:lnRef idx="1">
-              <a:schemeClr val="dk1"/>
-            </a:lnRef>
-            <a:fillRef idx="0">
-              <a:schemeClr val="dk1"/>
-            </a:fillRef>
-            <a:effectRef idx="0">
-              <a:schemeClr val="dk1"/>
-            </a:effectRef>
-            <a:fontRef idx="minor">
-              <a:schemeClr val="tx1"/>
-            </a:fontRef>
-          </p:style>
-          <p:txBody>
-            <a:bodyPr rtlCol="0" anchor="ctr"/>
-            <a:lstStyle/>
-            <a:p>
-              <a:pPr algn="ctr"/>
-              <a:endParaRPr lang="ko-KR" altLang="en-US"/>
-            </a:p>
-          </p:txBody>
-        </p:sp>
-        <p:sp>
-          <p:nvSpPr>
-            <p:cNvPr id="27" name="TextBox 26">
-              <a:extLst>
-                <a:ext uri="{FF2B5EF4-FFF2-40B4-BE49-F238E27FC236}">
-                  <a16:creationId xmlns:a16="http://schemas.microsoft.com/office/drawing/2014/main" id="{31BF09AA-7840-4596-AB6F-470CDF662577}"/>
-                </a:ext>
-              </a:extLst>
-            </p:cNvPr>
-            <p:cNvSpPr txBox="1"/>
-            <p:nvPr/>
-          </p:nvSpPr>
-          <p:spPr>
-            <a:xfrm>
-              <a:off x="14109427" y="3639158"/>
-              <a:ext cx="1066800" cy="230832"/>
-            </a:xfrm>
-            <a:prstGeom prst="rect">
-              <a:avLst/>
-            </a:prstGeom>
-            <a:noFill/>
-          </p:spPr>
-          <p:txBody>
-            <a:bodyPr wrap="square" rtlCol="0">
-              <a:spAutoFit/>
-            </a:bodyPr>
-            <a:lstStyle/>
-            <a:p>
-              <a:pPr algn="ctr"/>
-              <a:r>
-                <a:rPr lang="en-US" altLang="ko-KR" sz="900" dirty="0"/>
-                <a:t>630</a:t>
-              </a:r>
-            </a:p>
-          </p:txBody>
-        </p:sp>
-        <p:sp>
-          <p:nvSpPr>
-            <p:cNvPr id="28" name="왼쪽 대괄호 27">
-              <a:extLst>
-                <a:ext uri="{FF2B5EF4-FFF2-40B4-BE49-F238E27FC236}">
-                  <a16:creationId xmlns:a16="http://schemas.microsoft.com/office/drawing/2014/main" id="{3F3CAB9C-7FEC-4E98-92AC-2FF2F461196F}"/>
-                </a:ext>
-              </a:extLst>
-            </p:cNvPr>
-            <p:cNvSpPr/>
-            <p:nvPr/>
-          </p:nvSpPr>
-          <p:spPr>
-            <a:xfrm>
-              <a:off x="12653064" y="3930290"/>
-              <a:ext cx="99766" cy="576000"/>
-            </a:xfrm>
-            <a:prstGeom prst="leftBracket">
-              <a:avLst>
-                <a:gd name="adj" fmla="val 703214"/>
-              </a:avLst>
-            </a:prstGeom>
-          </p:spPr>
-          <p:style>
-            <a:lnRef idx="1">
-              <a:schemeClr val="dk1"/>
-            </a:lnRef>
-            <a:fillRef idx="0">
-              <a:schemeClr val="dk1"/>
-            </a:fillRef>
-            <a:effectRef idx="0">
-              <a:schemeClr val="dk1"/>
-            </a:effectRef>
-            <a:fontRef idx="minor">
-              <a:schemeClr val="tx1"/>
-            </a:fontRef>
-          </p:style>
-          <p:txBody>
-            <a:bodyPr rtlCol="0" anchor="ctr"/>
-            <a:lstStyle/>
-            <a:p>
-              <a:pPr algn="ctr"/>
-              <a:endParaRPr lang="ko-KR" altLang="en-US"/>
-            </a:p>
-          </p:txBody>
-        </p:sp>
-        <p:sp>
-          <p:nvSpPr>
-            <p:cNvPr id="29" name="TextBox 28">
-              <a:extLst>
-                <a:ext uri="{FF2B5EF4-FFF2-40B4-BE49-F238E27FC236}">
-                  <a16:creationId xmlns:a16="http://schemas.microsoft.com/office/drawing/2014/main" id="{A1AC099B-CA80-49BC-8B0A-F9C70F6D7A34}"/>
-                </a:ext>
-              </a:extLst>
-            </p:cNvPr>
-            <p:cNvSpPr txBox="1"/>
-            <p:nvPr/>
-          </p:nvSpPr>
-          <p:spPr>
-            <a:xfrm>
-              <a:off x="11994877" y="4104767"/>
-              <a:ext cx="1066800" cy="230832"/>
-            </a:xfrm>
-            <a:prstGeom prst="rect">
-              <a:avLst/>
-            </a:prstGeom>
-            <a:noFill/>
-          </p:spPr>
-          <p:txBody>
-            <a:bodyPr wrap="square" rtlCol="0">
-              <a:spAutoFit/>
-            </a:bodyPr>
-            <a:lstStyle/>
-            <a:p>
-              <a:pPr algn="ctr"/>
-              <a:r>
-                <a:rPr lang="en-US" altLang="ko-KR" sz="900" dirty="0"/>
-                <a:t>96</a:t>
-              </a:r>
-            </a:p>
-          </p:txBody>
-        </p:sp>
-        <p:sp>
-          <p:nvSpPr>
-            <p:cNvPr id="36" name="왼쪽 대괄호 35">
-              <a:extLst>
-                <a:ext uri="{FF2B5EF4-FFF2-40B4-BE49-F238E27FC236}">
-                  <a16:creationId xmlns:a16="http://schemas.microsoft.com/office/drawing/2014/main" id="{F74D55D6-CBF9-4EE0-A4CB-C439DFAE9E54}"/>
-                </a:ext>
-              </a:extLst>
-            </p:cNvPr>
-            <p:cNvSpPr/>
-            <p:nvPr/>
-          </p:nvSpPr>
-          <p:spPr>
-            <a:xfrm rot="16200000" flipV="1">
-              <a:off x="16411778" y="4478135"/>
-              <a:ext cx="99150" cy="142955"/>
-            </a:xfrm>
-            <a:prstGeom prst="leftBracket">
-              <a:avLst>
-                <a:gd name="adj" fmla="val 703214"/>
-              </a:avLst>
-            </a:prstGeom>
-          </p:spPr>
-          <p:style>
-            <a:lnRef idx="1">
-              <a:schemeClr val="dk1"/>
-            </a:lnRef>
-            <a:fillRef idx="0">
-              <a:schemeClr val="dk1"/>
-            </a:fillRef>
-            <a:effectRef idx="0">
-              <a:schemeClr val="dk1"/>
-            </a:effectRef>
-            <a:fontRef idx="minor">
-              <a:schemeClr val="tx1"/>
-            </a:fontRef>
-          </p:style>
-          <p:txBody>
-            <a:bodyPr rtlCol="0" anchor="ctr"/>
-            <a:lstStyle/>
-            <a:p>
-              <a:pPr algn="ctr"/>
-              <a:endParaRPr lang="ko-KR" altLang="en-US"/>
-            </a:p>
-          </p:txBody>
-        </p:sp>
-        <p:sp>
-          <p:nvSpPr>
-            <p:cNvPr id="37" name="TextBox 36">
-              <a:extLst>
-                <a:ext uri="{FF2B5EF4-FFF2-40B4-BE49-F238E27FC236}">
-                  <a16:creationId xmlns:a16="http://schemas.microsoft.com/office/drawing/2014/main" id="{189AABFC-C640-4FB1-A0DD-6BC2913AF295}"/>
-                </a:ext>
-              </a:extLst>
-            </p:cNvPr>
-            <p:cNvSpPr txBox="1"/>
-            <p:nvPr/>
-          </p:nvSpPr>
-          <p:spPr>
-            <a:xfrm>
-              <a:off x="15927953" y="4566588"/>
-              <a:ext cx="1066800" cy="230832"/>
-            </a:xfrm>
-            <a:prstGeom prst="rect">
-              <a:avLst/>
-            </a:prstGeom>
-            <a:noFill/>
-          </p:spPr>
-          <p:txBody>
-            <a:bodyPr wrap="square" rtlCol="0">
-              <a:spAutoFit/>
-            </a:bodyPr>
-            <a:lstStyle/>
-            <a:p>
-              <a:pPr algn="ctr"/>
-              <a:r>
-                <a:rPr lang="en-US" altLang="ko-KR" sz="900" dirty="0"/>
-                <a:t>24</a:t>
-              </a:r>
-            </a:p>
-          </p:txBody>
-        </p:sp>
-        <p:sp>
-          <p:nvSpPr>
-            <p:cNvPr id="38" name="왼쪽 대괄호 37">
-              <a:extLst>
-                <a:ext uri="{FF2B5EF4-FFF2-40B4-BE49-F238E27FC236}">
-                  <a16:creationId xmlns:a16="http://schemas.microsoft.com/office/drawing/2014/main" id="{85EF5AFC-FEAD-4412-BE6A-BEE092B9796F}"/>
-                </a:ext>
-              </a:extLst>
-            </p:cNvPr>
-            <p:cNvSpPr/>
-            <p:nvPr/>
-          </p:nvSpPr>
-          <p:spPr>
-            <a:xfrm rot="10800000" flipV="1">
-              <a:off x="16532827" y="4223053"/>
-              <a:ext cx="99150" cy="276984"/>
-            </a:xfrm>
-            <a:prstGeom prst="leftBracket">
-              <a:avLst>
-                <a:gd name="adj" fmla="val 703214"/>
-              </a:avLst>
-            </a:prstGeom>
-          </p:spPr>
-          <p:style>
-            <a:lnRef idx="1">
-              <a:schemeClr val="dk1"/>
-            </a:lnRef>
-            <a:fillRef idx="0">
-              <a:schemeClr val="dk1"/>
-            </a:fillRef>
-            <a:effectRef idx="0">
-              <a:schemeClr val="dk1"/>
-            </a:effectRef>
-            <a:fontRef idx="minor">
-              <a:schemeClr val="tx1"/>
-            </a:fontRef>
-          </p:style>
-          <p:txBody>
-            <a:bodyPr rtlCol="0" anchor="ctr"/>
-            <a:lstStyle/>
-            <a:p>
-              <a:pPr algn="ctr"/>
-              <a:endParaRPr lang="ko-KR" altLang="en-US" dirty="0"/>
-            </a:p>
-          </p:txBody>
-        </p:sp>
-        <p:sp>
-          <p:nvSpPr>
-            <p:cNvPr id="39" name="TextBox 38">
-              <a:extLst>
-                <a:ext uri="{FF2B5EF4-FFF2-40B4-BE49-F238E27FC236}">
-                  <a16:creationId xmlns:a16="http://schemas.microsoft.com/office/drawing/2014/main" id="{F67861FB-6F6F-4BF1-B6A8-E630C9FA70BA}"/>
-                </a:ext>
-              </a:extLst>
-            </p:cNvPr>
-            <p:cNvSpPr txBox="1"/>
-            <p:nvPr/>
-          </p:nvSpPr>
-          <p:spPr>
-            <a:xfrm>
-              <a:off x="16201598" y="4246019"/>
-              <a:ext cx="1066800" cy="230832"/>
-            </a:xfrm>
-            <a:prstGeom prst="rect">
-              <a:avLst/>
-            </a:prstGeom>
-            <a:noFill/>
-          </p:spPr>
-          <p:txBody>
-            <a:bodyPr wrap="square" rtlCol="0">
-              <a:spAutoFit/>
-            </a:bodyPr>
-            <a:lstStyle/>
-            <a:p>
-              <a:pPr algn="ctr"/>
-              <a:r>
-                <a:rPr lang="en-US" altLang="ko-KR" sz="900" dirty="0"/>
-                <a:t>48</a:t>
-              </a:r>
-            </a:p>
-          </p:txBody>
-        </p:sp>
-      </p:grpSp>
     </p:spTree>
     <p:extLst>
       <p:ext uri="{BB962C8B-B14F-4D97-AF65-F5344CB8AC3E}">
@@ -11779,32 +9914,11 @@
           <a:p>
             <a:pPr algn="ctr"/>
             <a:r>
-              <a:rPr lang="en-US" altLang="ko-KR" b="1" dirty="0">
-                <a:latin typeface="메이플스토리" panose="02000300000000000000" pitchFamily="2" charset="-127"/>
-                <a:ea typeface="메이플스토리" panose="02000300000000000000" pitchFamily="2" charset="-127"/>
-              </a:rPr>
-              <a:t>Save </a:t>
-            </a:r>
-            <a:r>
               <a:rPr lang="ko-KR" altLang="en-US" b="1" dirty="0">
                 <a:latin typeface="메이플스토리" panose="02000300000000000000" pitchFamily="2" charset="-127"/>
                 <a:ea typeface="메이플스토리" panose="02000300000000000000" pitchFamily="2" charset="-127"/>
               </a:rPr>
-              <a:t>및 </a:t>
-            </a:r>
-            <a:r>
-              <a:rPr lang="en-US" altLang="ko-KR" b="1" dirty="0">
-                <a:latin typeface="메이플스토리" panose="02000300000000000000" pitchFamily="2" charset="-127"/>
-                <a:ea typeface="메이플스토리" panose="02000300000000000000" pitchFamily="2" charset="-127"/>
-              </a:rPr>
-              <a:t>Load</a:t>
-            </a:r>
-            <a:r>
-              <a:rPr lang="ko-KR" altLang="en-US" b="1" dirty="0">
-                <a:latin typeface="메이플스토리" panose="02000300000000000000" pitchFamily="2" charset="-127"/>
-                <a:ea typeface="메이플스토리" panose="02000300000000000000" pitchFamily="2" charset="-127"/>
-              </a:rPr>
-              <a:t>창 배치 구상 </a:t>
+              <a:t>타이틀 배치 구상 </a:t>
             </a:r>
             <a:r>
               <a:rPr lang="en-US" altLang="ko-KR" b="1" dirty="0">
@@ -11862,7 +9976,7 @@
         </p:nvSpPr>
         <p:spPr>
           <a:xfrm>
-            <a:off x="159963" y="1383794"/>
+            <a:off x="159961" y="1391776"/>
             <a:ext cx="11520000" cy="6480000"/>
           </a:xfrm>
           <a:prstGeom prst="rect">
@@ -11900,14 +10014,28 @@
           <a:lstStyle/>
           <a:p>
             <a:pPr algn="ctr"/>
-            <a:endParaRPr lang="en-US" altLang="ko-KR" sz="3600" b="1" dirty="0">
-              <a:solidFill>
-                <a:schemeClr val="tx1">
-                  <a:lumMod val="75000"/>
-                  <a:lumOff val="25000"/>
-                </a:schemeClr>
-              </a:solidFill>
-            </a:endParaRPr>
+            <a:r>
+              <a:rPr lang="en-US" altLang="ko-KR" sz="3600" b="1" dirty="0" err="1">
+                <a:solidFill>
+                  <a:schemeClr val="tx1">
+                    <a:lumMod val="75000"/>
+                    <a:lumOff val="25000"/>
+                  </a:schemeClr>
+                </a:solidFill>
+              </a:rPr>
+              <a:t>BackGround</a:t>
+            </a:r>
+            <a:r>
+              <a:rPr lang="en-US" altLang="ko-KR" sz="3600" b="1" dirty="0">
+                <a:solidFill>
+                  <a:schemeClr val="tx1">
+                    <a:lumMod val="75000"/>
+                    <a:lumOff val="25000"/>
+                  </a:schemeClr>
+                </a:solidFill>
+              </a:rPr>
+              <a:t> Image</a:t>
+            </a:r>
           </a:p>
           <a:p>
             <a:pPr algn="ctr"/>
@@ -11973,7 +10101,7 @@
             </a:r>
             <a:r>
               <a:rPr lang="en-US" altLang="ko-KR" dirty="0"/>
-              <a:t>Back</a:t>
+              <a:t>Quit Game</a:t>
             </a:r>
             <a:endParaRPr lang="ko-KR" altLang="en-US" dirty="0"/>
           </a:p>
@@ -11993,8 +10121,8 @@
         </p:nvSpPr>
         <p:spPr>
           <a:xfrm>
-            <a:off x="1959962" y="2623817"/>
-            <a:ext cx="7920000" cy="1260000"/>
+            <a:off x="910131" y="5470142"/>
+            <a:ext cx="2520000" cy="1260000"/>
           </a:xfrm>
           <a:prstGeom prst="hexagon">
             <a:avLst/>
@@ -12053,8 +10181,8 @@
         </p:nvSpPr>
         <p:spPr>
           <a:xfrm>
-            <a:off x="1959962" y="4031911"/>
-            <a:ext cx="7920000" cy="1260000"/>
+            <a:off x="4652042" y="5470142"/>
+            <a:ext cx="2520000" cy="1260000"/>
           </a:xfrm>
           <a:prstGeom prst="hexagon">
             <a:avLst/>
@@ -12110,8 +10238,8 @@
         </p:nvSpPr>
         <p:spPr>
           <a:xfrm>
-            <a:off x="1959962" y="5440005"/>
-            <a:ext cx="7920000" cy="1260000"/>
+            <a:off x="8393953" y="5470142"/>
+            <a:ext cx="2520000" cy="1260000"/>
           </a:xfrm>
           <a:prstGeom prst="hexagon">
             <a:avLst/>
@@ -12166,8 +10294,8 @@
           <p:nvPr/>
         </p:nvSpPr>
         <p:spPr>
-          <a:xfrm rot="5400000">
-            <a:off x="1400179" y="3061284"/>
+          <a:xfrm rot="10800000">
+            <a:off x="1979307" y="5003040"/>
             <a:ext cx="397486" cy="342660"/>
           </a:xfrm>
           <a:prstGeom prst="triangle">
@@ -12205,58 +10333,6 @@
           </a:p>
         </p:txBody>
       </p:sp>
-      <p:sp>
-        <p:nvSpPr>
-          <p:cNvPr id="14" name="이등변 삼각형 13">
-            <a:extLst>
-              <a:ext uri="{FF2B5EF4-FFF2-40B4-BE49-F238E27FC236}">
-                <a16:creationId xmlns:a16="http://schemas.microsoft.com/office/drawing/2014/main" id="{2376484A-3256-4A06-9B34-8F081265838F}"/>
-              </a:ext>
-            </a:extLst>
-          </p:cNvPr>
-          <p:cNvSpPr/>
-          <p:nvPr/>
-        </p:nvSpPr>
-        <p:spPr>
-          <a:xfrm rot="16200000">
-            <a:off x="10042260" y="3061284"/>
-            <a:ext cx="397486" cy="342660"/>
-          </a:xfrm>
-          <a:prstGeom prst="triangle">
-            <a:avLst/>
-          </a:prstGeom>
-          <a:solidFill>
-            <a:srgbClr val="FF4343"/>
-          </a:solidFill>
-          <a:ln>
-            <a:noFill/>
-          </a:ln>
-        </p:spPr>
-        <p:style>
-          <a:lnRef idx="2">
-            <a:schemeClr val="accent1">
-              <a:shade val="50000"/>
-            </a:schemeClr>
-          </a:lnRef>
-          <a:fillRef idx="1">
-            <a:schemeClr val="accent1"/>
-          </a:fillRef>
-          <a:effectRef idx="0">
-            <a:schemeClr val="accent1"/>
-          </a:effectRef>
-          <a:fontRef idx="minor">
-            <a:schemeClr val="lt1"/>
-          </a:fontRef>
-        </p:style>
-        <p:txBody>
-          <a:bodyPr rtlCol="0" anchor="ctr"/>
-          <a:lstStyle/>
-          <a:p>
-            <a:pPr algn="ctr"/>
-            <a:endParaRPr lang="ko-KR" altLang="en-US"/>
-          </a:p>
-        </p:txBody>
-      </p:sp>
       <p:graphicFrame>
         <p:nvGraphicFramePr>
           <p:cNvPr id="16" name="표 34">
@@ -12272,14 +10348,14 @@
           <p:nvPr>
             <p:extLst>
               <p:ext uri="{D42A27DB-BD31-4B8C-83A1-F6EECF244321}">
-                <p14:modId xmlns:p14="http://schemas.microsoft.com/office/powerpoint/2010/main" val="1883399705"/>
+                <p14:modId xmlns:p14="http://schemas.microsoft.com/office/powerpoint/2010/main" val="4058189396"/>
               </p:ext>
             </p:extLst>
           </p:nvPr>
         </p:nvGraphicFramePr>
         <p:xfrm>
           <a:off x="11792313" y="1430919"/>
-          <a:ext cx="5716224" cy="1514624"/>
+          <a:ext cx="5716224" cy="1270784"/>
         </p:xfrm>
         <a:graphic>
           <a:graphicData uri="http://schemas.openxmlformats.org/drawingml/2006/table">
@@ -12338,7 +10414,7 @@
                       <a:pPr algn="ctr" latinLnBrk="1"/>
                       <a:r>
                         <a:rPr lang="ko-KR" altLang="en-US" sz="1600" dirty="0"/>
-                        <a:t>새로운 게임을 시작하는 버튼</a:t>
+                        <a:t>게임 시작</a:t>
                       </a:r>
                     </a:p>
                   </a:txBody>
@@ -12385,7 +10461,7 @@
                             <a:schemeClr val="tx1"/>
                           </a:solidFill>
                         </a:rPr>
-                        <a:t>로비 혹은 게임으로 돌아가기</a:t>
+                        <a:t>게임 종료</a:t>
                       </a:r>
                     </a:p>
                   </a:txBody>
@@ -12427,36 +10503,12 @@
                     <a:p>
                       <a:pPr algn="ctr" latinLnBrk="1"/>
                       <a:r>
-                        <a:rPr lang="en-US" altLang="ko-KR" sz="1600" i="0" dirty="0">
-                          <a:solidFill>
-                            <a:schemeClr val="tx1"/>
-                          </a:solidFill>
-                        </a:rPr>
-                        <a:t>SAVE</a:t>
-                      </a:r>
-                      <a:r>
                         <a:rPr lang="ko-KR" altLang="en-US" sz="1600" i="0" dirty="0">
                           <a:solidFill>
                             <a:schemeClr val="tx1"/>
                           </a:solidFill>
                         </a:rPr>
-                        <a:t>창인지 </a:t>
-                      </a:r>
-                      <a:r>
-                        <a:rPr lang="en-US" altLang="ko-KR" sz="1600" i="0" dirty="0">
-                          <a:solidFill>
-                            <a:schemeClr val="tx1"/>
-                          </a:solidFill>
-                        </a:rPr>
-                        <a:t>LOAD</a:t>
-                      </a:r>
-                      <a:r>
-                        <a:rPr lang="ko-KR" altLang="en-US" sz="1600" i="0" dirty="0">
-                          <a:solidFill>
-                            <a:schemeClr val="tx1"/>
-                          </a:solidFill>
-                        </a:rPr>
-                        <a:t>창인지 구분하는 메시지</a:t>
+                        <a:t>텍스트</a:t>
                       </a:r>
                       <a:endParaRPr lang="en-US" altLang="ko-KR" sz="1600" i="0" dirty="0">
                         <a:solidFill>
@@ -12472,7 +10524,7 @@
                             <a:schemeClr val="tx1"/>
                           </a:solidFill>
                         </a:rPr>
-                        <a:t>(SAVE</a:t>
+                        <a:t>(</a:t>
                       </a:r>
                       <a:r>
                         <a:rPr lang="ko-KR" altLang="en-US" sz="1600" i="0" dirty="0">
@@ -12480,7 +10532,15 @@
                             <a:schemeClr val="tx1"/>
                           </a:solidFill>
                         </a:rPr>
-                        <a:t>창이면 </a:t>
+                        <a:t>데이터를 </a:t>
+                      </a:r>
+                      <a:r>
+                        <a:rPr lang="ko-KR" altLang="en-US" sz="1600" i="0" dirty="0" err="1">
+                          <a:solidFill>
+                            <a:schemeClr val="tx1"/>
+                          </a:solidFill>
+                        </a:rPr>
+                        <a:t>선택하시오</a:t>
                       </a:r>
                       <a:r>
                         <a:rPr lang="en-US" altLang="ko-KR" sz="1600" i="0" dirty="0">
@@ -12488,63 +10548,7 @@
                             <a:schemeClr val="tx1"/>
                           </a:solidFill>
                         </a:rPr>
-                        <a:t>SAVE</a:t>
-                      </a:r>
-                      <a:r>
-                        <a:rPr lang="ko-KR" altLang="en-US" sz="1600" i="0" dirty="0">
-                          <a:solidFill>
-                            <a:schemeClr val="tx1"/>
-                          </a:solidFill>
-                        </a:rPr>
-                        <a:t>라는 글자 그래픽이</a:t>
-                      </a:r>
-                      <a:endParaRPr lang="en-US" altLang="ko-KR" sz="1600" i="0" dirty="0">
-                        <a:solidFill>
-                          <a:schemeClr val="tx1"/>
-                        </a:solidFill>
-                      </a:endParaRPr>
-                    </a:p>
-                    <a:p>
-                      <a:pPr algn="ctr" latinLnBrk="1"/>
-                      <a:r>
-                        <a:rPr lang="en-US" altLang="ko-KR" sz="1600" i="0" dirty="0">
-                          <a:solidFill>
-                            <a:schemeClr val="tx1"/>
-                          </a:solidFill>
-                        </a:rPr>
-                        <a:t>LOAD</a:t>
-                      </a:r>
-                      <a:r>
-                        <a:rPr lang="ko-KR" altLang="en-US" sz="1600" i="0" dirty="0">
-                          <a:solidFill>
-                            <a:schemeClr val="tx1"/>
-                          </a:solidFill>
-                        </a:rPr>
-                        <a:t>창이라면 </a:t>
-                      </a:r>
-                      <a:r>
-                        <a:rPr lang="en-US" altLang="ko-KR" sz="1600" i="0" dirty="0">
-                          <a:solidFill>
-                            <a:schemeClr val="tx1"/>
-                          </a:solidFill>
-                        </a:rPr>
-                        <a:t>LOAD</a:t>
-                      </a:r>
-                      <a:r>
-                        <a:rPr lang="ko-KR" altLang="en-US" sz="1600" i="0" dirty="0">
-                          <a:solidFill>
-                            <a:schemeClr val="tx1"/>
-                          </a:solidFill>
-                        </a:rPr>
-                        <a:t>라는 글자 그래픽이 출력</a:t>
-                      </a:r>
-                      <a:r>
-                        <a:rPr lang="en-US" altLang="ko-KR" sz="1600" i="0" dirty="0">
-                          <a:solidFill>
-                            <a:schemeClr val="tx1"/>
-                          </a:solidFill>
-                        </a:rPr>
-                        <a:t>)</a:t>
+                        <a:t>.)</a:t>
                       </a:r>
                     </a:p>
                   </a:txBody>
@@ -12556,7 +10560,7 @@
                 </a:tc>
                 <a:extLst>
                   <a:ext uri="{0D108BD9-81ED-4DB2-BD59-A6C34878D82A}">
-                    <a16:rowId xmlns:a16="http://schemas.microsoft.com/office/drawing/2014/main" val="1394089546"/>
+                    <a16:rowId xmlns:a16="http://schemas.microsoft.com/office/drawing/2014/main" val="664945337"/>
                   </a:ext>
                 </a:extLst>
               </a:tr>
@@ -12579,7 +10583,7 @@
         <p:spPr>
           <a:xfrm>
             <a:off x="990600" y="7935563"/>
-            <a:ext cx="10160000" cy="1830737"/>
+            <a:ext cx="4127500" cy="1830737"/>
           </a:xfrm>
           <a:prstGeom prst="rect">
             <a:avLst/>
@@ -12634,10 +10638,10 @@
         </p:nvGrpSpPr>
         <p:grpSpPr>
           <a:xfrm>
-            <a:off x="1111250" y="7947659"/>
-            <a:ext cx="9555656" cy="1852570"/>
-            <a:chOff x="1111250" y="7976234"/>
-            <a:chExt cx="9555656" cy="1852570"/>
+            <a:off x="1111250" y="8035382"/>
+            <a:ext cx="4154973" cy="1764141"/>
+            <a:chOff x="1111250" y="8063957"/>
+            <a:chExt cx="4154973" cy="1764141"/>
           </a:xfrm>
         </p:grpSpPr>
         <p:sp>
@@ -12654,8 +10658,8 @@
           </p:nvSpPr>
           <p:spPr>
             <a:xfrm rot="5400000">
-              <a:off x="5870387" y="4266611"/>
-              <a:ext cx="99150" cy="7920000"/>
+              <a:off x="3122806" y="6919715"/>
+              <a:ext cx="193627" cy="2519316"/>
             </a:xfrm>
             <a:prstGeom prst="leftBracket">
               <a:avLst>
@@ -12700,7 +10704,7 @@
           </p:nvSpPr>
           <p:spPr>
             <a:xfrm>
-              <a:off x="5537200" y="7976234"/>
+              <a:off x="2686219" y="8063957"/>
               <a:ext cx="1066800" cy="230832"/>
             </a:xfrm>
             <a:prstGeom prst="rect">
@@ -12717,7 +10721,7 @@
               <a:pPr algn="ctr"/>
               <a:r>
                 <a:rPr lang="en-US" altLang="ko-KR" sz="900" dirty="0"/>
-                <a:t>1320</a:t>
+                <a:t>420</a:t>
               </a:r>
             </a:p>
           </p:txBody>
@@ -12737,7 +10741,7 @@
           <p:spPr>
             <a:xfrm>
               <a:off x="1959962" y="8282145"/>
-              <a:ext cx="7920000" cy="1260000"/>
+              <a:ext cx="2520000" cy="1260000"/>
             </a:xfrm>
             <a:prstGeom prst="rect">
               <a:avLst/>
@@ -12964,7 +10968,7 @@
           </p:nvSpPr>
           <p:spPr>
             <a:xfrm rot="10800000">
-              <a:off x="9879962" y="8912145"/>
+              <a:off x="4479279" y="8911439"/>
               <a:ext cx="99150" cy="630000"/>
             </a:xfrm>
             <a:prstGeom prst="leftBracket">
@@ -13010,7 +11014,7 @@
           </p:nvSpPr>
           <p:spPr>
             <a:xfrm>
-              <a:off x="9600106" y="9111729"/>
+              <a:off x="4199423" y="9111023"/>
               <a:ext cx="1066800" cy="230832"/>
             </a:xfrm>
             <a:prstGeom prst="rect">
@@ -13046,7 +11050,7 @@
           </p:nvSpPr>
           <p:spPr>
             <a:xfrm rot="16200000">
-              <a:off x="9677386" y="9438718"/>
+              <a:off x="4276703" y="9438012"/>
               <a:ext cx="99150" cy="306000"/>
             </a:xfrm>
             <a:prstGeom prst="leftBracket">
@@ -13093,7 +11097,7 @@
           <p:spPr>
             <a:xfrm>
               <a:off x="1959962" y="8282143"/>
-              <a:ext cx="7920000" cy="1260000"/>
+              <a:ext cx="2520000" cy="1260000"/>
             </a:xfrm>
             <a:prstGeom prst="hexagon">
               <a:avLst/>
@@ -13141,7 +11145,7 @@
           </p:nvSpPr>
           <p:spPr>
             <a:xfrm>
-              <a:off x="9193561" y="9597972"/>
+              <a:off x="3792878" y="9597266"/>
               <a:ext cx="1066800" cy="230832"/>
             </a:xfrm>
             <a:prstGeom prst="rect">
@@ -13178,7 +11182,7 @@
         </p:nvSpPr>
         <p:spPr>
           <a:xfrm>
-            <a:off x="2352867" y="1776751"/>
+            <a:off x="2352866" y="1430446"/>
             <a:ext cx="7134189" cy="369332"/>
           </a:xfrm>
           <a:prstGeom prst="rect">

--- a/기획서/문서/UI 기획.pptx
+++ b/기획서/문서/UI 기획.pptx
@@ -5,19 +5,20 @@
     <p:sldMasterId id="2147483684" r:id="rId1"/>
   </p:sldMasterIdLst>
   <p:notesMasterIdLst>
-    <p:notesMasterId r:id="rId9"/>
+    <p:notesMasterId r:id="rId10"/>
   </p:notesMasterIdLst>
   <p:handoutMasterIdLst>
-    <p:handoutMasterId r:id="rId10"/>
+    <p:handoutMasterId r:id="rId11"/>
   </p:handoutMasterIdLst>
   <p:sldIdLst>
     <p:sldId id="256" r:id="rId2"/>
     <p:sldId id="257" r:id="rId3"/>
     <p:sldId id="258" r:id="rId4"/>
-    <p:sldId id="259" r:id="rId5"/>
+    <p:sldId id="263" r:id="rId5"/>
     <p:sldId id="260" r:id="rId6"/>
-    <p:sldId id="261" r:id="rId7"/>
-    <p:sldId id="262" r:id="rId8"/>
+    <p:sldId id="264" r:id="rId7"/>
+    <p:sldId id="261" r:id="rId8"/>
+    <p:sldId id="262" r:id="rId9"/>
   </p:sldIdLst>
   <p:sldSz cx="17610138" cy="9906000"/>
   <p:notesSz cx="6858000" cy="9144000"/>
@@ -218,7 +219,7 @@
           <a:p>
             <a:fld id="{D686C50E-113A-4B4A-8A5C-9EE1E9DBA064}" type="datetimeFigureOut">
               <a:rPr lang="ko-KR" altLang="en-US" smtClean="0"/>
-              <a:t>2021-05-26</a:t>
+              <a:t>2021-05-30</a:t>
             </a:fld>
             <a:endParaRPr lang="ko-KR" altLang="en-US" dirty="0"/>
           </a:p>
@@ -395,7 +396,7 @@
           <a:p>
             <a:fld id="{40EC3B2E-CA71-40FC-A78E-FA212ABD0BB7}" type="datetimeFigureOut">
               <a:rPr lang="ko-KR" altLang="en-US" smtClean="0"/>
-              <a:t>2021-05-26</a:t>
+              <a:t>2021-05-30</a:t>
             </a:fld>
             <a:endParaRPr lang="ko-KR" altLang="en-US" dirty="0"/>
           </a:p>
@@ -746,6 +747,90 @@
 </p:notes>
 </file>
 
+<file path=ppt/notesSlides/notesSlide2.xml><?xml version="1.0" encoding="utf-8"?>
+<p:notes xmlns:a="http://schemas.openxmlformats.org/drawingml/2006/main" xmlns:r="http://schemas.openxmlformats.org/officeDocument/2006/relationships" xmlns:p="http://schemas.openxmlformats.org/presentationml/2006/main">
+  <p:cSld>
+    <p:spTree>
+      <p:nvGrpSpPr>
+        <p:cNvPr id="1" name=""/>
+        <p:cNvGrpSpPr/>
+        <p:nvPr/>
+      </p:nvGrpSpPr>
+      <p:grpSpPr>
+        <a:xfrm>
+          <a:off x="0" y="0"/>
+          <a:ext cx="0" cy="0"/>
+          <a:chOff x="0" y="0"/>
+          <a:chExt cx="0" cy="0"/>
+        </a:xfrm>
+      </p:grpSpPr>
+      <p:sp>
+        <p:nvSpPr>
+          <p:cNvPr id="2" name="슬라이드 이미지 개체 틀 1"/>
+          <p:cNvSpPr>
+            <a:spLocks noGrp="1" noRot="1" noChangeAspect="1"/>
+          </p:cNvSpPr>
+          <p:nvPr>
+            <p:ph type="sldImg"/>
+          </p:nvPr>
+        </p:nvSpPr>
+        <p:spPr/>
+      </p:sp>
+      <p:sp>
+        <p:nvSpPr>
+          <p:cNvPr id="3" name="슬라이드 노트 개체 틀 2"/>
+          <p:cNvSpPr>
+            <a:spLocks noGrp="1"/>
+          </p:cNvSpPr>
+          <p:nvPr>
+            <p:ph type="body" idx="1"/>
+          </p:nvPr>
+        </p:nvSpPr>
+        <p:spPr/>
+        <p:txBody>
+          <a:bodyPr/>
+          <a:lstStyle/>
+          <a:p>
+            <a:endParaRPr lang="ko-KR" altLang="en-US" dirty="0"/>
+          </a:p>
+        </p:txBody>
+      </p:sp>
+      <p:sp>
+        <p:nvSpPr>
+          <p:cNvPr id="4" name="슬라이드 번호 개체 틀 3"/>
+          <p:cNvSpPr>
+            <a:spLocks noGrp="1"/>
+          </p:cNvSpPr>
+          <p:nvPr>
+            <p:ph type="sldNum" sz="quarter" idx="5"/>
+          </p:nvPr>
+        </p:nvSpPr>
+        <p:spPr/>
+        <p:txBody>
+          <a:bodyPr/>
+          <a:lstStyle/>
+          <a:p>
+            <a:fld id="{BC06C371-76E4-4FFF-ADC5-B5CD44D9DB07}" type="slidenum">
+              <a:rPr lang="ko-KR" altLang="en-US" smtClean="0"/>
+              <a:t>6</a:t>
+            </a:fld>
+            <a:endParaRPr lang="ko-KR" altLang="en-US" dirty="0"/>
+          </a:p>
+        </p:txBody>
+      </p:sp>
+    </p:spTree>
+    <p:extLst>
+      <p:ext uri="{BB962C8B-B14F-4D97-AF65-F5344CB8AC3E}">
+        <p14:creationId xmlns:p14="http://schemas.microsoft.com/office/powerpoint/2010/main" val="2237915871"/>
+      </p:ext>
+    </p:extLst>
+  </p:cSld>
+  <p:clrMapOvr>
+    <a:masterClrMapping/>
+  </p:clrMapOvr>
+</p:notes>
+</file>
+
 <file path=ppt/slideLayouts/slideLayout1.xml><?xml version="1.0" encoding="utf-8"?>
 <p:sldLayout xmlns:a="http://schemas.openxmlformats.org/drawingml/2006/main" xmlns:r="http://schemas.openxmlformats.org/officeDocument/2006/relationships" xmlns:p="http://schemas.openxmlformats.org/presentationml/2006/main" type="title" preserve="1">
   <p:cSld name="제목 슬라이드">
@@ -877,7 +962,7 @@
           <a:p>
             <a:fld id="{F8CAAD71-D53C-4447-AAA3-BC9075A67E69}" type="datetimeFigureOut">
               <a:rPr lang="ko-KR" altLang="en-US" smtClean="0"/>
-              <a:t>2021-05-26</a:t>
+              <a:t>2021-05-30</a:t>
             </a:fld>
             <a:endParaRPr lang="ko-KR" altLang="en-US" dirty="0"/>
           </a:p>
@@ -1047,7 +1132,7 @@
           <a:p>
             <a:fld id="{F8CAAD71-D53C-4447-AAA3-BC9075A67E69}" type="datetimeFigureOut">
               <a:rPr lang="ko-KR" altLang="en-US" smtClean="0"/>
-              <a:t>2021-05-26</a:t>
+              <a:t>2021-05-30</a:t>
             </a:fld>
             <a:endParaRPr lang="ko-KR" altLang="en-US" dirty="0"/>
           </a:p>
@@ -1227,7 +1312,7 @@
           <a:p>
             <a:fld id="{F8CAAD71-D53C-4447-AAA3-BC9075A67E69}" type="datetimeFigureOut">
               <a:rPr lang="ko-KR" altLang="en-US" smtClean="0"/>
-              <a:t>2021-05-26</a:t>
+              <a:t>2021-05-30</a:t>
             </a:fld>
             <a:endParaRPr lang="ko-KR" altLang="en-US" dirty="0"/>
           </a:p>
@@ -1397,7 +1482,7 @@
           <a:p>
             <a:fld id="{F8CAAD71-D53C-4447-AAA3-BC9075A67E69}" type="datetimeFigureOut">
               <a:rPr lang="ko-KR" altLang="en-US" smtClean="0"/>
-              <a:t>2021-05-26</a:t>
+              <a:t>2021-05-30</a:t>
             </a:fld>
             <a:endParaRPr lang="ko-KR" altLang="en-US" dirty="0"/>
           </a:p>
@@ -1643,7 +1728,7 @@
           <a:p>
             <a:fld id="{F8CAAD71-D53C-4447-AAA3-BC9075A67E69}" type="datetimeFigureOut">
               <a:rPr lang="ko-KR" altLang="en-US" smtClean="0"/>
-              <a:t>2021-05-26</a:t>
+              <a:t>2021-05-30</a:t>
             </a:fld>
             <a:endParaRPr lang="ko-KR" altLang="en-US" dirty="0"/>
           </a:p>
@@ -1875,7 +1960,7 @@
           <a:p>
             <a:fld id="{F8CAAD71-D53C-4447-AAA3-BC9075A67E69}" type="datetimeFigureOut">
               <a:rPr lang="ko-KR" altLang="en-US" smtClean="0"/>
-              <a:t>2021-05-26</a:t>
+              <a:t>2021-05-30</a:t>
             </a:fld>
             <a:endParaRPr lang="ko-KR" altLang="en-US" dirty="0"/>
           </a:p>
@@ -2242,7 +2327,7 @@
           <a:p>
             <a:fld id="{F8CAAD71-D53C-4447-AAA3-BC9075A67E69}" type="datetimeFigureOut">
               <a:rPr lang="ko-KR" altLang="en-US" smtClean="0"/>
-              <a:t>2021-05-26</a:t>
+              <a:t>2021-05-30</a:t>
             </a:fld>
             <a:endParaRPr lang="ko-KR" altLang="en-US" dirty="0"/>
           </a:p>
@@ -2360,7 +2445,7 @@
           <a:p>
             <a:fld id="{F8CAAD71-D53C-4447-AAA3-BC9075A67E69}" type="datetimeFigureOut">
               <a:rPr lang="ko-KR" altLang="en-US" smtClean="0"/>
-              <a:t>2021-05-26</a:t>
+              <a:t>2021-05-30</a:t>
             </a:fld>
             <a:endParaRPr lang="ko-KR" altLang="en-US" dirty="0"/>
           </a:p>
@@ -2455,7 +2540,7 @@
           <a:p>
             <a:fld id="{F8CAAD71-D53C-4447-AAA3-BC9075A67E69}" type="datetimeFigureOut">
               <a:rPr lang="ko-KR" altLang="en-US" smtClean="0"/>
-              <a:t>2021-05-26</a:t>
+              <a:t>2021-05-30</a:t>
             </a:fld>
             <a:endParaRPr lang="ko-KR" altLang="en-US" dirty="0"/>
           </a:p>
@@ -2732,7 +2817,7 @@
           <a:p>
             <a:fld id="{F8CAAD71-D53C-4447-AAA3-BC9075A67E69}" type="datetimeFigureOut">
               <a:rPr lang="ko-KR" altLang="en-US" smtClean="0"/>
-              <a:t>2021-05-26</a:t>
+              <a:t>2021-05-30</a:t>
             </a:fld>
             <a:endParaRPr lang="ko-KR" altLang="en-US" dirty="0"/>
           </a:p>
@@ -2989,7 +3074,7 @@
           <a:p>
             <a:fld id="{F8CAAD71-D53C-4447-AAA3-BC9075A67E69}" type="datetimeFigureOut">
               <a:rPr lang="ko-KR" altLang="en-US" smtClean="0"/>
-              <a:t>2021-05-26</a:t>
+              <a:t>2021-05-30</a:t>
             </a:fld>
             <a:endParaRPr lang="ko-KR" altLang="en-US" dirty="0"/>
           </a:p>
@@ -3207,7 +3292,7 @@
           <a:p>
             <a:fld id="{F8CAAD71-D53C-4447-AAA3-BC9075A67E69}" type="datetimeFigureOut">
               <a:rPr lang="ko-KR" altLang="en-US" smtClean="0"/>
-              <a:t>2021-05-26</a:t>
+              <a:t>2021-05-30</a:t>
             </a:fld>
             <a:endParaRPr lang="ko-KR" altLang="en-US" dirty="0"/>
           </a:p>
@@ -3874,7 +3959,7 @@
         <p:spPr>
           <a:xfrm>
             <a:off x="445276" y="1697447"/>
-            <a:ext cx="14680424" cy="2236959"/>
+            <a:ext cx="14680424" cy="2790957"/>
           </a:xfrm>
           <a:prstGeom prst="rect">
             <a:avLst/>
@@ -3919,6 +4004,16 @@
               <a:buAutoNum type="arabicPeriod"/>
             </a:pPr>
             <a:r>
+              <a:rPr lang="ko-KR" altLang="en-US" sz="2400" b="1" dirty="0">
+                <a:solidFill>
+                  <a:schemeClr val="bg1"/>
+                </a:solidFill>
+                <a:latin typeface="+mj-ea"/>
+                <a:ea typeface="+mj-ea"/>
+              </a:rPr>
+              <a:t>기본 </a:t>
+            </a:r>
+            <a:r>
               <a:rPr lang="ko-KR" altLang="en-US" sz="2400" b="1" dirty="0" err="1">
                 <a:solidFill>
                   <a:schemeClr val="bg1"/>
@@ -3972,6 +4067,74 @@
                 <a:ea typeface="+mj-ea"/>
               </a:rPr>
               <a:t> </a:t>
+            </a:r>
+            <a:r>
+              <a:rPr lang="en-US" altLang="ko-KR" sz="2400" b="1" dirty="0">
+                <a:solidFill>
+                  <a:schemeClr val="bg1"/>
+                </a:solidFill>
+                <a:latin typeface="+mj-ea"/>
+                <a:ea typeface="+mj-ea"/>
+              </a:rPr>
+              <a:t>UI</a:t>
+            </a:r>
+            <a:r>
+              <a:rPr lang="ko-KR" altLang="en-US" sz="2400" b="1" dirty="0">
+                <a:solidFill>
+                  <a:schemeClr val="bg1"/>
+                </a:solidFill>
+                <a:latin typeface="+mj-ea"/>
+                <a:ea typeface="+mj-ea"/>
+              </a:rPr>
+              <a:t>규격 </a:t>
+            </a:r>
+            <a:r>
+              <a:rPr lang="en-US" altLang="ko-KR" sz="2400" b="1" dirty="0">
+                <a:solidFill>
+                  <a:schemeClr val="bg1"/>
+                </a:solidFill>
+                <a:latin typeface="+mj-ea"/>
+                <a:ea typeface="+mj-ea"/>
+              </a:rPr>
+              <a:t>(1920X1080 </a:t>
+            </a:r>
+            <a:r>
+              <a:rPr lang="ko-KR" altLang="en-US" sz="2400" b="1" dirty="0">
+                <a:solidFill>
+                  <a:schemeClr val="bg1"/>
+                </a:solidFill>
+                <a:latin typeface="+mj-ea"/>
+                <a:ea typeface="+mj-ea"/>
+              </a:rPr>
+              <a:t>기준</a:t>
+            </a:r>
+            <a:r>
+              <a:rPr lang="en-US" altLang="ko-KR" sz="2400" b="1" dirty="0">
+                <a:solidFill>
+                  <a:schemeClr val="bg1"/>
+                </a:solidFill>
+                <a:latin typeface="+mj-ea"/>
+                <a:ea typeface="+mj-ea"/>
+              </a:rPr>
+              <a:t>)</a:t>
+            </a:r>
+          </a:p>
+          <a:p>
+            <a:pPr marL="342900" indent="-342900">
+              <a:lnSpc>
+                <a:spcPct val="150000"/>
+              </a:lnSpc>
+              <a:buAutoNum type="arabicPeriod"/>
+            </a:pPr>
+            <a:r>
+              <a:rPr lang="ko-KR" altLang="en-US" sz="2400" b="1" dirty="0">
+                <a:solidFill>
+                  <a:schemeClr val="bg1"/>
+                </a:solidFill>
+                <a:latin typeface="+mj-ea"/>
+                <a:ea typeface="+mj-ea"/>
+              </a:rPr>
+              <a:t>이벤트 </a:t>
             </a:r>
             <a:r>
               <a:rPr lang="en-US" altLang="ko-KR" sz="2400" b="1" dirty="0">
@@ -5098,6 +5261,13 @@
           <a:p>
             <a:pPr algn="ctr"/>
             <a:r>
+              <a:rPr lang="ko-KR" altLang="en-US" b="1" dirty="0">
+                <a:latin typeface="메이플스토리" panose="02000300000000000000" pitchFamily="2" charset="-127"/>
+                <a:ea typeface="메이플스토리" panose="02000300000000000000" pitchFamily="2" charset="-127"/>
+              </a:rPr>
+              <a:t>기본 </a:t>
+            </a:r>
+            <a:r>
               <a:rPr lang="ko-KR" altLang="en-US" b="1" dirty="0" err="1">
                 <a:latin typeface="메이플스토리" panose="02000300000000000000" pitchFamily="2" charset="-127"/>
                 <a:ea typeface="메이플스토리" panose="02000300000000000000" pitchFamily="2" charset="-127"/>
@@ -5126,13 +5296,7 @@
           <p:cNvGraphicFramePr>
             <a:graphicFrameLocks noGrp="1"/>
           </p:cNvGraphicFramePr>
-          <p:nvPr>
-            <p:extLst>
-              <p:ext uri="{D42A27DB-BD31-4B8C-83A1-F6EECF244321}">
-                <p14:modId xmlns:p14="http://schemas.microsoft.com/office/powerpoint/2010/main" val="49077710"/>
-              </p:ext>
-            </p:extLst>
-          </p:nvPr>
+          <p:nvPr/>
         </p:nvGraphicFramePr>
         <p:xfrm>
           <a:off x="11792313" y="1430919"/>
@@ -6281,7 +6445,7 @@
     </p:spTree>
     <p:extLst>
       <p:ext uri="{BB962C8B-B14F-4D97-AF65-F5344CB8AC3E}">
-        <p14:creationId xmlns:p14="http://schemas.microsoft.com/office/powerpoint/2010/main" val="3271959534"/>
+        <p14:creationId xmlns:p14="http://schemas.microsoft.com/office/powerpoint/2010/main" val="1182800998"/>
       </p:ext>
     </p:extLst>
   </p:cSld>
@@ -6621,6 +6785,13 @@
           <a:p>
             <a:pPr algn="ctr"/>
             <a:r>
+              <a:rPr lang="ko-KR" altLang="en-US" b="1" dirty="0">
+                <a:latin typeface="메이플스토리" panose="02000300000000000000" pitchFamily="2" charset="-127"/>
+                <a:ea typeface="메이플스토리" panose="02000300000000000000" pitchFamily="2" charset="-127"/>
+              </a:rPr>
+              <a:t>기본 </a:t>
+            </a:r>
+            <a:r>
               <a:rPr lang="ko-KR" altLang="en-US" b="1" dirty="0" err="1">
                 <a:latin typeface="메이플스토리" panose="02000300000000000000" pitchFamily="2" charset="-127"/>
                 <a:ea typeface="메이플스토리" panose="02000300000000000000" pitchFamily="2" charset="-127"/>
@@ -6691,14 +6862,14 @@
           <p:nvPr>
             <p:extLst>
               <p:ext uri="{D42A27DB-BD31-4B8C-83A1-F6EECF244321}">
-                <p14:modId xmlns:p14="http://schemas.microsoft.com/office/powerpoint/2010/main" val="393131965"/>
+                <p14:modId xmlns:p14="http://schemas.microsoft.com/office/powerpoint/2010/main" val="2017534911"/>
               </p:ext>
             </p:extLst>
           </p:nvPr>
         </p:nvGraphicFramePr>
         <p:xfrm>
           <a:off x="11792313" y="1430919"/>
-          <a:ext cx="5716224" cy="1729160"/>
+          <a:ext cx="5716224" cy="1383328"/>
         </p:xfrm>
         <a:graphic>
           <a:graphicData uri="http://schemas.openxmlformats.org/drawingml/2006/table">
@@ -6930,50 +7101,6 @@
                 <a:extLst>
                   <a:ext uri="{0D108BD9-81ED-4DB2-BD59-A6C34878D82A}">
                     <a16:rowId xmlns:a16="http://schemas.microsoft.com/office/drawing/2014/main" val="277991780"/>
-                  </a:ext>
-                </a:extLst>
-              </a:tr>
-              <a:tr h="345832">
-                <a:tc>
-                  <a:txBody>
-                    <a:bodyPr/>
-                    <a:lstStyle/>
-                    <a:p>
-                      <a:pPr algn="ctr" latinLnBrk="1"/>
-                      <a:r>
-                        <a:rPr lang="ko-KR" altLang="en-US" sz="1600" dirty="0"/>
-                        <a:t>⑤</a:t>
-                      </a:r>
-                    </a:p>
-                  </a:txBody>
-                  <a:tcPr anchor="ctr">
-                    <a:solidFill>
-                      <a:schemeClr val="bg1"/>
-                    </a:solidFill>
-                  </a:tcPr>
-                </a:tc>
-                <a:tc>
-                  <a:txBody>
-                    <a:bodyPr/>
-                    <a:lstStyle/>
-                    <a:p>
-                      <a:pPr algn="ctr" latinLnBrk="1"/>
-                      <a:endParaRPr lang="en-US" altLang="ko-KR" sz="1600" i="0" dirty="0">
-                        <a:solidFill>
-                          <a:schemeClr val="tx1"/>
-                        </a:solidFill>
-                      </a:endParaRPr>
-                    </a:p>
-                  </a:txBody>
-                  <a:tcPr anchor="ctr">
-                    <a:solidFill>
-                      <a:schemeClr val="bg1"/>
-                    </a:solidFill>
-                  </a:tcPr>
-                </a:tc>
-                <a:extLst>
-                  <a:ext uri="{0D108BD9-81ED-4DB2-BD59-A6C34878D82A}">
-                    <a16:rowId xmlns:a16="http://schemas.microsoft.com/office/drawing/2014/main" val="2894574746"/>
                   </a:ext>
                 </a:extLst>
               </a:tr>
@@ -9393,6 +9520,1655 @@
       </p:grpSpPr>
       <p:sp>
         <p:nvSpPr>
+          <p:cNvPr id="113" name="직사각형 112">
+            <a:extLst>
+              <a:ext uri="{FF2B5EF4-FFF2-40B4-BE49-F238E27FC236}">
+                <a16:creationId xmlns:a16="http://schemas.microsoft.com/office/drawing/2014/main" id="{36B2FA93-36D2-4209-A814-C4FAB7B84721}"/>
+              </a:ext>
+            </a:extLst>
+          </p:cNvPr>
+          <p:cNvSpPr/>
+          <p:nvPr/>
+        </p:nvSpPr>
+        <p:spPr>
+          <a:xfrm>
+            <a:off x="159963" y="7953794"/>
+            <a:ext cx="11520000" cy="1942032"/>
+          </a:xfrm>
+          <a:prstGeom prst="rect">
+            <a:avLst/>
+          </a:prstGeom>
+          <a:solidFill>
+            <a:schemeClr val="bg1">
+              <a:alpha val="20000"/>
+            </a:schemeClr>
+          </a:solidFill>
+          <a:ln>
+            <a:solidFill>
+              <a:schemeClr val="bg1"/>
+            </a:solidFill>
+          </a:ln>
+        </p:spPr>
+        <p:style>
+          <a:lnRef idx="2">
+            <a:schemeClr val="accent1">
+              <a:shade val="50000"/>
+            </a:schemeClr>
+          </a:lnRef>
+          <a:fillRef idx="1">
+            <a:schemeClr val="accent1"/>
+          </a:fillRef>
+          <a:effectRef idx="0">
+            <a:schemeClr val="accent1"/>
+          </a:effectRef>
+          <a:fontRef idx="minor">
+            <a:schemeClr val="lt1"/>
+          </a:fontRef>
+        </p:style>
+        <p:txBody>
+          <a:bodyPr rtlCol="0" anchor="ctr"/>
+          <a:lstStyle/>
+          <a:p>
+            <a:pPr algn="ctr"/>
+            <a:endParaRPr lang="ko-KR" altLang="en-US" dirty="0"/>
+          </a:p>
+        </p:txBody>
+      </p:sp>
+      <p:sp>
+        <p:nvSpPr>
+          <p:cNvPr id="4" name="직사각형 3">
+            <a:extLst>
+              <a:ext uri="{FF2B5EF4-FFF2-40B4-BE49-F238E27FC236}">
+                <a16:creationId xmlns:a16="http://schemas.microsoft.com/office/drawing/2014/main" id="{E4BF6550-25AC-4728-8037-519A816C0EB1}"/>
+              </a:ext>
+            </a:extLst>
+          </p:cNvPr>
+          <p:cNvSpPr/>
+          <p:nvPr/>
+        </p:nvSpPr>
+        <p:spPr>
+          <a:xfrm>
+            <a:off x="8132804" y="33681"/>
+            <a:ext cx="1344535" cy="923330"/>
+          </a:xfrm>
+          <a:prstGeom prst="rect">
+            <a:avLst/>
+          </a:prstGeom>
+          <a:noFill/>
+        </p:spPr>
+        <p:txBody>
+          <a:bodyPr wrap="none" lIns="91440" tIns="45720" rIns="91440" bIns="45720">
+            <a:spAutoFit/>
+          </a:bodyPr>
+          <a:lstStyle/>
+          <a:p>
+            <a:pPr algn="ctr"/>
+            <a:r>
+              <a:rPr lang="en-US" altLang="ko-KR" sz="5400" b="1" dirty="0">
+                <a:ln w="0">
+                  <a:solidFill>
+                    <a:schemeClr val="bg1"/>
+                  </a:solidFill>
+                </a:ln>
+                <a:latin typeface="+mj-ea"/>
+                <a:ea typeface="+mj-ea"/>
+              </a:rPr>
+              <a:t>WA</a:t>
+            </a:r>
+          </a:p>
+        </p:txBody>
+      </p:sp>
+      <p:sp>
+        <p:nvSpPr>
+          <p:cNvPr id="5" name="사각형: 둥근 모서리 4">
+            <a:extLst>
+              <a:ext uri="{FF2B5EF4-FFF2-40B4-BE49-F238E27FC236}">
+                <a16:creationId xmlns:a16="http://schemas.microsoft.com/office/drawing/2014/main" id="{284673F5-C4AE-453A-95F6-C66F5BC52C33}"/>
+              </a:ext>
+            </a:extLst>
+          </p:cNvPr>
+          <p:cNvSpPr/>
+          <p:nvPr/>
+        </p:nvSpPr>
+        <p:spPr>
+          <a:xfrm>
+            <a:off x="101601" y="993855"/>
+            <a:ext cx="17406942" cy="318170"/>
+          </a:xfrm>
+          <a:prstGeom prst="roundRect">
+            <a:avLst/>
+          </a:prstGeom>
+          <a:solidFill>
+            <a:schemeClr val="tx1"/>
+          </a:solidFill>
+          <a:ln>
+            <a:noFill/>
+          </a:ln>
+        </p:spPr>
+        <p:style>
+          <a:lnRef idx="2">
+            <a:schemeClr val="accent1">
+              <a:shade val="50000"/>
+            </a:schemeClr>
+          </a:lnRef>
+          <a:fillRef idx="1">
+            <a:schemeClr val="accent1"/>
+          </a:fillRef>
+          <a:effectRef idx="0">
+            <a:schemeClr val="accent1"/>
+          </a:effectRef>
+          <a:fontRef idx="minor">
+            <a:schemeClr val="lt1"/>
+          </a:fontRef>
+        </p:style>
+        <p:txBody>
+          <a:bodyPr rtlCol="0" anchor="ctr"/>
+          <a:lstStyle/>
+          <a:p>
+            <a:pPr algn="ctr"/>
+            <a:r>
+              <a:rPr lang="ko-KR" altLang="en-US" b="1" dirty="0">
+                <a:latin typeface="메이플스토리" panose="02000300000000000000" pitchFamily="2" charset="-127"/>
+                <a:ea typeface="메이플스토리" panose="02000300000000000000" pitchFamily="2" charset="-127"/>
+              </a:rPr>
+              <a:t>이벤트 </a:t>
+            </a:r>
+            <a:r>
+              <a:rPr lang="en-US" altLang="ko-KR" b="1" dirty="0">
+                <a:latin typeface="메이플스토리" panose="02000300000000000000" pitchFamily="2" charset="-127"/>
+                <a:ea typeface="메이플스토리" panose="02000300000000000000" pitchFamily="2" charset="-127"/>
+              </a:rPr>
+              <a:t>UI</a:t>
+            </a:r>
+            <a:r>
+              <a:rPr lang="ko-KR" altLang="en-US" b="1" dirty="0">
+                <a:latin typeface="메이플스토리" panose="02000300000000000000" pitchFamily="2" charset="-127"/>
+                <a:ea typeface="메이플스토리" panose="02000300000000000000" pitchFamily="2" charset="-127"/>
+              </a:rPr>
+              <a:t>규격 </a:t>
+            </a:r>
+            <a:r>
+              <a:rPr lang="en-US" altLang="ko-KR" b="1" dirty="0">
+                <a:latin typeface="메이플스토리" panose="02000300000000000000" pitchFamily="2" charset="-127"/>
+                <a:ea typeface="메이플스토리" panose="02000300000000000000" pitchFamily="2" charset="-127"/>
+              </a:rPr>
+              <a:t>(1920x1080 </a:t>
+            </a:r>
+            <a:r>
+              <a:rPr lang="ko-KR" altLang="en-US" b="1" dirty="0">
+                <a:latin typeface="메이플스토리" panose="02000300000000000000" pitchFamily="2" charset="-127"/>
+                <a:ea typeface="메이플스토리" panose="02000300000000000000" pitchFamily="2" charset="-127"/>
+              </a:rPr>
+              <a:t>기준</a:t>
+            </a:r>
+            <a:r>
+              <a:rPr lang="en-US" altLang="ko-KR" b="1" dirty="0">
+                <a:latin typeface="메이플스토리" panose="02000300000000000000" pitchFamily="2" charset="-127"/>
+                <a:ea typeface="메이플스토리" panose="02000300000000000000" pitchFamily="2" charset="-127"/>
+              </a:rPr>
+              <a:t>)</a:t>
+            </a:r>
+            <a:endParaRPr lang="ko-KR" altLang="en-US" b="1" dirty="0">
+              <a:latin typeface="메이플스토리" panose="02000300000000000000" pitchFamily="2" charset="-127"/>
+              <a:ea typeface="메이플스토리" panose="02000300000000000000" pitchFamily="2" charset="-127"/>
+            </a:endParaRPr>
+          </a:p>
+        </p:txBody>
+      </p:sp>
+      <p:graphicFrame>
+        <p:nvGraphicFramePr>
+          <p:cNvPr id="29" name="표 34">
+            <a:extLst>
+              <a:ext uri="{FF2B5EF4-FFF2-40B4-BE49-F238E27FC236}">
+                <a16:creationId xmlns:a16="http://schemas.microsoft.com/office/drawing/2014/main" id="{B6745C71-9C72-4E6B-8D4D-5D39543EABDA}"/>
+              </a:ext>
+            </a:extLst>
+          </p:cNvPr>
+          <p:cNvGraphicFramePr>
+            <a:graphicFrameLocks noGrp="1"/>
+          </p:cNvGraphicFramePr>
+          <p:nvPr>
+            <p:extLst>
+              <p:ext uri="{D42A27DB-BD31-4B8C-83A1-F6EECF244321}">
+                <p14:modId xmlns:p14="http://schemas.microsoft.com/office/powerpoint/2010/main" val="836413617"/>
+              </p:ext>
+            </p:extLst>
+          </p:nvPr>
+        </p:nvGraphicFramePr>
+        <p:xfrm>
+          <a:off x="11792313" y="1430919"/>
+          <a:ext cx="5716224" cy="1729160"/>
+        </p:xfrm>
+        <a:graphic>
+          <a:graphicData uri="http://schemas.openxmlformats.org/drawingml/2006/table">
+            <a:tbl>
+              <a:tblPr firstRow="1" bandRow="1">
+                <a:tableStyleId>{5940675A-B579-460E-94D1-54222C63F5DA}</a:tableStyleId>
+              </a:tblPr>
+              <a:tblGrid>
+                <a:gridCol w="942189">
+                  <a:extLst>
+                    <a:ext uri="{9D8B030D-6E8A-4147-A177-3AD203B41FA5}">
+                      <a16:colId xmlns:a16="http://schemas.microsoft.com/office/drawing/2014/main" val="1091678528"/>
+                    </a:ext>
+                  </a:extLst>
+                </a:gridCol>
+                <a:gridCol w="4774035">
+                  <a:extLst>
+                    <a:ext uri="{9D8B030D-6E8A-4147-A177-3AD203B41FA5}">
+                      <a16:colId xmlns:a16="http://schemas.microsoft.com/office/drawing/2014/main" val="3645005055"/>
+                    </a:ext>
+                  </a:extLst>
+                </a:gridCol>
+              </a:tblGrid>
+              <a:tr h="345832">
+                <a:tc>
+                  <a:txBody>
+                    <a:bodyPr/>
+                    <a:lstStyle/>
+                    <a:p>
+                      <a:pPr algn="ctr" latinLnBrk="1"/>
+                      <a:r>
+                        <a:rPr lang="ko-KR" altLang="en-US" sz="1600" dirty="0"/>
+                        <a:t>①</a:t>
+                      </a:r>
+                    </a:p>
+                  </a:txBody>
+                  <a:tcPr anchor="ctr">
+                    <a:solidFill>
+                      <a:schemeClr val="bg1"/>
+                    </a:solidFill>
+                  </a:tcPr>
+                </a:tc>
+                <a:tc>
+                  <a:txBody>
+                    <a:bodyPr/>
+                    <a:lstStyle/>
+                    <a:p>
+                      <a:pPr algn="ctr" latinLnBrk="1"/>
+                      <a:r>
+                        <a:rPr lang="ko-KR" altLang="en-US" sz="1600" dirty="0"/>
+                        <a:t>초상화 출력 </a:t>
+                      </a:r>
+                      <a:r>
+                        <a:rPr lang="en-US" altLang="ko-KR" sz="1600" dirty="0"/>
+                        <a:t>UI 1</a:t>
+                      </a:r>
+                      <a:endParaRPr lang="ko-KR" altLang="en-US" sz="1600" dirty="0"/>
+                    </a:p>
+                  </a:txBody>
+                  <a:tcPr anchor="ctr">
+                    <a:solidFill>
+                      <a:schemeClr val="bg1"/>
+                    </a:solidFill>
+                  </a:tcPr>
+                </a:tc>
+                <a:extLst>
+                  <a:ext uri="{0D108BD9-81ED-4DB2-BD59-A6C34878D82A}">
+                    <a16:rowId xmlns:a16="http://schemas.microsoft.com/office/drawing/2014/main" val="2284623317"/>
+                  </a:ext>
+                </a:extLst>
+              </a:tr>
+              <a:tr h="345832">
+                <a:tc>
+                  <a:txBody>
+                    <a:bodyPr/>
+                    <a:lstStyle/>
+                    <a:p>
+                      <a:pPr algn="ctr" latinLnBrk="1"/>
+                      <a:r>
+                        <a:rPr lang="ko-KR" altLang="en-US" sz="1600" dirty="0"/>
+                        <a:t>②</a:t>
+                      </a:r>
+                    </a:p>
+                  </a:txBody>
+                  <a:tcPr anchor="ctr">
+                    <a:solidFill>
+                      <a:schemeClr val="bg1"/>
+                    </a:solidFill>
+                  </a:tcPr>
+                </a:tc>
+                <a:tc>
+                  <a:txBody>
+                    <a:bodyPr/>
+                    <a:lstStyle/>
+                    <a:p>
+                      <a:pPr algn="ctr" latinLnBrk="1"/>
+                      <a:r>
+                        <a:rPr lang="ko-KR" altLang="en-US" sz="1600" i="0" dirty="0">
+                          <a:solidFill>
+                            <a:schemeClr val="tx1"/>
+                          </a:solidFill>
+                        </a:rPr>
+                        <a:t>초상화 출력 </a:t>
+                      </a:r>
+                      <a:r>
+                        <a:rPr lang="en-US" altLang="ko-KR" sz="1600" i="0" dirty="0">
+                          <a:solidFill>
+                            <a:schemeClr val="tx1"/>
+                          </a:solidFill>
+                        </a:rPr>
+                        <a:t>UI 2</a:t>
+                      </a:r>
+                      <a:endParaRPr lang="ko-KR" altLang="en-US" sz="1600" i="0" dirty="0">
+                        <a:solidFill>
+                          <a:schemeClr val="tx1"/>
+                        </a:solidFill>
+                      </a:endParaRPr>
+                    </a:p>
+                  </a:txBody>
+                  <a:tcPr anchor="ctr">
+                    <a:solidFill>
+                      <a:schemeClr val="bg1"/>
+                    </a:solidFill>
+                  </a:tcPr>
+                </a:tc>
+                <a:extLst>
+                  <a:ext uri="{0D108BD9-81ED-4DB2-BD59-A6C34878D82A}">
+                    <a16:rowId xmlns:a16="http://schemas.microsoft.com/office/drawing/2014/main" val="3473698866"/>
+                  </a:ext>
+                </a:extLst>
+              </a:tr>
+              <a:tr h="345832">
+                <a:tc>
+                  <a:txBody>
+                    <a:bodyPr/>
+                    <a:lstStyle/>
+                    <a:p>
+                      <a:pPr algn="ctr" latinLnBrk="1"/>
+                      <a:r>
+                        <a:rPr lang="ko-KR" altLang="en-US" sz="1600" dirty="0"/>
+                        <a:t>③</a:t>
+                      </a:r>
+                    </a:p>
+                  </a:txBody>
+                  <a:tcPr anchor="ctr">
+                    <a:solidFill>
+                      <a:schemeClr val="bg1"/>
+                    </a:solidFill>
+                  </a:tcPr>
+                </a:tc>
+                <a:tc>
+                  <a:txBody>
+                    <a:bodyPr/>
+                    <a:lstStyle/>
+                    <a:p>
+                      <a:pPr algn="ctr" latinLnBrk="1"/>
+                      <a:r>
+                        <a:rPr lang="ko-KR" altLang="en-US" sz="1600" i="0" dirty="0">
+                          <a:solidFill>
+                            <a:schemeClr val="tx1"/>
+                          </a:solidFill>
+                        </a:rPr>
+                        <a:t>대화박스</a:t>
+                      </a:r>
+                    </a:p>
+                  </a:txBody>
+                  <a:tcPr anchor="ctr">
+                    <a:solidFill>
+                      <a:schemeClr val="bg1"/>
+                    </a:solidFill>
+                  </a:tcPr>
+                </a:tc>
+                <a:extLst>
+                  <a:ext uri="{0D108BD9-81ED-4DB2-BD59-A6C34878D82A}">
+                    <a16:rowId xmlns:a16="http://schemas.microsoft.com/office/drawing/2014/main" val="1387162518"/>
+                  </a:ext>
+                </a:extLst>
+              </a:tr>
+              <a:tr h="345832">
+                <a:tc>
+                  <a:txBody>
+                    <a:bodyPr/>
+                    <a:lstStyle/>
+                    <a:p>
+                      <a:pPr algn="ctr" latinLnBrk="1"/>
+                      <a:endParaRPr lang="ko-KR" altLang="en-US" sz="1600" dirty="0"/>
+                    </a:p>
+                  </a:txBody>
+                  <a:tcPr anchor="ctr">
+                    <a:solidFill>
+                      <a:schemeClr val="bg1"/>
+                    </a:solidFill>
+                  </a:tcPr>
+                </a:tc>
+                <a:tc>
+                  <a:txBody>
+                    <a:bodyPr/>
+                    <a:lstStyle/>
+                    <a:p>
+                      <a:pPr marL="0" marR="0" lvl="0" indent="0" algn="ctr" defTabSz="1320759" rtl="0" eaLnBrk="1" fontAlgn="auto" latinLnBrk="1" hangingPunct="1">
+                        <a:lnSpc>
+                          <a:spcPct val="100000"/>
+                        </a:lnSpc>
+                        <a:spcBef>
+                          <a:spcPts val="0"/>
+                        </a:spcBef>
+                        <a:spcAft>
+                          <a:spcPts val="0"/>
+                        </a:spcAft>
+                        <a:buClrTx/>
+                        <a:buSzTx/>
+                        <a:buFontTx/>
+                        <a:buNone/>
+                        <a:tabLst/>
+                        <a:defRPr/>
+                      </a:pPr>
+                      <a:endParaRPr lang="en-US" altLang="ko-KR" sz="1600" i="0" dirty="0">
+                        <a:solidFill>
+                          <a:schemeClr val="tx1"/>
+                        </a:solidFill>
+                      </a:endParaRPr>
+                    </a:p>
+                  </a:txBody>
+                  <a:tcPr anchor="ctr">
+                    <a:solidFill>
+                      <a:schemeClr val="bg1"/>
+                    </a:solidFill>
+                  </a:tcPr>
+                </a:tc>
+                <a:extLst>
+                  <a:ext uri="{0D108BD9-81ED-4DB2-BD59-A6C34878D82A}">
+                    <a16:rowId xmlns:a16="http://schemas.microsoft.com/office/drawing/2014/main" val="277991780"/>
+                  </a:ext>
+                </a:extLst>
+              </a:tr>
+              <a:tr h="345832">
+                <a:tc>
+                  <a:txBody>
+                    <a:bodyPr/>
+                    <a:lstStyle/>
+                    <a:p>
+                      <a:pPr algn="ctr" latinLnBrk="1"/>
+                      <a:endParaRPr lang="ko-KR" altLang="en-US" sz="1600" dirty="0"/>
+                    </a:p>
+                  </a:txBody>
+                  <a:tcPr anchor="ctr">
+                    <a:solidFill>
+                      <a:schemeClr val="bg1"/>
+                    </a:solidFill>
+                  </a:tcPr>
+                </a:tc>
+                <a:tc>
+                  <a:txBody>
+                    <a:bodyPr/>
+                    <a:lstStyle/>
+                    <a:p>
+                      <a:pPr algn="ctr" latinLnBrk="1"/>
+                      <a:endParaRPr lang="en-US" altLang="ko-KR" sz="1600" i="0" dirty="0">
+                        <a:solidFill>
+                          <a:schemeClr val="tx1"/>
+                        </a:solidFill>
+                      </a:endParaRPr>
+                    </a:p>
+                  </a:txBody>
+                  <a:tcPr anchor="ctr">
+                    <a:solidFill>
+                      <a:schemeClr val="bg1"/>
+                    </a:solidFill>
+                  </a:tcPr>
+                </a:tc>
+                <a:extLst>
+                  <a:ext uri="{0D108BD9-81ED-4DB2-BD59-A6C34878D82A}">
+                    <a16:rowId xmlns:a16="http://schemas.microsoft.com/office/drawing/2014/main" val="2894574746"/>
+                  </a:ext>
+                </a:extLst>
+              </a:tr>
+            </a:tbl>
+          </a:graphicData>
+        </a:graphic>
+      </p:graphicFrame>
+      <p:sp>
+        <p:nvSpPr>
+          <p:cNvPr id="70" name="직사각형 69">
+            <a:extLst>
+              <a:ext uri="{FF2B5EF4-FFF2-40B4-BE49-F238E27FC236}">
+                <a16:creationId xmlns:a16="http://schemas.microsoft.com/office/drawing/2014/main" id="{4F47ECB6-DA18-4D3F-838C-6769CDB15F9E}"/>
+              </a:ext>
+            </a:extLst>
+          </p:cNvPr>
+          <p:cNvSpPr/>
+          <p:nvPr/>
+        </p:nvSpPr>
+        <p:spPr>
+          <a:xfrm>
+            <a:off x="159963" y="1383794"/>
+            <a:ext cx="11520000" cy="6480000"/>
+          </a:xfrm>
+          <a:prstGeom prst="rect">
+            <a:avLst/>
+          </a:prstGeom>
+          <a:solidFill>
+            <a:schemeClr val="tx1">
+              <a:alpha val="70000"/>
+            </a:schemeClr>
+          </a:solidFill>
+          <a:ln>
+            <a:solidFill>
+              <a:schemeClr val="tx1"/>
+            </a:solidFill>
+          </a:ln>
+        </p:spPr>
+        <p:style>
+          <a:lnRef idx="2">
+            <a:schemeClr val="accent1">
+              <a:shade val="50000"/>
+            </a:schemeClr>
+          </a:lnRef>
+          <a:fillRef idx="1">
+            <a:schemeClr val="accent1"/>
+          </a:fillRef>
+          <a:effectRef idx="0">
+            <a:schemeClr val="accent1"/>
+          </a:effectRef>
+          <a:fontRef idx="minor">
+            <a:schemeClr val="lt1"/>
+          </a:fontRef>
+        </p:style>
+        <p:txBody>
+          <a:bodyPr rtlCol="0" anchor="ctr"/>
+          <a:lstStyle/>
+          <a:p>
+            <a:pPr algn="ctr"/>
+            <a:r>
+              <a:rPr lang="en-US" altLang="ko-KR" sz="3200" b="1" dirty="0">
+                <a:solidFill>
+                  <a:schemeClr val="bg2">
+                    <a:lumMod val="25000"/>
+                  </a:schemeClr>
+                </a:solidFill>
+              </a:rPr>
+              <a:t>Game Screen</a:t>
+            </a:r>
+            <a:endParaRPr lang="ko-KR" altLang="en-US" sz="3200" b="1" dirty="0">
+              <a:solidFill>
+                <a:schemeClr val="bg2">
+                  <a:lumMod val="25000"/>
+                </a:schemeClr>
+              </a:solidFill>
+            </a:endParaRPr>
+          </a:p>
+        </p:txBody>
+      </p:sp>
+      <p:sp>
+        <p:nvSpPr>
+          <p:cNvPr id="2" name="직사각형 1">
+            <a:extLst>
+              <a:ext uri="{FF2B5EF4-FFF2-40B4-BE49-F238E27FC236}">
+                <a16:creationId xmlns:a16="http://schemas.microsoft.com/office/drawing/2014/main" id="{1CB0D959-90B4-4EB3-8A4F-03501640A7A5}"/>
+              </a:ext>
+            </a:extLst>
+          </p:cNvPr>
+          <p:cNvSpPr/>
+          <p:nvPr/>
+        </p:nvSpPr>
+        <p:spPr>
+          <a:xfrm>
+            <a:off x="519963" y="5690847"/>
+            <a:ext cx="10800000" cy="1800000"/>
+          </a:xfrm>
+          <a:prstGeom prst="rect">
+            <a:avLst/>
+          </a:prstGeom>
+        </p:spPr>
+        <p:style>
+          <a:lnRef idx="2">
+            <a:schemeClr val="accent1">
+              <a:shade val="50000"/>
+            </a:schemeClr>
+          </a:lnRef>
+          <a:fillRef idx="1">
+            <a:schemeClr val="accent1"/>
+          </a:fillRef>
+          <a:effectRef idx="0">
+            <a:schemeClr val="accent1"/>
+          </a:effectRef>
+          <a:fontRef idx="minor">
+            <a:schemeClr val="lt1"/>
+          </a:fontRef>
+        </p:style>
+        <p:txBody>
+          <a:bodyPr rtlCol="0" anchor="ctr"/>
+          <a:lstStyle/>
+          <a:p>
+            <a:pPr algn="ctr"/>
+            <a:endParaRPr lang="ko-KR" altLang="en-US" dirty="0"/>
+          </a:p>
+        </p:txBody>
+      </p:sp>
+      <p:sp>
+        <p:nvSpPr>
+          <p:cNvPr id="75" name="육각형 74">
+            <a:extLst>
+              <a:ext uri="{FF2B5EF4-FFF2-40B4-BE49-F238E27FC236}">
+                <a16:creationId xmlns:a16="http://schemas.microsoft.com/office/drawing/2014/main" id="{FE096415-08C4-4937-A90C-38CD98FE0ADD}"/>
+              </a:ext>
+            </a:extLst>
+          </p:cNvPr>
+          <p:cNvSpPr>
+            <a:spLocks noChangeAspect="1"/>
+          </p:cNvSpPr>
+          <p:nvPr/>
+        </p:nvSpPr>
+        <p:spPr>
+          <a:xfrm>
+            <a:off x="519963" y="4346773"/>
+            <a:ext cx="1440000" cy="1152000"/>
+          </a:xfrm>
+          <a:prstGeom prst="hexagon">
+            <a:avLst/>
+          </a:prstGeom>
+          <a:ln>
+            <a:noFill/>
+          </a:ln>
+        </p:spPr>
+        <p:style>
+          <a:lnRef idx="2">
+            <a:schemeClr val="accent1">
+              <a:shade val="50000"/>
+            </a:schemeClr>
+          </a:lnRef>
+          <a:fillRef idx="1">
+            <a:schemeClr val="accent1"/>
+          </a:fillRef>
+          <a:effectRef idx="0">
+            <a:schemeClr val="accent1"/>
+          </a:effectRef>
+          <a:fontRef idx="minor">
+            <a:schemeClr val="lt1"/>
+          </a:fontRef>
+        </p:style>
+        <p:txBody>
+          <a:bodyPr rtlCol="0" anchor="ctr"/>
+          <a:lstStyle/>
+          <a:p>
+            <a:pPr algn="ctr"/>
+            <a:endParaRPr lang="ko-KR" altLang="en-US" sz="1400"/>
+          </a:p>
+        </p:txBody>
+      </p:sp>
+      <p:sp>
+        <p:nvSpPr>
+          <p:cNvPr id="76" name="육각형 75">
+            <a:extLst>
+              <a:ext uri="{FF2B5EF4-FFF2-40B4-BE49-F238E27FC236}">
+                <a16:creationId xmlns:a16="http://schemas.microsoft.com/office/drawing/2014/main" id="{B5571CDC-7EB1-4125-8811-6E78F06DC1D3}"/>
+              </a:ext>
+            </a:extLst>
+          </p:cNvPr>
+          <p:cNvSpPr/>
+          <p:nvPr/>
+        </p:nvSpPr>
+        <p:spPr>
+          <a:xfrm>
+            <a:off x="557747" y="4377000"/>
+            <a:ext cx="1364432" cy="1091546"/>
+          </a:xfrm>
+          <a:prstGeom prst="hexagon">
+            <a:avLst/>
+          </a:prstGeom>
+          <a:solidFill>
+            <a:schemeClr val="tx1"/>
+          </a:solidFill>
+          <a:ln>
+            <a:noFill/>
+          </a:ln>
+        </p:spPr>
+        <p:style>
+          <a:lnRef idx="2">
+            <a:schemeClr val="accent1">
+              <a:shade val="50000"/>
+            </a:schemeClr>
+          </a:lnRef>
+          <a:fillRef idx="1">
+            <a:schemeClr val="accent1"/>
+          </a:fillRef>
+          <a:effectRef idx="0">
+            <a:schemeClr val="accent1"/>
+          </a:effectRef>
+          <a:fontRef idx="minor">
+            <a:schemeClr val="lt1"/>
+          </a:fontRef>
+        </p:style>
+        <p:txBody>
+          <a:bodyPr rtlCol="0" anchor="ctr"/>
+          <a:lstStyle/>
+          <a:p>
+            <a:pPr algn="ctr"/>
+            <a:r>
+              <a:rPr lang="ko-KR" altLang="en-US" sz="1600" b="1" dirty="0">
+                <a:solidFill>
+                  <a:srgbClr val="FF0000"/>
+                </a:solidFill>
+              </a:rPr>
+              <a:t>①</a:t>
+            </a:r>
+          </a:p>
+        </p:txBody>
+      </p:sp>
+      <p:sp>
+        <p:nvSpPr>
+          <p:cNvPr id="77" name="육각형 76">
+            <a:extLst>
+              <a:ext uri="{FF2B5EF4-FFF2-40B4-BE49-F238E27FC236}">
+                <a16:creationId xmlns:a16="http://schemas.microsoft.com/office/drawing/2014/main" id="{AE3B2BAC-B504-41F0-8441-E5152D4DB8B9}"/>
+              </a:ext>
+            </a:extLst>
+          </p:cNvPr>
+          <p:cNvSpPr>
+            <a:spLocks noChangeAspect="1"/>
+          </p:cNvSpPr>
+          <p:nvPr/>
+        </p:nvSpPr>
+        <p:spPr>
+          <a:xfrm>
+            <a:off x="9879963" y="4346773"/>
+            <a:ext cx="1440000" cy="1152000"/>
+          </a:xfrm>
+          <a:prstGeom prst="hexagon">
+            <a:avLst/>
+          </a:prstGeom>
+          <a:ln>
+            <a:noFill/>
+          </a:ln>
+        </p:spPr>
+        <p:style>
+          <a:lnRef idx="2">
+            <a:schemeClr val="accent1">
+              <a:shade val="50000"/>
+            </a:schemeClr>
+          </a:lnRef>
+          <a:fillRef idx="1">
+            <a:schemeClr val="accent1"/>
+          </a:fillRef>
+          <a:effectRef idx="0">
+            <a:schemeClr val="accent1"/>
+          </a:effectRef>
+          <a:fontRef idx="minor">
+            <a:schemeClr val="lt1"/>
+          </a:fontRef>
+        </p:style>
+        <p:txBody>
+          <a:bodyPr rtlCol="0" anchor="ctr"/>
+          <a:lstStyle/>
+          <a:p>
+            <a:pPr algn="ctr"/>
+            <a:endParaRPr lang="ko-KR" altLang="en-US" sz="1400"/>
+          </a:p>
+        </p:txBody>
+      </p:sp>
+      <p:sp>
+        <p:nvSpPr>
+          <p:cNvPr id="78" name="육각형 77">
+            <a:extLst>
+              <a:ext uri="{FF2B5EF4-FFF2-40B4-BE49-F238E27FC236}">
+                <a16:creationId xmlns:a16="http://schemas.microsoft.com/office/drawing/2014/main" id="{E06ACFC9-8800-4250-AD7C-C500FD8ED362}"/>
+              </a:ext>
+            </a:extLst>
+          </p:cNvPr>
+          <p:cNvSpPr/>
+          <p:nvPr/>
+        </p:nvSpPr>
+        <p:spPr>
+          <a:xfrm>
+            <a:off x="9917747" y="4377000"/>
+            <a:ext cx="1364432" cy="1091546"/>
+          </a:xfrm>
+          <a:prstGeom prst="hexagon">
+            <a:avLst/>
+          </a:prstGeom>
+          <a:solidFill>
+            <a:schemeClr val="tx1"/>
+          </a:solidFill>
+          <a:ln>
+            <a:noFill/>
+          </a:ln>
+        </p:spPr>
+        <p:style>
+          <a:lnRef idx="2">
+            <a:schemeClr val="accent1">
+              <a:shade val="50000"/>
+            </a:schemeClr>
+          </a:lnRef>
+          <a:fillRef idx="1">
+            <a:schemeClr val="accent1"/>
+          </a:fillRef>
+          <a:effectRef idx="0">
+            <a:schemeClr val="accent1"/>
+          </a:effectRef>
+          <a:fontRef idx="minor">
+            <a:schemeClr val="lt1"/>
+          </a:fontRef>
+        </p:style>
+        <p:txBody>
+          <a:bodyPr rtlCol="0" anchor="ctr"/>
+          <a:lstStyle/>
+          <a:p>
+            <a:pPr algn="ctr"/>
+            <a:r>
+              <a:rPr lang="ko-KR" altLang="en-US" sz="1600" b="1" dirty="0">
+                <a:solidFill>
+                  <a:srgbClr val="FF0000"/>
+                </a:solidFill>
+              </a:rPr>
+              <a:t>②</a:t>
+            </a:r>
+            <a:endParaRPr lang="ko-KR" altLang="en-US" sz="1400" b="1" dirty="0">
+              <a:solidFill>
+                <a:srgbClr val="FF0000"/>
+              </a:solidFill>
+            </a:endParaRPr>
+          </a:p>
+        </p:txBody>
+      </p:sp>
+      <p:sp>
+        <p:nvSpPr>
+          <p:cNvPr id="79" name="직사각형 78">
+            <a:extLst>
+              <a:ext uri="{FF2B5EF4-FFF2-40B4-BE49-F238E27FC236}">
+                <a16:creationId xmlns:a16="http://schemas.microsoft.com/office/drawing/2014/main" id="{57E5E67E-8FC4-42C8-9A76-3CEAD6E3051F}"/>
+              </a:ext>
+            </a:extLst>
+          </p:cNvPr>
+          <p:cNvSpPr/>
+          <p:nvPr/>
+        </p:nvSpPr>
+        <p:spPr>
+          <a:xfrm>
+            <a:off x="11829964" y="3617319"/>
+            <a:ext cx="2539999" cy="2012950"/>
+          </a:xfrm>
+          <a:prstGeom prst="rect">
+            <a:avLst/>
+          </a:prstGeom>
+          <a:solidFill>
+            <a:schemeClr val="bg1">
+              <a:alpha val="20000"/>
+            </a:schemeClr>
+          </a:solidFill>
+          <a:ln>
+            <a:solidFill>
+              <a:schemeClr val="bg1"/>
+            </a:solidFill>
+          </a:ln>
+        </p:spPr>
+        <p:style>
+          <a:lnRef idx="2">
+            <a:schemeClr val="accent1">
+              <a:shade val="50000"/>
+            </a:schemeClr>
+          </a:lnRef>
+          <a:fillRef idx="1">
+            <a:schemeClr val="accent1"/>
+          </a:fillRef>
+          <a:effectRef idx="0">
+            <a:schemeClr val="accent1"/>
+          </a:effectRef>
+          <a:fontRef idx="minor">
+            <a:schemeClr val="lt1"/>
+          </a:fontRef>
+        </p:style>
+        <p:txBody>
+          <a:bodyPr rtlCol="0" anchor="ctr"/>
+          <a:lstStyle/>
+          <a:p>
+            <a:pPr algn="ctr"/>
+            <a:endParaRPr lang="ko-KR" altLang="en-US" dirty="0"/>
+          </a:p>
+        </p:txBody>
+      </p:sp>
+      <p:grpSp>
+        <p:nvGrpSpPr>
+          <p:cNvPr id="83" name="그룹 82">
+            <a:extLst>
+              <a:ext uri="{FF2B5EF4-FFF2-40B4-BE49-F238E27FC236}">
+                <a16:creationId xmlns:a16="http://schemas.microsoft.com/office/drawing/2014/main" id="{2870EDBF-90D8-4FE4-BEB7-43E1FA09D9CF}"/>
+              </a:ext>
+            </a:extLst>
+          </p:cNvPr>
+          <p:cNvGrpSpPr/>
+          <p:nvPr/>
+        </p:nvGrpSpPr>
+        <p:grpSpPr>
+          <a:xfrm>
+            <a:off x="11829964" y="3819843"/>
+            <a:ext cx="2499518" cy="1697184"/>
+            <a:chOff x="101600" y="1909794"/>
+            <a:chExt cx="2499518" cy="1697184"/>
+          </a:xfrm>
+        </p:grpSpPr>
+        <p:sp>
+          <p:nvSpPr>
+            <p:cNvPr id="84" name="직사각형 83">
+              <a:extLst>
+                <a:ext uri="{FF2B5EF4-FFF2-40B4-BE49-F238E27FC236}">
+                  <a16:creationId xmlns:a16="http://schemas.microsoft.com/office/drawing/2014/main" id="{9095EBDE-7CE0-4E09-8D54-DAF9A80D8E88}"/>
+                </a:ext>
+              </a:extLst>
+            </p:cNvPr>
+            <p:cNvSpPr/>
+            <p:nvPr/>
+          </p:nvSpPr>
+          <p:spPr>
+            <a:xfrm>
+              <a:off x="651600" y="2180112"/>
+              <a:ext cx="1440000" cy="1152000"/>
+            </a:xfrm>
+            <a:prstGeom prst="rect">
+              <a:avLst/>
+            </a:prstGeom>
+            <a:noFill/>
+            <a:ln>
+              <a:solidFill>
+                <a:schemeClr val="tx1"/>
+              </a:solidFill>
+            </a:ln>
+          </p:spPr>
+          <p:style>
+            <a:lnRef idx="2">
+              <a:schemeClr val="accent1">
+                <a:shade val="50000"/>
+              </a:schemeClr>
+            </a:lnRef>
+            <a:fillRef idx="1">
+              <a:schemeClr val="accent1"/>
+            </a:fillRef>
+            <a:effectRef idx="0">
+              <a:schemeClr val="accent1"/>
+            </a:effectRef>
+            <a:fontRef idx="minor">
+              <a:schemeClr val="lt1"/>
+            </a:fontRef>
+          </p:style>
+          <p:txBody>
+            <a:bodyPr rtlCol="0" anchor="ctr"/>
+            <a:lstStyle/>
+            <a:p>
+              <a:pPr algn="ctr"/>
+              <a:endParaRPr lang="ko-KR" altLang="en-US" dirty="0"/>
+            </a:p>
+          </p:txBody>
+        </p:sp>
+        <p:sp>
+          <p:nvSpPr>
+            <p:cNvPr id="85" name="육각형 84">
+              <a:extLst>
+                <a:ext uri="{FF2B5EF4-FFF2-40B4-BE49-F238E27FC236}">
+                  <a16:creationId xmlns:a16="http://schemas.microsoft.com/office/drawing/2014/main" id="{C7D6531C-3D59-4D2A-8A0C-AE059F8882C6}"/>
+                </a:ext>
+              </a:extLst>
+            </p:cNvPr>
+            <p:cNvSpPr>
+              <a:spLocks noChangeAspect="1"/>
+            </p:cNvSpPr>
+            <p:nvPr/>
+          </p:nvSpPr>
+          <p:spPr>
+            <a:xfrm>
+              <a:off x="651600" y="2180112"/>
+              <a:ext cx="1440000" cy="1152000"/>
+            </a:xfrm>
+            <a:prstGeom prst="hexagon">
+              <a:avLst/>
+            </a:prstGeom>
+            <a:ln>
+              <a:noFill/>
+            </a:ln>
+          </p:spPr>
+          <p:style>
+            <a:lnRef idx="2">
+              <a:schemeClr val="accent1">
+                <a:shade val="50000"/>
+              </a:schemeClr>
+            </a:lnRef>
+            <a:fillRef idx="1">
+              <a:schemeClr val="accent1"/>
+            </a:fillRef>
+            <a:effectRef idx="0">
+              <a:schemeClr val="accent1"/>
+            </a:effectRef>
+            <a:fontRef idx="minor">
+              <a:schemeClr val="lt1"/>
+            </a:fontRef>
+          </p:style>
+          <p:txBody>
+            <a:bodyPr rtlCol="0" anchor="ctr"/>
+            <a:lstStyle/>
+            <a:p>
+              <a:pPr algn="ctr"/>
+              <a:endParaRPr lang="ko-KR" altLang="en-US" sz="1400"/>
+            </a:p>
+          </p:txBody>
+        </p:sp>
+        <p:sp>
+          <p:nvSpPr>
+            <p:cNvPr id="86" name="왼쪽 대괄호 85">
+              <a:extLst>
+                <a:ext uri="{FF2B5EF4-FFF2-40B4-BE49-F238E27FC236}">
+                  <a16:creationId xmlns:a16="http://schemas.microsoft.com/office/drawing/2014/main" id="{2E1AC0CF-59A7-4547-903E-9EDBE210FCC1}"/>
+                </a:ext>
+              </a:extLst>
+            </p:cNvPr>
+            <p:cNvSpPr/>
+            <p:nvPr/>
+          </p:nvSpPr>
+          <p:spPr>
+            <a:xfrm>
+              <a:off x="552450" y="2180112"/>
+              <a:ext cx="99150" cy="1152000"/>
+            </a:xfrm>
+            <a:prstGeom prst="leftBracket">
+              <a:avLst>
+                <a:gd name="adj" fmla="val 530295"/>
+              </a:avLst>
+            </a:prstGeom>
+          </p:spPr>
+          <p:style>
+            <a:lnRef idx="1">
+              <a:schemeClr val="dk1"/>
+            </a:lnRef>
+            <a:fillRef idx="0">
+              <a:schemeClr val="dk1"/>
+            </a:fillRef>
+            <a:effectRef idx="0">
+              <a:schemeClr val="dk1"/>
+            </a:effectRef>
+            <a:fontRef idx="minor">
+              <a:schemeClr val="tx1"/>
+            </a:fontRef>
+          </p:style>
+          <p:txBody>
+            <a:bodyPr rtlCol="0" anchor="ctr"/>
+            <a:lstStyle/>
+            <a:p>
+              <a:pPr algn="ctr"/>
+              <a:endParaRPr lang="ko-KR" altLang="en-US"/>
+            </a:p>
+          </p:txBody>
+        </p:sp>
+        <p:sp>
+          <p:nvSpPr>
+            <p:cNvPr id="87" name="왼쪽 대괄호 86">
+              <a:extLst>
+                <a:ext uri="{FF2B5EF4-FFF2-40B4-BE49-F238E27FC236}">
+                  <a16:creationId xmlns:a16="http://schemas.microsoft.com/office/drawing/2014/main" id="{FDC56159-D4FB-4E65-85AE-2415ACC53EB2}"/>
+                </a:ext>
+              </a:extLst>
+            </p:cNvPr>
+            <p:cNvSpPr/>
+            <p:nvPr/>
+          </p:nvSpPr>
+          <p:spPr>
+            <a:xfrm rot="5400000">
+              <a:off x="1322025" y="1410537"/>
+              <a:ext cx="99150" cy="1440000"/>
+            </a:xfrm>
+            <a:prstGeom prst="leftBracket">
+              <a:avLst>
+                <a:gd name="adj" fmla="val 703214"/>
+              </a:avLst>
+            </a:prstGeom>
+          </p:spPr>
+          <p:style>
+            <a:lnRef idx="1">
+              <a:schemeClr val="dk1"/>
+            </a:lnRef>
+            <a:fillRef idx="0">
+              <a:schemeClr val="dk1"/>
+            </a:fillRef>
+            <a:effectRef idx="0">
+              <a:schemeClr val="dk1"/>
+            </a:effectRef>
+            <a:fontRef idx="minor">
+              <a:schemeClr val="tx1"/>
+            </a:fontRef>
+          </p:style>
+          <p:txBody>
+            <a:bodyPr rtlCol="0" anchor="ctr"/>
+            <a:lstStyle/>
+            <a:p>
+              <a:pPr algn="ctr"/>
+              <a:endParaRPr lang="ko-KR" altLang="en-US"/>
+            </a:p>
+          </p:txBody>
+        </p:sp>
+        <p:sp>
+          <p:nvSpPr>
+            <p:cNvPr id="90" name="TextBox 89">
+              <a:extLst>
+                <a:ext uri="{FF2B5EF4-FFF2-40B4-BE49-F238E27FC236}">
+                  <a16:creationId xmlns:a16="http://schemas.microsoft.com/office/drawing/2014/main" id="{3C67C785-6A57-49D5-B496-273D6E3CE004}"/>
+                </a:ext>
+              </a:extLst>
+            </p:cNvPr>
+            <p:cNvSpPr txBox="1"/>
+            <p:nvPr/>
+          </p:nvSpPr>
+          <p:spPr>
+            <a:xfrm>
+              <a:off x="838200" y="1909794"/>
+              <a:ext cx="1066800" cy="230832"/>
+            </a:xfrm>
+            <a:prstGeom prst="rect">
+              <a:avLst/>
+            </a:prstGeom>
+            <a:noFill/>
+          </p:spPr>
+          <p:txBody>
+            <a:bodyPr wrap="square" rtlCol="0">
+              <a:spAutoFit/>
+            </a:bodyPr>
+            <a:lstStyle/>
+            <a:p>
+              <a:pPr algn="ctr"/>
+              <a:r>
+                <a:rPr lang="en-US" altLang="ko-KR" sz="900" dirty="0"/>
+                <a:t>240</a:t>
+              </a:r>
+            </a:p>
+          </p:txBody>
+        </p:sp>
+        <p:sp>
+          <p:nvSpPr>
+            <p:cNvPr id="91" name="TextBox 90">
+              <a:extLst>
+                <a:ext uri="{FF2B5EF4-FFF2-40B4-BE49-F238E27FC236}">
+                  <a16:creationId xmlns:a16="http://schemas.microsoft.com/office/drawing/2014/main" id="{DD33BF1A-12C7-4D4B-92B6-A2BE806C147B}"/>
+                </a:ext>
+              </a:extLst>
+            </p:cNvPr>
+            <p:cNvSpPr txBox="1"/>
+            <p:nvPr/>
+          </p:nvSpPr>
+          <p:spPr>
+            <a:xfrm>
+              <a:off x="101600" y="2640696"/>
+              <a:ext cx="587375" cy="230832"/>
+            </a:xfrm>
+            <a:prstGeom prst="rect">
+              <a:avLst/>
+            </a:prstGeom>
+            <a:noFill/>
+          </p:spPr>
+          <p:txBody>
+            <a:bodyPr wrap="square" rtlCol="0">
+              <a:spAutoFit/>
+            </a:bodyPr>
+            <a:lstStyle/>
+            <a:p>
+              <a:pPr algn="ctr"/>
+              <a:r>
+                <a:rPr lang="en-US" altLang="ko-KR" sz="900" dirty="0"/>
+                <a:t>192</a:t>
+              </a:r>
+            </a:p>
+          </p:txBody>
+        </p:sp>
+        <p:sp>
+          <p:nvSpPr>
+            <p:cNvPr id="98" name="왼쪽 대괄호 97">
+              <a:extLst>
+                <a:ext uri="{FF2B5EF4-FFF2-40B4-BE49-F238E27FC236}">
+                  <a16:creationId xmlns:a16="http://schemas.microsoft.com/office/drawing/2014/main" id="{F2C56C16-E434-40B5-8F63-305082EA41EF}"/>
+                </a:ext>
+              </a:extLst>
+            </p:cNvPr>
+            <p:cNvSpPr/>
+            <p:nvPr/>
+          </p:nvSpPr>
+          <p:spPr>
+            <a:xfrm rot="16200000" flipV="1">
+              <a:off x="1898025" y="3237688"/>
+              <a:ext cx="99150" cy="288000"/>
+            </a:xfrm>
+            <a:prstGeom prst="leftBracket">
+              <a:avLst>
+                <a:gd name="adj" fmla="val 703214"/>
+              </a:avLst>
+            </a:prstGeom>
+          </p:spPr>
+          <p:style>
+            <a:lnRef idx="1">
+              <a:schemeClr val="dk1"/>
+            </a:lnRef>
+            <a:fillRef idx="0">
+              <a:schemeClr val="dk1"/>
+            </a:fillRef>
+            <a:effectRef idx="0">
+              <a:schemeClr val="dk1"/>
+            </a:effectRef>
+            <a:fontRef idx="minor">
+              <a:schemeClr val="tx1"/>
+            </a:fontRef>
+          </p:style>
+          <p:txBody>
+            <a:bodyPr rtlCol="0" anchor="ctr"/>
+            <a:lstStyle/>
+            <a:p>
+              <a:pPr algn="ctr"/>
+              <a:endParaRPr lang="ko-KR" altLang="en-US"/>
+            </a:p>
+          </p:txBody>
+        </p:sp>
+        <p:sp>
+          <p:nvSpPr>
+            <p:cNvPr id="100" name="TextBox 99">
+              <a:extLst>
+                <a:ext uri="{FF2B5EF4-FFF2-40B4-BE49-F238E27FC236}">
+                  <a16:creationId xmlns:a16="http://schemas.microsoft.com/office/drawing/2014/main" id="{A9CECAEA-6AA5-413C-A46A-CA2B66E5EC26}"/>
+                </a:ext>
+              </a:extLst>
+            </p:cNvPr>
+            <p:cNvSpPr txBox="1"/>
+            <p:nvPr/>
+          </p:nvSpPr>
+          <p:spPr>
+            <a:xfrm>
+              <a:off x="1414200" y="3376146"/>
+              <a:ext cx="1066800" cy="230832"/>
+            </a:xfrm>
+            <a:prstGeom prst="rect">
+              <a:avLst/>
+            </a:prstGeom>
+            <a:noFill/>
+          </p:spPr>
+          <p:txBody>
+            <a:bodyPr wrap="square" rtlCol="0">
+              <a:spAutoFit/>
+            </a:bodyPr>
+            <a:lstStyle/>
+            <a:p>
+              <a:pPr algn="ctr"/>
+              <a:r>
+                <a:rPr lang="en-US" altLang="ko-KR" sz="900" dirty="0"/>
+                <a:t>48</a:t>
+              </a:r>
+            </a:p>
+          </p:txBody>
+        </p:sp>
+        <p:sp>
+          <p:nvSpPr>
+            <p:cNvPr id="103" name="왼쪽 대괄호 102">
+              <a:extLst>
+                <a:ext uri="{FF2B5EF4-FFF2-40B4-BE49-F238E27FC236}">
+                  <a16:creationId xmlns:a16="http://schemas.microsoft.com/office/drawing/2014/main" id="{D2868C65-1BB1-407A-B24B-0FB0D34A1181}"/>
+                </a:ext>
+              </a:extLst>
+            </p:cNvPr>
+            <p:cNvSpPr/>
+            <p:nvPr/>
+          </p:nvSpPr>
+          <p:spPr>
+            <a:xfrm flipH="1">
+              <a:off x="2097019" y="2755111"/>
+              <a:ext cx="99150" cy="576999"/>
+            </a:xfrm>
+            <a:prstGeom prst="leftBracket">
+              <a:avLst>
+                <a:gd name="adj" fmla="val 530295"/>
+              </a:avLst>
+            </a:prstGeom>
+          </p:spPr>
+          <p:style>
+            <a:lnRef idx="1">
+              <a:schemeClr val="dk1"/>
+            </a:lnRef>
+            <a:fillRef idx="0">
+              <a:schemeClr val="dk1"/>
+            </a:fillRef>
+            <a:effectRef idx="0">
+              <a:schemeClr val="dk1"/>
+            </a:effectRef>
+            <a:fontRef idx="minor">
+              <a:schemeClr val="tx1"/>
+            </a:fontRef>
+          </p:style>
+          <p:txBody>
+            <a:bodyPr rtlCol="0" anchor="ctr"/>
+            <a:lstStyle/>
+            <a:p>
+              <a:pPr algn="ctr"/>
+              <a:endParaRPr lang="ko-KR" altLang="en-US"/>
+            </a:p>
+          </p:txBody>
+        </p:sp>
+        <p:sp>
+          <p:nvSpPr>
+            <p:cNvPr id="104" name="TextBox 103">
+              <a:extLst>
+                <a:ext uri="{FF2B5EF4-FFF2-40B4-BE49-F238E27FC236}">
+                  <a16:creationId xmlns:a16="http://schemas.microsoft.com/office/drawing/2014/main" id="{7F37CDAD-0640-4EDD-B6D1-B553C0EDA277}"/>
+                </a:ext>
+              </a:extLst>
+            </p:cNvPr>
+            <p:cNvSpPr txBox="1"/>
+            <p:nvPr/>
+          </p:nvSpPr>
+          <p:spPr>
+            <a:xfrm>
+              <a:off x="2013743" y="2925567"/>
+              <a:ext cx="587375" cy="230832"/>
+            </a:xfrm>
+            <a:prstGeom prst="rect">
+              <a:avLst/>
+            </a:prstGeom>
+            <a:noFill/>
+          </p:spPr>
+          <p:txBody>
+            <a:bodyPr wrap="square" rtlCol="0">
+              <a:spAutoFit/>
+            </a:bodyPr>
+            <a:lstStyle/>
+            <a:p>
+              <a:pPr algn="ctr"/>
+              <a:r>
+                <a:rPr lang="en-US" altLang="ko-KR" sz="900" dirty="0"/>
+                <a:t>96</a:t>
+              </a:r>
+            </a:p>
+          </p:txBody>
+        </p:sp>
+      </p:grpSp>
+      <p:sp>
+        <p:nvSpPr>
+          <p:cNvPr id="105" name="직사각형 104">
+            <a:extLst>
+              <a:ext uri="{FF2B5EF4-FFF2-40B4-BE49-F238E27FC236}">
+                <a16:creationId xmlns:a16="http://schemas.microsoft.com/office/drawing/2014/main" id="{736049F3-6162-4EF7-9BAA-D637066D043D}"/>
+              </a:ext>
+            </a:extLst>
+          </p:cNvPr>
+          <p:cNvSpPr/>
+          <p:nvPr/>
+        </p:nvSpPr>
+        <p:spPr>
+          <a:xfrm>
+            <a:off x="227547" y="7988299"/>
+            <a:ext cx="10800000" cy="1800000"/>
+          </a:xfrm>
+          <a:prstGeom prst="rect">
+            <a:avLst/>
+          </a:prstGeom>
+        </p:spPr>
+        <p:style>
+          <a:lnRef idx="2">
+            <a:schemeClr val="accent1">
+              <a:shade val="50000"/>
+            </a:schemeClr>
+          </a:lnRef>
+          <a:fillRef idx="1">
+            <a:schemeClr val="accent1"/>
+          </a:fillRef>
+          <a:effectRef idx="0">
+            <a:schemeClr val="accent1"/>
+          </a:effectRef>
+          <a:fontRef idx="minor">
+            <a:schemeClr val="lt1"/>
+          </a:fontRef>
+        </p:style>
+        <p:txBody>
+          <a:bodyPr rtlCol="0" anchor="ctr"/>
+          <a:lstStyle/>
+          <a:p>
+            <a:pPr algn="ctr"/>
+            <a:endParaRPr lang="ko-KR" altLang="en-US" dirty="0"/>
+          </a:p>
+        </p:txBody>
+      </p:sp>
+      <p:sp>
+        <p:nvSpPr>
+          <p:cNvPr id="107" name="직사각형 106">
+            <a:extLst>
+              <a:ext uri="{FF2B5EF4-FFF2-40B4-BE49-F238E27FC236}">
+                <a16:creationId xmlns:a16="http://schemas.microsoft.com/office/drawing/2014/main" id="{0A251D63-6729-4CAD-A61F-7ECE7D3F1140}"/>
+              </a:ext>
+            </a:extLst>
+          </p:cNvPr>
+          <p:cNvSpPr/>
+          <p:nvPr/>
+        </p:nvSpPr>
+        <p:spPr>
+          <a:xfrm>
+            <a:off x="609963" y="5780847"/>
+            <a:ext cx="10620000" cy="1620000"/>
+          </a:xfrm>
+          <a:prstGeom prst="rect">
+            <a:avLst/>
+          </a:prstGeom>
+          <a:solidFill>
+            <a:schemeClr val="tx1"/>
+          </a:solidFill>
+        </p:spPr>
+        <p:style>
+          <a:lnRef idx="2">
+            <a:schemeClr val="accent1">
+              <a:shade val="50000"/>
+            </a:schemeClr>
+          </a:lnRef>
+          <a:fillRef idx="1">
+            <a:schemeClr val="accent1"/>
+          </a:fillRef>
+          <a:effectRef idx="0">
+            <a:schemeClr val="accent1"/>
+          </a:effectRef>
+          <a:fontRef idx="minor">
+            <a:schemeClr val="lt1"/>
+          </a:fontRef>
+        </p:style>
+        <p:txBody>
+          <a:bodyPr rtlCol="0" anchor="ctr"/>
+          <a:lstStyle/>
+          <a:p>
+            <a:pPr algn="ctr"/>
+            <a:r>
+              <a:rPr lang="ko-KR" altLang="en-US" b="1" dirty="0">
+                <a:solidFill>
+                  <a:srgbClr val="FF0000"/>
+                </a:solidFill>
+              </a:rPr>
+              <a:t>③</a:t>
+            </a:r>
+          </a:p>
+        </p:txBody>
+      </p:sp>
+      <p:sp>
+        <p:nvSpPr>
+          <p:cNvPr id="108" name="왼쪽 대괄호 107">
+            <a:extLst>
+              <a:ext uri="{FF2B5EF4-FFF2-40B4-BE49-F238E27FC236}">
+                <a16:creationId xmlns:a16="http://schemas.microsoft.com/office/drawing/2014/main" id="{389F003B-1D5B-4228-80BE-06B4F95C4A34}"/>
+              </a:ext>
+            </a:extLst>
+          </p:cNvPr>
+          <p:cNvSpPr/>
+          <p:nvPr/>
+        </p:nvSpPr>
+        <p:spPr>
+          <a:xfrm rot="5400000">
+            <a:off x="5512130" y="4272884"/>
+            <a:ext cx="230831" cy="10799999"/>
+          </a:xfrm>
+          <a:prstGeom prst="leftBracket">
+            <a:avLst>
+              <a:gd name="adj" fmla="val 703214"/>
+            </a:avLst>
+          </a:prstGeom>
+        </p:spPr>
+        <p:style>
+          <a:lnRef idx="1">
+            <a:schemeClr val="dk1"/>
+          </a:lnRef>
+          <a:fillRef idx="0">
+            <a:schemeClr val="dk1"/>
+          </a:fillRef>
+          <a:effectRef idx="0">
+            <a:schemeClr val="dk1"/>
+          </a:effectRef>
+          <a:fontRef idx="minor">
+            <a:schemeClr val="tx1"/>
+          </a:fontRef>
+        </p:style>
+        <p:txBody>
+          <a:bodyPr rtlCol="0" anchor="ctr"/>
+          <a:lstStyle/>
+          <a:p>
+            <a:pPr algn="ctr"/>
+            <a:endParaRPr lang="ko-KR" altLang="en-US"/>
+          </a:p>
+        </p:txBody>
+      </p:sp>
+      <p:sp>
+        <p:nvSpPr>
+          <p:cNvPr id="110" name="TextBox 109">
+            <a:extLst>
+              <a:ext uri="{FF2B5EF4-FFF2-40B4-BE49-F238E27FC236}">
+                <a16:creationId xmlns:a16="http://schemas.microsoft.com/office/drawing/2014/main" id="{450982ED-E8D4-4C9B-8F71-644F09415E69}"/>
+              </a:ext>
+            </a:extLst>
+          </p:cNvPr>
+          <p:cNvSpPr txBox="1"/>
+          <p:nvPr/>
+        </p:nvSpPr>
+        <p:spPr>
+          <a:xfrm>
+            <a:off x="5056363" y="9295858"/>
+            <a:ext cx="1066800" cy="261610"/>
+          </a:xfrm>
+          <a:prstGeom prst="rect">
+            <a:avLst/>
+          </a:prstGeom>
+          <a:noFill/>
+        </p:spPr>
+        <p:txBody>
+          <a:bodyPr wrap="square" rtlCol="0">
+            <a:spAutoFit/>
+          </a:bodyPr>
+          <a:lstStyle/>
+          <a:p>
+            <a:pPr algn="ctr"/>
+            <a:r>
+              <a:rPr lang="en-US" altLang="ko-KR" sz="1100" b="1" dirty="0"/>
+              <a:t>1800</a:t>
+            </a:r>
+            <a:endParaRPr lang="en-US" altLang="ko-KR" sz="900" b="1" dirty="0"/>
+          </a:p>
+        </p:txBody>
+      </p:sp>
+      <p:sp>
+        <p:nvSpPr>
+          <p:cNvPr id="111" name="왼쪽 대괄호 110">
+            <a:extLst>
+              <a:ext uri="{FF2B5EF4-FFF2-40B4-BE49-F238E27FC236}">
+                <a16:creationId xmlns:a16="http://schemas.microsoft.com/office/drawing/2014/main" id="{557540AC-6BA8-4520-9312-F42CB6497BE7}"/>
+              </a:ext>
+            </a:extLst>
+          </p:cNvPr>
+          <p:cNvSpPr/>
+          <p:nvPr/>
+        </p:nvSpPr>
+        <p:spPr>
+          <a:xfrm rot="10800000">
+            <a:off x="11027545" y="8020245"/>
+            <a:ext cx="322218" cy="1768053"/>
+          </a:xfrm>
+          <a:prstGeom prst="leftBracket">
+            <a:avLst>
+              <a:gd name="adj" fmla="val 703214"/>
+            </a:avLst>
+          </a:prstGeom>
+        </p:spPr>
+        <p:style>
+          <a:lnRef idx="1">
+            <a:schemeClr val="dk1"/>
+          </a:lnRef>
+          <a:fillRef idx="0">
+            <a:schemeClr val="dk1"/>
+          </a:fillRef>
+          <a:effectRef idx="0">
+            <a:schemeClr val="dk1"/>
+          </a:effectRef>
+          <a:fontRef idx="minor">
+            <a:schemeClr val="tx1"/>
+          </a:fontRef>
+        </p:style>
+        <p:txBody>
+          <a:bodyPr rtlCol="0" anchor="ctr"/>
+          <a:lstStyle/>
+          <a:p>
+            <a:pPr algn="ctr"/>
+            <a:endParaRPr lang="ko-KR" altLang="en-US"/>
+          </a:p>
+        </p:txBody>
+      </p:sp>
+      <p:sp>
+        <p:nvSpPr>
+          <p:cNvPr id="112" name="TextBox 111">
+            <a:extLst>
+              <a:ext uri="{FF2B5EF4-FFF2-40B4-BE49-F238E27FC236}">
+                <a16:creationId xmlns:a16="http://schemas.microsoft.com/office/drawing/2014/main" id="{D8E98F61-208F-4E60-B65A-9B8B3ADF6EB5}"/>
+              </a:ext>
+            </a:extLst>
+          </p:cNvPr>
+          <p:cNvSpPr txBox="1"/>
+          <p:nvPr/>
+        </p:nvSpPr>
+        <p:spPr>
+          <a:xfrm>
+            <a:off x="11027543" y="8773467"/>
+            <a:ext cx="1066800" cy="261610"/>
+          </a:xfrm>
+          <a:prstGeom prst="rect">
+            <a:avLst/>
+          </a:prstGeom>
+          <a:noFill/>
+        </p:spPr>
+        <p:txBody>
+          <a:bodyPr wrap="square" rtlCol="0">
+            <a:spAutoFit/>
+          </a:bodyPr>
+          <a:lstStyle/>
+          <a:p>
+            <a:pPr algn="ctr"/>
+            <a:r>
+              <a:rPr lang="en-US" altLang="ko-KR" sz="1100" b="1" dirty="0"/>
+              <a:t>300</a:t>
+            </a:r>
+            <a:endParaRPr lang="en-US" altLang="ko-KR" sz="900" b="1" dirty="0"/>
+          </a:p>
+        </p:txBody>
+      </p:sp>
+    </p:spTree>
+    <p:extLst>
+      <p:ext uri="{BB962C8B-B14F-4D97-AF65-F5344CB8AC3E}">
+        <p14:creationId xmlns:p14="http://schemas.microsoft.com/office/powerpoint/2010/main" val="2526617739"/>
+      </p:ext>
+    </p:extLst>
+  </p:cSld>
+  <p:clrMapOvr>
+    <a:masterClrMapping/>
+  </p:clrMapOvr>
+</p:sld>
+</file>
+
+<file path=ppt/slides/slide7.xml><?xml version="1.0" encoding="utf-8"?>
+<p:sld xmlns:a="http://schemas.openxmlformats.org/drawingml/2006/main" xmlns:r="http://schemas.openxmlformats.org/officeDocument/2006/relationships" xmlns:p="http://schemas.openxmlformats.org/presentationml/2006/main">
+  <p:cSld>
+    <p:spTree>
+      <p:nvGrpSpPr>
+        <p:cNvPr id="1" name=""/>
+        <p:cNvGrpSpPr/>
+        <p:nvPr/>
+      </p:nvGrpSpPr>
+      <p:grpSpPr>
+        <a:xfrm>
+          <a:off x="0" y="0"/>
+          <a:ext cx="0" cy="0"/>
+          <a:chOff x="0" y="0"/>
+          <a:chExt cx="0" cy="0"/>
+        </a:xfrm>
+      </p:grpSpPr>
+      <p:sp>
+        <p:nvSpPr>
           <p:cNvPr id="4" name="직사각형 3">
             <a:extLst>
               <a:ext uri="{FF2B5EF4-FFF2-40B4-BE49-F238E27FC236}">
@@ -9804,7 +11580,7 @@
 </p:sld>
 </file>
 
-<file path=ppt/slides/slide7.xml><?xml version="1.0" encoding="utf-8"?>
+<file path=ppt/slides/slide8.xml><?xml version="1.0" encoding="utf-8"?>
 <p:sld xmlns:a="http://schemas.openxmlformats.org/drawingml/2006/main" xmlns:r="http://schemas.openxmlformats.org/officeDocument/2006/relationships" xmlns:p="http://schemas.openxmlformats.org/presentationml/2006/main">
   <p:cSld>
     <p:spTree>

--- a/기획서/문서/UI 기획.pptx
+++ b/기획서/문서/UI 기획.pptx
@@ -5,20 +5,19 @@
     <p:sldMasterId id="2147483684" r:id="rId1"/>
   </p:sldMasterIdLst>
   <p:notesMasterIdLst>
-    <p:notesMasterId r:id="rId10"/>
+    <p:notesMasterId r:id="rId9"/>
   </p:notesMasterIdLst>
   <p:handoutMasterIdLst>
-    <p:handoutMasterId r:id="rId11"/>
+    <p:handoutMasterId r:id="rId10"/>
   </p:handoutMasterIdLst>
   <p:sldIdLst>
     <p:sldId id="256" r:id="rId2"/>
     <p:sldId id="257" r:id="rId3"/>
     <p:sldId id="258" r:id="rId4"/>
-    <p:sldId id="263" r:id="rId5"/>
+    <p:sldId id="259" r:id="rId5"/>
     <p:sldId id="260" r:id="rId6"/>
-    <p:sldId id="264" r:id="rId7"/>
-    <p:sldId id="261" r:id="rId8"/>
-    <p:sldId id="262" r:id="rId9"/>
+    <p:sldId id="261" r:id="rId7"/>
+    <p:sldId id="262" r:id="rId8"/>
   </p:sldIdLst>
   <p:sldSz cx="17610138" cy="9906000"/>
   <p:notesSz cx="6858000" cy="9144000"/>
@@ -219,7 +218,7 @@
           <a:p>
             <a:fld id="{D686C50E-113A-4B4A-8A5C-9EE1E9DBA064}" type="datetimeFigureOut">
               <a:rPr lang="ko-KR" altLang="en-US" smtClean="0"/>
-              <a:t>2021-05-30</a:t>
+              <a:t>2021-05-26</a:t>
             </a:fld>
             <a:endParaRPr lang="ko-KR" altLang="en-US" dirty="0"/>
           </a:p>
@@ -396,7 +395,7 @@
           <a:p>
             <a:fld id="{40EC3B2E-CA71-40FC-A78E-FA212ABD0BB7}" type="datetimeFigureOut">
               <a:rPr lang="ko-KR" altLang="en-US" smtClean="0"/>
-              <a:t>2021-05-30</a:t>
+              <a:t>2021-05-26</a:t>
             </a:fld>
             <a:endParaRPr lang="ko-KR" altLang="en-US" dirty="0"/>
           </a:p>
@@ -747,90 +746,6 @@
 </p:notes>
 </file>
 
-<file path=ppt/notesSlides/notesSlide2.xml><?xml version="1.0" encoding="utf-8"?>
-<p:notes xmlns:a="http://schemas.openxmlformats.org/drawingml/2006/main" xmlns:r="http://schemas.openxmlformats.org/officeDocument/2006/relationships" xmlns:p="http://schemas.openxmlformats.org/presentationml/2006/main">
-  <p:cSld>
-    <p:spTree>
-      <p:nvGrpSpPr>
-        <p:cNvPr id="1" name=""/>
-        <p:cNvGrpSpPr/>
-        <p:nvPr/>
-      </p:nvGrpSpPr>
-      <p:grpSpPr>
-        <a:xfrm>
-          <a:off x="0" y="0"/>
-          <a:ext cx="0" cy="0"/>
-          <a:chOff x="0" y="0"/>
-          <a:chExt cx="0" cy="0"/>
-        </a:xfrm>
-      </p:grpSpPr>
-      <p:sp>
-        <p:nvSpPr>
-          <p:cNvPr id="2" name="슬라이드 이미지 개체 틀 1"/>
-          <p:cNvSpPr>
-            <a:spLocks noGrp="1" noRot="1" noChangeAspect="1"/>
-          </p:cNvSpPr>
-          <p:nvPr>
-            <p:ph type="sldImg"/>
-          </p:nvPr>
-        </p:nvSpPr>
-        <p:spPr/>
-      </p:sp>
-      <p:sp>
-        <p:nvSpPr>
-          <p:cNvPr id="3" name="슬라이드 노트 개체 틀 2"/>
-          <p:cNvSpPr>
-            <a:spLocks noGrp="1"/>
-          </p:cNvSpPr>
-          <p:nvPr>
-            <p:ph type="body" idx="1"/>
-          </p:nvPr>
-        </p:nvSpPr>
-        <p:spPr/>
-        <p:txBody>
-          <a:bodyPr/>
-          <a:lstStyle/>
-          <a:p>
-            <a:endParaRPr lang="ko-KR" altLang="en-US" dirty="0"/>
-          </a:p>
-        </p:txBody>
-      </p:sp>
-      <p:sp>
-        <p:nvSpPr>
-          <p:cNvPr id="4" name="슬라이드 번호 개체 틀 3"/>
-          <p:cNvSpPr>
-            <a:spLocks noGrp="1"/>
-          </p:cNvSpPr>
-          <p:nvPr>
-            <p:ph type="sldNum" sz="quarter" idx="5"/>
-          </p:nvPr>
-        </p:nvSpPr>
-        <p:spPr/>
-        <p:txBody>
-          <a:bodyPr/>
-          <a:lstStyle/>
-          <a:p>
-            <a:fld id="{BC06C371-76E4-4FFF-ADC5-B5CD44D9DB07}" type="slidenum">
-              <a:rPr lang="ko-KR" altLang="en-US" smtClean="0"/>
-              <a:t>6</a:t>
-            </a:fld>
-            <a:endParaRPr lang="ko-KR" altLang="en-US" dirty="0"/>
-          </a:p>
-        </p:txBody>
-      </p:sp>
-    </p:spTree>
-    <p:extLst>
-      <p:ext uri="{BB962C8B-B14F-4D97-AF65-F5344CB8AC3E}">
-        <p14:creationId xmlns:p14="http://schemas.microsoft.com/office/powerpoint/2010/main" val="2237915871"/>
-      </p:ext>
-    </p:extLst>
-  </p:cSld>
-  <p:clrMapOvr>
-    <a:masterClrMapping/>
-  </p:clrMapOvr>
-</p:notes>
-</file>
-
 <file path=ppt/slideLayouts/slideLayout1.xml><?xml version="1.0" encoding="utf-8"?>
 <p:sldLayout xmlns:a="http://schemas.openxmlformats.org/drawingml/2006/main" xmlns:r="http://schemas.openxmlformats.org/officeDocument/2006/relationships" xmlns:p="http://schemas.openxmlformats.org/presentationml/2006/main" type="title" preserve="1">
   <p:cSld name="제목 슬라이드">
@@ -962,7 +877,7 @@
           <a:p>
             <a:fld id="{F8CAAD71-D53C-4447-AAA3-BC9075A67E69}" type="datetimeFigureOut">
               <a:rPr lang="ko-KR" altLang="en-US" smtClean="0"/>
-              <a:t>2021-05-30</a:t>
+              <a:t>2021-05-26</a:t>
             </a:fld>
             <a:endParaRPr lang="ko-KR" altLang="en-US" dirty="0"/>
           </a:p>
@@ -1132,7 +1047,7 @@
           <a:p>
             <a:fld id="{F8CAAD71-D53C-4447-AAA3-BC9075A67E69}" type="datetimeFigureOut">
               <a:rPr lang="ko-KR" altLang="en-US" smtClean="0"/>
-              <a:t>2021-05-30</a:t>
+              <a:t>2021-05-26</a:t>
             </a:fld>
             <a:endParaRPr lang="ko-KR" altLang="en-US" dirty="0"/>
           </a:p>
@@ -1312,7 +1227,7 @@
           <a:p>
             <a:fld id="{F8CAAD71-D53C-4447-AAA3-BC9075A67E69}" type="datetimeFigureOut">
               <a:rPr lang="ko-KR" altLang="en-US" smtClean="0"/>
-              <a:t>2021-05-30</a:t>
+              <a:t>2021-05-26</a:t>
             </a:fld>
             <a:endParaRPr lang="ko-KR" altLang="en-US" dirty="0"/>
           </a:p>
@@ -1482,7 +1397,7 @@
           <a:p>
             <a:fld id="{F8CAAD71-D53C-4447-AAA3-BC9075A67E69}" type="datetimeFigureOut">
               <a:rPr lang="ko-KR" altLang="en-US" smtClean="0"/>
-              <a:t>2021-05-30</a:t>
+              <a:t>2021-05-26</a:t>
             </a:fld>
             <a:endParaRPr lang="ko-KR" altLang="en-US" dirty="0"/>
           </a:p>
@@ -1728,7 +1643,7 @@
           <a:p>
             <a:fld id="{F8CAAD71-D53C-4447-AAA3-BC9075A67E69}" type="datetimeFigureOut">
               <a:rPr lang="ko-KR" altLang="en-US" smtClean="0"/>
-              <a:t>2021-05-30</a:t>
+              <a:t>2021-05-26</a:t>
             </a:fld>
             <a:endParaRPr lang="ko-KR" altLang="en-US" dirty="0"/>
           </a:p>
@@ -1960,7 +1875,7 @@
           <a:p>
             <a:fld id="{F8CAAD71-D53C-4447-AAA3-BC9075A67E69}" type="datetimeFigureOut">
               <a:rPr lang="ko-KR" altLang="en-US" smtClean="0"/>
-              <a:t>2021-05-30</a:t>
+              <a:t>2021-05-26</a:t>
             </a:fld>
             <a:endParaRPr lang="ko-KR" altLang="en-US" dirty="0"/>
           </a:p>
@@ -2327,7 +2242,7 @@
           <a:p>
             <a:fld id="{F8CAAD71-D53C-4447-AAA3-BC9075A67E69}" type="datetimeFigureOut">
               <a:rPr lang="ko-KR" altLang="en-US" smtClean="0"/>
-              <a:t>2021-05-30</a:t>
+              <a:t>2021-05-26</a:t>
             </a:fld>
             <a:endParaRPr lang="ko-KR" altLang="en-US" dirty="0"/>
           </a:p>
@@ -2445,7 +2360,7 @@
           <a:p>
             <a:fld id="{F8CAAD71-D53C-4447-AAA3-BC9075A67E69}" type="datetimeFigureOut">
               <a:rPr lang="ko-KR" altLang="en-US" smtClean="0"/>
-              <a:t>2021-05-30</a:t>
+              <a:t>2021-05-26</a:t>
             </a:fld>
             <a:endParaRPr lang="ko-KR" altLang="en-US" dirty="0"/>
           </a:p>
@@ -2540,7 +2455,7 @@
           <a:p>
             <a:fld id="{F8CAAD71-D53C-4447-AAA3-BC9075A67E69}" type="datetimeFigureOut">
               <a:rPr lang="ko-KR" altLang="en-US" smtClean="0"/>
-              <a:t>2021-05-30</a:t>
+              <a:t>2021-05-26</a:t>
             </a:fld>
             <a:endParaRPr lang="ko-KR" altLang="en-US" dirty="0"/>
           </a:p>
@@ -2817,7 +2732,7 @@
           <a:p>
             <a:fld id="{F8CAAD71-D53C-4447-AAA3-BC9075A67E69}" type="datetimeFigureOut">
               <a:rPr lang="ko-KR" altLang="en-US" smtClean="0"/>
-              <a:t>2021-05-30</a:t>
+              <a:t>2021-05-26</a:t>
             </a:fld>
             <a:endParaRPr lang="ko-KR" altLang="en-US" dirty="0"/>
           </a:p>
@@ -3074,7 +2989,7 @@
           <a:p>
             <a:fld id="{F8CAAD71-D53C-4447-AAA3-BC9075A67E69}" type="datetimeFigureOut">
               <a:rPr lang="ko-KR" altLang="en-US" smtClean="0"/>
-              <a:t>2021-05-30</a:t>
+              <a:t>2021-05-26</a:t>
             </a:fld>
             <a:endParaRPr lang="ko-KR" altLang="en-US" dirty="0"/>
           </a:p>
@@ -3292,7 +3207,7 @@
           <a:p>
             <a:fld id="{F8CAAD71-D53C-4447-AAA3-BC9075A67E69}" type="datetimeFigureOut">
               <a:rPr lang="ko-KR" altLang="en-US" smtClean="0"/>
-              <a:t>2021-05-30</a:t>
+              <a:t>2021-05-26</a:t>
             </a:fld>
             <a:endParaRPr lang="ko-KR" altLang="en-US" dirty="0"/>
           </a:p>
@@ -3959,7 +3874,7 @@
         <p:spPr>
           <a:xfrm>
             <a:off x="445276" y="1697447"/>
-            <a:ext cx="14680424" cy="2790957"/>
+            <a:ext cx="14680424" cy="2236959"/>
           </a:xfrm>
           <a:prstGeom prst="rect">
             <a:avLst/>
@@ -4004,16 +3919,6 @@
               <a:buAutoNum type="arabicPeriod"/>
             </a:pPr>
             <a:r>
-              <a:rPr lang="ko-KR" altLang="en-US" sz="2400" b="1" dirty="0">
-                <a:solidFill>
-                  <a:schemeClr val="bg1"/>
-                </a:solidFill>
-                <a:latin typeface="+mj-ea"/>
-                <a:ea typeface="+mj-ea"/>
-              </a:rPr>
-              <a:t>기본 </a:t>
-            </a:r>
-            <a:r>
               <a:rPr lang="ko-KR" altLang="en-US" sz="2400" b="1" dirty="0" err="1">
                 <a:solidFill>
                   <a:schemeClr val="bg1"/>
@@ -4067,74 +3972,6 @@
                 <a:ea typeface="+mj-ea"/>
               </a:rPr>
               <a:t> </a:t>
-            </a:r>
-            <a:r>
-              <a:rPr lang="en-US" altLang="ko-KR" sz="2400" b="1" dirty="0">
-                <a:solidFill>
-                  <a:schemeClr val="bg1"/>
-                </a:solidFill>
-                <a:latin typeface="+mj-ea"/>
-                <a:ea typeface="+mj-ea"/>
-              </a:rPr>
-              <a:t>UI</a:t>
-            </a:r>
-            <a:r>
-              <a:rPr lang="ko-KR" altLang="en-US" sz="2400" b="1" dirty="0">
-                <a:solidFill>
-                  <a:schemeClr val="bg1"/>
-                </a:solidFill>
-                <a:latin typeface="+mj-ea"/>
-                <a:ea typeface="+mj-ea"/>
-              </a:rPr>
-              <a:t>규격 </a:t>
-            </a:r>
-            <a:r>
-              <a:rPr lang="en-US" altLang="ko-KR" sz="2400" b="1" dirty="0">
-                <a:solidFill>
-                  <a:schemeClr val="bg1"/>
-                </a:solidFill>
-                <a:latin typeface="+mj-ea"/>
-                <a:ea typeface="+mj-ea"/>
-              </a:rPr>
-              <a:t>(1920X1080 </a:t>
-            </a:r>
-            <a:r>
-              <a:rPr lang="ko-KR" altLang="en-US" sz="2400" b="1" dirty="0">
-                <a:solidFill>
-                  <a:schemeClr val="bg1"/>
-                </a:solidFill>
-                <a:latin typeface="+mj-ea"/>
-                <a:ea typeface="+mj-ea"/>
-              </a:rPr>
-              <a:t>기준</a:t>
-            </a:r>
-            <a:r>
-              <a:rPr lang="en-US" altLang="ko-KR" sz="2400" b="1" dirty="0">
-                <a:solidFill>
-                  <a:schemeClr val="bg1"/>
-                </a:solidFill>
-                <a:latin typeface="+mj-ea"/>
-                <a:ea typeface="+mj-ea"/>
-              </a:rPr>
-              <a:t>)</a:t>
-            </a:r>
-          </a:p>
-          <a:p>
-            <a:pPr marL="342900" indent="-342900">
-              <a:lnSpc>
-                <a:spcPct val="150000"/>
-              </a:lnSpc>
-              <a:buAutoNum type="arabicPeriod"/>
-            </a:pPr>
-            <a:r>
-              <a:rPr lang="ko-KR" altLang="en-US" sz="2400" b="1" dirty="0">
-                <a:solidFill>
-                  <a:schemeClr val="bg1"/>
-                </a:solidFill>
-                <a:latin typeface="+mj-ea"/>
-                <a:ea typeface="+mj-ea"/>
-              </a:rPr>
-              <a:t>이벤트 </a:t>
             </a:r>
             <a:r>
               <a:rPr lang="en-US" altLang="ko-KR" sz="2400" b="1" dirty="0">
@@ -5261,13 +5098,6 @@
           <a:p>
             <a:pPr algn="ctr"/>
             <a:r>
-              <a:rPr lang="ko-KR" altLang="en-US" b="1" dirty="0">
-                <a:latin typeface="메이플스토리" panose="02000300000000000000" pitchFamily="2" charset="-127"/>
-                <a:ea typeface="메이플스토리" panose="02000300000000000000" pitchFamily="2" charset="-127"/>
-              </a:rPr>
-              <a:t>기본 </a:t>
-            </a:r>
-            <a:r>
               <a:rPr lang="ko-KR" altLang="en-US" b="1" dirty="0" err="1">
                 <a:latin typeface="메이플스토리" panose="02000300000000000000" pitchFamily="2" charset="-127"/>
                 <a:ea typeface="메이플스토리" panose="02000300000000000000" pitchFamily="2" charset="-127"/>
@@ -5296,7 +5126,13 @@
           <p:cNvGraphicFramePr>
             <a:graphicFrameLocks noGrp="1"/>
           </p:cNvGraphicFramePr>
-          <p:nvPr/>
+          <p:nvPr>
+            <p:extLst>
+              <p:ext uri="{D42A27DB-BD31-4B8C-83A1-F6EECF244321}">
+                <p14:modId xmlns:p14="http://schemas.microsoft.com/office/powerpoint/2010/main" val="49077710"/>
+              </p:ext>
+            </p:extLst>
+          </p:nvPr>
         </p:nvGraphicFramePr>
         <p:xfrm>
           <a:off x="11792313" y="1430919"/>
@@ -6445,7 +6281,7 @@
     </p:spTree>
     <p:extLst>
       <p:ext uri="{BB962C8B-B14F-4D97-AF65-F5344CB8AC3E}">
-        <p14:creationId xmlns:p14="http://schemas.microsoft.com/office/powerpoint/2010/main" val="1182800998"/>
+        <p14:creationId xmlns:p14="http://schemas.microsoft.com/office/powerpoint/2010/main" val="3271959534"/>
       </p:ext>
     </p:extLst>
   </p:cSld>
@@ -6785,13 +6621,6 @@
           <a:p>
             <a:pPr algn="ctr"/>
             <a:r>
-              <a:rPr lang="ko-KR" altLang="en-US" b="1" dirty="0">
-                <a:latin typeface="메이플스토리" panose="02000300000000000000" pitchFamily="2" charset="-127"/>
-                <a:ea typeface="메이플스토리" panose="02000300000000000000" pitchFamily="2" charset="-127"/>
-              </a:rPr>
-              <a:t>기본 </a:t>
-            </a:r>
-            <a:r>
               <a:rPr lang="ko-KR" altLang="en-US" b="1" dirty="0" err="1">
                 <a:latin typeface="메이플스토리" panose="02000300000000000000" pitchFamily="2" charset="-127"/>
                 <a:ea typeface="메이플스토리" panose="02000300000000000000" pitchFamily="2" charset="-127"/>
@@ -6862,14 +6691,14 @@
           <p:nvPr>
             <p:extLst>
               <p:ext uri="{D42A27DB-BD31-4B8C-83A1-F6EECF244321}">
-                <p14:modId xmlns:p14="http://schemas.microsoft.com/office/powerpoint/2010/main" val="2017534911"/>
+                <p14:modId xmlns:p14="http://schemas.microsoft.com/office/powerpoint/2010/main" val="393131965"/>
               </p:ext>
             </p:extLst>
           </p:nvPr>
         </p:nvGraphicFramePr>
         <p:xfrm>
           <a:off x="11792313" y="1430919"/>
-          <a:ext cx="5716224" cy="1383328"/>
+          <a:ext cx="5716224" cy="1729160"/>
         </p:xfrm>
         <a:graphic>
           <a:graphicData uri="http://schemas.openxmlformats.org/drawingml/2006/table">
@@ -7101,6 +6930,50 @@
                 <a:extLst>
                   <a:ext uri="{0D108BD9-81ED-4DB2-BD59-A6C34878D82A}">
                     <a16:rowId xmlns:a16="http://schemas.microsoft.com/office/drawing/2014/main" val="277991780"/>
+                  </a:ext>
+                </a:extLst>
+              </a:tr>
+              <a:tr h="345832">
+                <a:tc>
+                  <a:txBody>
+                    <a:bodyPr/>
+                    <a:lstStyle/>
+                    <a:p>
+                      <a:pPr algn="ctr" latinLnBrk="1"/>
+                      <a:r>
+                        <a:rPr lang="ko-KR" altLang="en-US" sz="1600" dirty="0"/>
+                        <a:t>⑤</a:t>
+                      </a:r>
+                    </a:p>
+                  </a:txBody>
+                  <a:tcPr anchor="ctr">
+                    <a:solidFill>
+                      <a:schemeClr val="bg1"/>
+                    </a:solidFill>
+                  </a:tcPr>
+                </a:tc>
+                <a:tc>
+                  <a:txBody>
+                    <a:bodyPr/>
+                    <a:lstStyle/>
+                    <a:p>
+                      <a:pPr algn="ctr" latinLnBrk="1"/>
+                      <a:endParaRPr lang="en-US" altLang="ko-KR" sz="1600" i="0" dirty="0">
+                        <a:solidFill>
+                          <a:schemeClr val="tx1"/>
+                        </a:solidFill>
+                      </a:endParaRPr>
+                    </a:p>
+                  </a:txBody>
+                  <a:tcPr anchor="ctr">
+                    <a:solidFill>
+                      <a:schemeClr val="bg1"/>
+                    </a:solidFill>
+                  </a:tcPr>
+                </a:tc>
+                <a:extLst>
+                  <a:ext uri="{0D108BD9-81ED-4DB2-BD59-A6C34878D82A}">
+                    <a16:rowId xmlns:a16="http://schemas.microsoft.com/office/drawing/2014/main" val="2894574746"/>
                   </a:ext>
                 </a:extLst>
               </a:tr>
@@ -9520,1655 +9393,6 @@
       </p:grpSpPr>
       <p:sp>
         <p:nvSpPr>
-          <p:cNvPr id="113" name="직사각형 112">
-            <a:extLst>
-              <a:ext uri="{FF2B5EF4-FFF2-40B4-BE49-F238E27FC236}">
-                <a16:creationId xmlns:a16="http://schemas.microsoft.com/office/drawing/2014/main" id="{36B2FA93-36D2-4209-A814-C4FAB7B84721}"/>
-              </a:ext>
-            </a:extLst>
-          </p:cNvPr>
-          <p:cNvSpPr/>
-          <p:nvPr/>
-        </p:nvSpPr>
-        <p:spPr>
-          <a:xfrm>
-            <a:off x="159963" y="7953794"/>
-            <a:ext cx="11520000" cy="1942032"/>
-          </a:xfrm>
-          <a:prstGeom prst="rect">
-            <a:avLst/>
-          </a:prstGeom>
-          <a:solidFill>
-            <a:schemeClr val="bg1">
-              <a:alpha val="20000"/>
-            </a:schemeClr>
-          </a:solidFill>
-          <a:ln>
-            <a:solidFill>
-              <a:schemeClr val="bg1"/>
-            </a:solidFill>
-          </a:ln>
-        </p:spPr>
-        <p:style>
-          <a:lnRef idx="2">
-            <a:schemeClr val="accent1">
-              <a:shade val="50000"/>
-            </a:schemeClr>
-          </a:lnRef>
-          <a:fillRef idx="1">
-            <a:schemeClr val="accent1"/>
-          </a:fillRef>
-          <a:effectRef idx="0">
-            <a:schemeClr val="accent1"/>
-          </a:effectRef>
-          <a:fontRef idx="minor">
-            <a:schemeClr val="lt1"/>
-          </a:fontRef>
-        </p:style>
-        <p:txBody>
-          <a:bodyPr rtlCol="0" anchor="ctr"/>
-          <a:lstStyle/>
-          <a:p>
-            <a:pPr algn="ctr"/>
-            <a:endParaRPr lang="ko-KR" altLang="en-US" dirty="0"/>
-          </a:p>
-        </p:txBody>
-      </p:sp>
-      <p:sp>
-        <p:nvSpPr>
-          <p:cNvPr id="4" name="직사각형 3">
-            <a:extLst>
-              <a:ext uri="{FF2B5EF4-FFF2-40B4-BE49-F238E27FC236}">
-                <a16:creationId xmlns:a16="http://schemas.microsoft.com/office/drawing/2014/main" id="{E4BF6550-25AC-4728-8037-519A816C0EB1}"/>
-              </a:ext>
-            </a:extLst>
-          </p:cNvPr>
-          <p:cNvSpPr/>
-          <p:nvPr/>
-        </p:nvSpPr>
-        <p:spPr>
-          <a:xfrm>
-            <a:off x="8132804" y="33681"/>
-            <a:ext cx="1344535" cy="923330"/>
-          </a:xfrm>
-          <a:prstGeom prst="rect">
-            <a:avLst/>
-          </a:prstGeom>
-          <a:noFill/>
-        </p:spPr>
-        <p:txBody>
-          <a:bodyPr wrap="none" lIns="91440" tIns="45720" rIns="91440" bIns="45720">
-            <a:spAutoFit/>
-          </a:bodyPr>
-          <a:lstStyle/>
-          <a:p>
-            <a:pPr algn="ctr"/>
-            <a:r>
-              <a:rPr lang="en-US" altLang="ko-KR" sz="5400" b="1" dirty="0">
-                <a:ln w="0">
-                  <a:solidFill>
-                    <a:schemeClr val="bg1"/>
-                  </a:solidFill>
-                </a:ln>
-                <a:latin typeface="+mj-ea"/>
-                <a:ea typeface="+mj-ea"/>
-              </a:rPr>
-              <a:t>WA</a:t>
-            </a:r>
-          </a:p>
-        </p:txBody>
-      </p:sp>
-      <p:sp>
-        <p:nvSpPr>
-          <p:cNvPr id="5" name="사각형: 둥근 모서리 4">
-            <a:extLst>
-              <a:ext uri="{FF2B5EF4-FFF2-40B4-BE49-F238E27FC236}">
-                <a16:creationId xmlns:a16="http://schemas.microsoft.com/office/drawing/2014/main" id="{284673F5-C4AE-453A-95F6-C66F5BC52C33}"/>
-              </a:ext>
-            </a:extLst>
-          </p:cNvPr>
-          <p:cNvSpPr/>
-          <p:nvPr/>
-        </p:nvSpPr>
-        <p:spPr>
-          <a:xfrm>
-            <a:off x="101601" y="993855"/>
-            <a:ext cx="17406942" cy="318170"/>
-          </a:xfrm>
-          <a:prstGeom prst="roundRect">
-            <a:avLst/>
-          </a:prstGeom>
-          <a:solidFill>
-            <a:schemeClr val="tx1"/>
-          </a:solidFill>
-          <a:ln>
-            <a:noFill/>
-          </a:ln>
-        </p:spPr>
-        <p:style>
-          <a:lnRef idx="2">
-            <a:schemeClr val="accent1">
-              <a:shade val="50000"/>
-            </a:schemeClr>
-          </a:lnRef>
-          <a:fillRef idx="1">
-            <a:schemeClr val="accent1"/>
-          </a:fillRef>
-          <a:effectRef idx="0">
-            <a:schemeClr val="accent1"/>
-          </a:effectRef>
-          <a:fontRef idx="minor">
-            <a:schemeClr val="lt1"/>
-          </a:fontRef>
-        </p:style>
-        <p:txBody>
-          <a:bodyPr rtlCol="0" anchor="ctr"/>
-          <a:lstStyle/>
-          <a:p>
-            <a:pPr algn="ctr"/>
-            <a:r>
-              <a:rPr lang="ko-KR" altLang="en-US" b="1" dirty="0">
-                <a:latin typeface="메이플스토리" panose="02000300000000000000" pitchFamily="2" charset="-127"/>
-                <a:ea typeface="메이플스토리" panose="02000300000000000000" pitchFamily="2" charset="-127"/>
-              </a:rPr>
-              <a:t>이벤트 </a:t>
-            </a:r>
-            <a:r>
-              <a:rPr lang="en-US" altLang="ko-KR" b="1" dirty="0">
-                <a:latin typeface="메이플스토리" panose="02000300000000000000" pitchFamily="2" charset="-127"/>
-                <a:ea typeface="메이플스토리" panose="02000300000000000000" pitchFamily="2" charset="-127"/>
-              </a:rPr>
-              <a:t>UI</a:t>
-            </a:r>
-            <a:r>
-              <a:rPr lang="ko-KR" altLang="en-US" b="1" dirty="0">
-                <a:latin typeface="메이플스토리" panose="02000300000000000000" pitchFamily="2" charset="-127"/>
-                <a:ea typeface="메이플스토리" panose="02000300000000000000" pitchFamily="2" charset="-127"/>
-              </a:rPr>
-              <a:t>규격 </a:t>
-            </a:r>
-            <a:r>
-              <a:rPr lang="en-US" altLang="ko-KR" b="1" dirty="0">
-                <a:latin typeface="메이플스토리" panose="02000300000000000000" pitchFamily="2" charset="-127"/>
-                <a:ea typeface="메이플스토리" panose="02000300000000000000" pitchFamily="2" charset="-127"/>
-              </a:rPr>
-              <a:t>(1920x1080 </a:t>
-            </a:r>
-            <a:r>
-              <a:rPr lang="ko-KR" altLang="en-US" b="1" dirty="0">
-                <a:latin typeface="메이플스토리" panose="02000300000000000000" pitchFamily="2" charset="-127"/>
-                <a:ea typeface="메이플스토리" panose="02000300000000000000" pitchFamily="2" charset="-127"/>
-              </a:rPr>
-              <a:t>기준</a:t>
-            </a:r>
-            <a:r>
-              <a:rPr lang="en-US" altLang="ko-KR" b="1" dirty="0">
-                <a:latin typeface="메이플스토리" panose="02000300000000000000" pitchFamily="2" charset="-127"/>
-                <a:ea typeface="메이플스토리" panose="02000300000000000000" pitchFamily="2" charset="-127"/>
-              </a:rPr>
-              <a:t>)</a:t>
-            </a:r>
-            <a:endParaRPr lang="ko-KR" altLang="en-US" b="1" dirty="0">
-              <a:latin typeface="메이플스토리" panose="02000300000000000000" pitchFamily="2" charset="-127"/>
-              <a:ea typeface="메이플스토리" panose="02000300000000000000" pitchFamily="2" charset="-127"/>
-            </a:endParaRPr>
-          </a:p>
-        </p:txBody>
-      </p:sp>
-      <p:graphicFrame>
-        <p:nvGraphicFramePr>
-          <p:cNvPr id="29" name="표 34">
-            <a:extLst>
-              <a:ext uri="{FF2B5EF4-FFF2-40B4-BE49-F238E27FC236}">
-                <a16:creationId xmlns:a16="http://schemas.microsoft.com/office/drawing/2014/main" id="{B6745C71-9C72-4E6B-8D4D-5D39543EABDA}"/>
-              </a:ext>
-            </a:extLst>
-          </p:cNvPr>
-          <p:cNvGraphicFramePr>
-            <a:graphicFrameLocks noGrp="1"/>
-          </p:cNvGraphicFramePr>
-          <p:nvPr>
-            <p:extLst>
-              <p:ext uri="{D42A27DB-BD31-4B8C-83A1-F6EECF244321}">
-                <p14:modId xmlns:p14="http://schemas.microsoft.com/office/powerpoint/2010/main" val="836413617"/>
-              </p:ext>
-            </p:extLst>
-          </p:nvPr>
-        </p:nvGraphicFramePr>
-        <p:xfrm>
-          <a:off x="11792313" y="1430919"/>
-          <a:ext cx="5716224" cy="1729160"/>
-        </p:xfrm>
-        <a:graphic>
-          <a:graphicData uri="http://schemas.openxmlformats.org/drawingml/2006/table">
-            <a:tbl>
-              <a:tblPr firstRow="1" bandRow="1">
-                <a:tableStyleId>{5940675A-B579-460E-94D1-54222C63F5DA}</a:tableStyleId>
-              </a:tblPr>
-              <a:tblGrid>
-                <a:gridCol w="942189">
-                  <a:extLst>
-                    <a:ext uri="{9D8B030D-6E8A-4147-A177-3AD203B41FA5}">
-                      <a16:colId xmlns:a16="http://schemas.microsoft.com/office/drawing/2014/main" val="1091678528"/>
-                    </a:ext>
-                  </a:extLst>
-                </a:gridCol>
-                <a:gridCol w="4774035">
-                  <a:extLst>
-                    <a:ext uri="{9D8B030D-6E8A-4147-A177-3AD203B41FA5}">
-                      <a16:colId xmlns:a16="http://schemas.microsoft.com/office/drawing/2014/main" val="3645005055"/>
-                    </a:ext>
-                  </a:extLst>
-                </a:gridCol>
-              </a:tblGrid>
-              <a:tr h="345832">
-                <a:tc>
-                  <a:txBody>
-                    <a:bodyPr/>
-                    <a:lstStyle/>
-                    <a:p>
-                      <a:pPr algn="ctr" latinLnBrk="1"/>
-                      <a:r>
-                        <a:rPr lang="ko-KR" altLang="en-US" sz="1600" dirty="0"/>
-                        <a:t>①</a:t>
-                      </a:r>
-                    </a:p>
-                  </a:txBody>
-                  <a:tcPr anchor="ctr">
-                    <a:solidFill>
-                      <a:schemeClr val="bg1"/>
-                    </a:solidFill>
-                  </a:tcPr>
-                </a:tc>
-                <a:tc>
-                  <a:txBody>
-                    <a:bodyPr/>
-                    <a:lstStyle/>
-                    <a:p>
-                      <a:pPr algn="ctr" latinLnBrk="1"/>
-                      <a:r>
-                        <a:rPr lang="ko-KR" altLang="en-US" sz="1600" dirty="0"/>
-                        <a:t>초상화 출력 </a:t>
-                      </a:r>
-                      <a:r>
-                        <a:rPr lang="en-US" altLang="ko-KR" sz="1600" dirty="0"/>
-                        <a:t>UI 1</a:t>
-                      </a:r>
-                      <a:endParaRPr lang="ko-KR" altLang="en-US" sz="1600" dirty="0"/>
-                    </a:p>
-                  </a:txBody>
-                  <a:tcPr anchor="ctr">
-                    <a:solidFill>
-                      <a:schemeClr val="bg1"/>
-                    </a:solidFill>
-                  </a:tcPr>
-                </a:tc>
-                <a:extLst>
-                  <a:ext uri="{0D108BD9-81ED-4DB2-BD59-A6C34878D82A}">
-                    <a16:rowId xmlns:a16="http://schemas.microsoft.com/office/drawing/2014/main" val="2284623317"/>
-                  </a:ext>
-                </a:extLst>
-              </a:tr>
-              <a:tr h="345832">
-                <a:tc>
-                  <a:txBody>
-                    <a:bodyPr/>
-                    <a:lstStyle/>
-                    <a:p>
-                      <a:pPr algn="ctr" latinLnBrk="1"/>
-                      <a:r>
-                        <a:rPr lang="ko-KR" altLang="en-US" sz="1600" dirty="0"/>
-                        <a:t>②</a:t>
-                      </a:r>
-                    </a:p>
-                  </a:txBody>
-                  <a:tcPr anchor="ctr">
-                    <a:solidFill>
-                      <a:schemeClr val="bg1"/>
-                    </a:solidFill>
-                  </a:tcPr>
-                </a:tc>
-                <a:tc>
-                  <a:txBody>
-                    <a:bodyPr/>
-                    <a:lstStyle/>
-                    <a:p>
-                      <a:pPr algn="ctr" latinLnBrk="1"/>
-                      <a:r>
-                        <a:rPr lang="ko-KR" altLang="en-US" sz="1600" i="0" dirty="0">
-                          <a:solidFill>
-                            <a:schemeClr val="tx1"/>
-                          </a:solidFill>
-                        </a:rPr>
-                        <a:t>초상화 출력 </a:t>
-                      </a:r>
-                      <a:r>
-                        <a:rPr lang="en-US" altLang="ko-KR" sz="1600" i="0" dirty="0">
-                          <a:solidFill>
-                            <a:schemeClr val="tx1"/>
-                          </a:solidFill>
-                        </a:rPr>
-                        <a:t>UI 2</a:t>
-                      </a:r>
-                      <a:endParaRPr lang="ko-KR" altLang="en-US" sz="1600" i="0" dirty="0">
-                        <a:solidFill>
-                          <a:schemeClr val="tx1"/>
-                        </a:solidFill>
-                      </a:endParaRPr>
-                    </a:p>
-                  </a:txBody>
-                  <a:tcPr anchor="ctr">
-                    <a:solidFill>
-                      <a:schemeClr val="bg1"/>
-                    </a:solidFill>
-                  </a:tcPr>
-                </a:tc>
-                <a:extLst>
-                  <a:ext uri="{0D108BD9-81ED-4DB2-BD59-A6C34878D82A}">
-                    <a16:rowId xmlns:a16="http://schemas.microsoft.com/office/drawing/2014/main" val="3473698866"/>
-                  </a:ext>
-                </a:extLst>
-              </a:tr>
-              <a:tr h="345832">
-                <a:tc>
-                  <a:txBody>
-                    <a:bodyPr/>
-                    <a:lstStyle/>
-                    <a:p>
-                      <a:pPr algn="ctr" latinLnBrk="1"/>
-                      <a:r>
-                        <a:rPr lang="ko-KR" altLang="en-US" sz="1600" dirty="0"/>
-                        <a:t>③</a:t>
-                      </a:r>
-                    </a:p>
-                  </a:txBody>
-                  <a:tcPr anchor="ctr">
-                    <a:solidFill>
-                      <a:schemeClr val="bg1"/>
-                    </a:solidFill>
-                  </a:tcPr>
-                </a:tc>
-                <a:tc>
-                  <a:txBody>
-                    <a:bodyPr/>
-                    <a:lstStyle/>
-                    <a:p>
-                      <a:pPr algn="ctr" latinLnBrk="1"/>
-                      <a:r>
-                        <a:rPr lang="ko-KR" altLang="en-US" sz="1600" i="0" dirty="0">
-                          <a:solidFill>
-                            <a:schemeClr val="tx1"/>
-                          </a:solidFill>
-                        </a:rPr>
-                        <a:t>대화박스</a:t>
-                      </a:r>
-                    </a:p>
-                  </a:txBody>
-                  <a:tcPr anchor="ctr">
-                    <a:solidFill>
-                      <a:schemeClr val="bg1"/>
-                    </a:solidFill>
-                  </a:tcPr>
-                </a:tc>
-                <a:extLst>
-                  <a:ext uri="{0D108BD9-81ED-4DB2-BD59-A6C34878D82A}">
-                    <a16:rowId xmlns:a16="http://schemas.microsoft.com/office/drawing/2014/main" val="1387162518"/>
-                  </a:ext>
-                </a:extLst>
-              </a:tr>
-              <a:tr h="345832">
-                <a:tc>
-                  <a:txBody>
-                    <a:bodyPr/>
-                    <a:lstStyle/>
-                    <a:p>
-                      <a:pPr algn="ctr" latinLnBrk="1"/>
-                      <a:endParaRPr lang="ko-KR" altLang="en-US" sz="1600" dirty="0"/>
-                    </a:p>
-                  </a:txBody>
-                  <a:tcPr anchor="ctr">
-                    <a:solidFill>
-                      <a:schemeClr val="bg1"/>
-                    </a:solidFill>
-                  </a:tcPr>
-                </a:tc>
-                <a:tc>
-                  <a:txBody>
-                    <a:bodyPr/>
-                    <a:lstStyle/>
-                    <a:p>
-                      <a:pPr marL="0" marR="0" lvl="0" indent="0" algn="ctr" defTabSz="1320759" rtl="0" eaLnBrk="1" fontAlgn="auto" latinLnBrk="1" hangingPunct="1">
-                        <a:lnSpc>
-                          <a:spcPct val="100000"/>
-                        </a:lnSpc>
-                        <a:spcBef>
-                          <a:spcPts val="0"/>
-                        </a:spcBef>
-                        <a:spcAft>
-                          <a:spcPts val="0"/>
-                        </a:spcAft>
-                        <a:buClrTx/>
-                        <a:buSzTx/>
-                        <a:buFontTx/>
-                        <a:buNone/>
-                        <a:tabLst/>
-                        <a:defRPr/>
-                      </a:pPr>
-                      <a:endParaRPr lang="en-US" altLang="ko-KR" sz="1600" i="0" dirty="0">
-                        <a:solidFill>
-                          <a:schemeClr val="tx1"/>
-                        </a:solidFill>
-                      </a:endParaRPr>
-                    </a:p>
-                  </a:txBody>
-                  <a:tcPr anchor="ctr">
-                    <a:solidFill>
-                      <a:schemeClr val="bg1"/>
-                    </a:solidFill>
-                  </a:tcPr>
-                </a:tc>
-                <a:extLst>
-                  <a:ext uri="{0D108BD9-81ED-4DB2-BD59-A6C34878D82A}">
-                    <a16:rowId xmlns:a16="http://schemas.microsoft.com/office/drawing/2014/main" val="277991780"/>
-                  </a:ext>
-                </a:extLst>
-              </a:tr>
-              <a:tr h="345832">
-                <a:tc>
-                  <a:txBody>
-                    <a:bodyPr/>
-                    <a:lstStyle/>
-                    <a:p>
-                      <a:pPr algn="ctr" latinLnBrk="1"/>
-                      <a:endParaRPr lang="ko-KR" altLang="en-US" sz="1600" dirty="0"/>
-                    </a:p>
-                  </a:txBody>
-                  <a:tcPr anchor="ctr">
-                    <a:solidFill>
-                      <a:schemeClr val="bg1"/>
-                    </a:solidFill>
-                  </a:tcPr>
-                </a:tc>
-                <a:tc>
-                  <a:txBody>
-                    <a:bodyPr/>
-                    <a:lstStyle/>
-                    <a:p>
-                      <a:pPr algn="ctr" latinLnBrk="1"/>
-                      <a:endParaRPr lang="en-US" altLang="ko-KR" sz="1600" i="0" dirty="0">
-                        <a:solidFill>
-                          <a:schemeClr val="tx1"/>
-                        </a:solidFill>
-                      </a:endParaRPr>
-                    </a:p>
-                  </a:txBody>
-                  <a:tcPr anchor="ctr">
-                    <a:solidFill>
-                      <a:schemeClr val="bg1"/>
-                    </a:solidFill>
-                  </a:tcPr>
-                </a:tc>
-                <a:extLst>
-                  <a:ext uri="{0D108BD9-81ED-4DB2-BD59-A6C34878D82A}">
-                    <a16:rowId xmlns:a16="http://schemas.microsoft.com/office/drawing/2014/main" val="2894574746"/>
-                  </a:ext>
-                </a:extLst>
-              </a:tr>
-            </a:tbl>
-          </a:graphicData>
-        </a:graphic>
-      </p:graphicFrame>
-      <p:sp>
-        <p:nvSpPr>
-          <p:cNvPr id="70" name="직사각형 69">
-            <a:extLst>
-              <a:ext uri="{FF2B5EF4-FFF2-40B4-BE49-F238E27FC236}">
-                <a16:creationId xmlns:a16="http://schemas.microsoft.com/office/drawing/2014/main" id="{4F47ECB6-DA18-4D3F-838C-6769CDB15F9E}"/>
-              </a:ext>
-            </a:extLst>
-          </p:cNvPr>
-          <p:cNvSpPr/>
-          <p:nvPr/>
-        </p:nvSpPr>
-        <p:spPr>
-          <a:xfrm>
-            <a:off x="159963" y="1383794"/>
-            <a:ext cx="11520000" cy="6480000"/>
-          </a:xfrm>
-          <a:prstGeom prst="rect">
-            <a:avLst/>
-          </a:prstGeom>
-          <a:solidFill>
-            <a:schemeClr val="tx1">
-              <a:alpha val="70000"/>
-            </a:schemeClr>
-          </a:solidFill>
-          <a:ln>
-            <a:solidFill>
-              <a:schemeClr val="tx1"/>
-            </a:solidFill>
-          </a:ln>
-        </p:spPr>
-        <p:style>
-          <a:lnRef idx="2">
-            <a:schemeClr val="accent1">
-              <a:shade val="50000"/>
-            </a:schemeClr>
-          </a:lnRef>
-          <a:fillRef idx="1">
-            <a:schemeClr val="accent1"/>
-          </a:fillRef>
-          <a:effectRef idx="0">
-            <a:schemeClr val="accent1"/>
-          </a:effectRef>
-          <a:fontRef idx="minor">
-            <a:schemeClr val="lt1"/>
-          </a:fontRef>
-        </p:style>
-        <p:txBody>
-          <a:bodyPr rtlCol="0" anchor="ctr"/>
-          <a:lstStyle/>
-          <a:p>
-            <a:pPr algn="ctr"/>
-            <a:r>
-              <a:rPr lang="en-US" altLang="ko-KR" sz="3200" b="1" dirty="0">
-                <a:solidFill>
-                  <a:schemeClr val="bg2">
-                    <a:lumMod val="25000"/>
-                  </a:schemeClr>
-                </a:solidFill>
-              </a:rPr>
-              <a:t>Game Screen</a:t>
-            </a:r>
-            <a:endParaRPr lang="ko-KR" altLang="en-US" sz="3200" b="1" dirty="0">
-              <a:solidFill>
-                <a:schemeClr val="bg2">
-                  <a:lumMod val="25000"/>
-                </a:schemeClr>
-              </a:solidFill>
-            </a:endParaRPr>
-          </a:p>
-        </p:txBody>
-      </p:sp>
-      <p:sp>
-        <p:nvSpPr>
-          <p:cNvPr id="2" name="직사각형 1">
-            <a:extLst>
-              <a:ext uri="{FF2B5EF4-FFF2-40B4-BE49-F238E27FC236}">
-                <a16:creationId xmlns:a16="http://schemas.microsoft.com/office/drawing/2014/main" id="{1CB0D959-90B4-4EB3-8A4F-03501640A7A5}"/>
-              </a:ext>
-            </a:extLst>
-          </p:cNvPr>
-          <p:cNvSpPr/>
-          <p:nvPr/>
-        </p:nvSpPr>
-        <p:spPr>
-          <a:xfrm>
-            <a:off x="519963" y="5690847"/>
-            <a:ext cx="10800000" cy="1800000"/>
-          </a:xfrm>
-          <a:prstGeom prst="rect">
-            <a:avLst/>
-          </a:prstGeom>
-        </p:spPr>
-        <p:style>
-          <a:lnRef idx="2">
-            <a:schemeClr val="accent1">
-              <a:shade val="50000"/>
-            </a:schemeClr>
-          </a:lnRef>
-          <a:fillRef idx="1">
-            <a:schemeClr val="accent1"/>
-          </a:fillRef>
-          <a:effectRef idx="0">
-            <a:schemeClr val="accent1"/>
-          </a:effectRef>
-          <a:fontRef idx="minor">
-            <a:schemeClr val="lt1"/>
-          </a:fontRef>
-        </p:style>
-        <p:txBody>
-          <a:bodyPr rtlCol="0" anchor="ctr"/>
-          <a:lstStyle/>
-          <a:p>
-            <a:pPr algn="ctr"/>
-            <a:endParaRPr lang="ko-KR" altLang="en-US" dirty="0"/>
-          </a:p>
-        </p:txBody>
-      </p:sp>
-      <p:sp>
-        <p:nvSpPr>
-          <p:cNvPr id="75" name="육각형 74">
-            <a:extLst>
-              <a:ext uri="{FF2B5EF4-FFF2-40B4-BE49-F238E27FC236}">
-                <a16:creationId xmlns:a16="http://schemas.microsoft.com/office/drawing/2014/main" id="{FE096415-08C4-4937-A90C-38CD98FE0ADD}"/>
-              </a:ext>
-            </a:extLst>
-          </p:cNvPr>
-          <p:cNvSpPr>
-            <a:spLocks noChangeAspect="1"/>
-          </p:cNvSpPr>
-          <p:nvPr/>
-        </p:nvSpPr>
-        <p:spPr>
-          <a:xfrm>
-            <a:off x="519963" y="4346773"/>
-            <a:ext cx="1440000" cy="1152000"/>
-          </a:xfrm>
-          <a:prstGeom prst="hexagon">
-            <a:avLst/>
-          </a:prstGeom>
-          <a:ln>
-            <a:noFill/>
-          </a:ln>
-        </p:spPr>
-        <p:style>
-          <a:lnRef idx="2">
-            <a:schemeClr val="accent1">
-              <a:shade val="50000"/>
-            </a:schemeClr>
-          </a:lnRef>
-          <a:fillRef idx="1">
-            <a:schemeClr val="accent1"/>
-          </a:fillRef>
-          <a:effectRef idx="0">
-            <a:schemeClr val="accent1"/>
-          </a:effectRef>
-          <a:fontRef idx="minor">
-            <a:schemeClr val="lt1"/>
-          </a:fontRef>
-        </p:style>
-        <p:txBody>
-          <a:bodyPr rtlCol="0" anchor="ctr"/>
-          <a:lstStyle/>
-          <a:p>
-            <a:pPr algn="ctr"/>
-            <a:endParaRPr lang="ko-KR" altLang="en-US" sz="1400"/>
-          </a:p>
-        </p:txBody>
-      </p:sp>
-      <p:sp>
-        <p:nvSpPr>
-          <p:cNvPr id="76" name="육각형 75">
-            <a:extLst>
-              <a:ext uri="{FF2B5EF4-FFF2-40B4-BE49-F238E27FC236}">
-                <a16:creationId xmlns:a16="http://schemas.microsoft.com/office/drawing/2014/main" id="{B5571CDC-7EB1-4125-8811-6E78F06DC1D3}"/>
-              </a:ext>
-            </a:extLst>
-          </p:cNvPr>
-          <p:cNvSpPr/>
-          <p:nvPr/>
-        </p:nvSpPr>
-        <p:spPr>
-          <a:xfrm>
-            <a:off x="557747" y="4377000"/>
-            <a:ext cx="1364432" cy="1091546"/>
-          </a:xfrm>
-          <a:prstGeom prst="hexagon">
-            <a:avLst/>
-          </a:prstGeom>
-          <a:solidFill>
-            <a:schemeClr val="tx1"/>
-          </a:solidFill>
-          <a:ln>
-            <a:noFill/>
-          </a:ln>
-        </p:spPr>
-        <p:style>
-          <a:lnRef idx="2">
-            <a:schemeClr val="accent1">
-              <a:shade val="50000"/>
-            </a:schemeClr>
-          </a:lnRef>
-          <a:fillRef idx="1">
-            <a:schemeClr val="accent1"/>
-          </a:fillRef>
-          <a:effectRef idx="0">
-            <a:schemeClr val="accent1"/>
-          </a:effectRef>
-          <a:fontRef idx="minor">
-            <a:schemeClr val="lt1"/>
-          </a:fontRef>
-        </p:style>
-        <p:txBody>
-          <a:bodyPr rtlCol="0" anchor="ctr"/>
-          <a:lstStyle/>
-          <a:p>
-            <a:pPr algn="ctr"/>
-            <a:r>
-              <a:rPr lang="ko-KR" altLang="en-US" sz="1600" b="1" dirty="0">
-                <a:solidFill>
-                  <a:srgbClr val="FF0000"/>
-                </a:solidFill>
-              </a:rPr>
-              <a:t>①</a:t>
-            </a:r>
-          </a:p>
-        </p:txBody>
-      </p:sp>
-      <p:sp>
-        <p:nvSpPr>
-          <p:cNvPr id="77" name="육각형 76">
-            <a:extLst>
-              <a:ext uri="{FF2B5EF4-FFF2-40B4-BE49-F238E27FC236}">
-                <a16:creationId xmlns:a16="http://schemas.microsoft.com/office/drawing/2014/main" id="{AE3B2BAC-B504-41F0-8441-E5152D4DB8B9}"/>
-              </a:ext>
-            </a:extLst>
-          </p:cNvPr>
-          <p:cNvSpPr>
-            <a:spLocks noChangeAspect="1"/>
-          </p:cNvSpPr>
-          <p:nvPr/>
-        </p:nvSpPr>
-        <p:spPr>
-          <a:xfrm>
-            <a:off x="9879963" y="4346773"/>
-            <a:ext cx="1440000" cy="1152000"/>
-          </a:xfrm>
-          <a:prstGeom prst="hexagon">
-            <a:avLst/>
-          </a:prstGeom>
-          <a:ln>
-            <a:noFill/>
-          </a:ln>
-        </p:spPr>
-        <p:style>
-          <a:lnRef idx="2">
-            <a:schemeClr val="accent1">
-              <a:shade val="50000"/>
-            </a:schemeClr>
-          </a:lnRef>
-          <a:fillRef idx="1">
-            <a:schemeClr val="accent1"/>
-          </a:fillRef>
-          <a:effectRef idx="0">
-            <a:schemeClr val="accent1"/>
-          </a:effectRef>
-          <a:fontRef idx="minor">
-            <a:schemeClr val="lt1"/>
-          </a:fontRef>
-        </p:style>
-        <p:txBody>
-          <a:bodyPr rtlCol="0" anchor="ctr"/>
-          <a:lstStyle/>
-          <a:p>
-            <a:pPr algn="ctr"/>
-            <a:endParaRPr lang="ko-KR" altLang="en-US" sz="1400"/>
-          </a:p>
-        </p:txBody>
-      </p:sp>
-      <p:sp>
-        <p:nvSpPr>
-          <p:cNvPr id="78" name="육각형 77">
-            <a:extLst>
-              <a:ext uri="{FF2B5EF4-FFF2-40B4-BE49-F238E27FC236}">
-                <a16:creationId xmlns:a16="http://schemas.microsoft.com/office/drawing/2014/main" id="{E06ACFC9-8800-4250-AD7C-C500FD8ED362}"/>
-              </a:ext>
-            </a:extLst>
-          </p:cNvPr>
-          <p:cNvSpPr/>
-          <p:nvPr/>
-        </p:nvSpPr>
-        <p:spPr>
-          <a:xfrm>
-            <a:off x="9917747" y="4377000"/>
-            <a:ext cx="1364432" cy="1091546"/>
-          </a:xfrm>
-          <a:prstGeom prst="hexagon">
-            <a:avLst/>
-          </a:prstGeom>
-          <a:solidFill>
-            <a:schemeClr val="tx1"/>
-          </a:solidFill>
-          <a:ln>
-            <a:noFill/>
-          </a:ln>
-        </p:spPr>
-        <p:style>
-          <a:lnRef idx="2">
-            <a:schemeClr val="accent1">
-              <a:shade val="50000"/>
-            </a:schemeClr>
-          </a:lnRef>
-          <a:fillRef idx="1">
-            <a:schemeClr val="accent1"/>
-          </a:fillRef>
-          <a:effectRef idx="0">
-            <a:schemeClr val="accent1"/>
-          </a:effectRef>
-          <a:fontRef idx="minor">
-            <a:schemeClr val="lt1"/>
-          </a:fontRef>
-        </p:style>
-        <p:txBody>
-          <a:bodyPr rtlCol="0" anchor="ctr"/>
-          <a:lstStyle/>
-          <a:p>
-            <a:pPr algn="ctr"/>
-            <a:r>
-              <a:rPr lang="ko-KR" altLang="en-US" sz="1600" b="1" dirty="0">
-                <a:solidFill>
-                  <a:srgbClr val="FF0000"/>
-                </a:solidFill>
-              </a:rPr>
-              <a:t>②</a:t>
-            </a:r>
-            <a:endParaRPr lang="ko-KR" altLang="en-US" sz="1400" b="1" dirty="0">
-              <a:solidFill>
-                <a:srgbClr val="FF0000"/>
-              </a:solidFill>
-            </a:endParaRPr>
-          </a:p>
-        </p:txBody>
-      </p:sp>
-      <p:sp>
-        <p:nvSpPr>
-          <p:cNvPr id="79" name="직사각형 78">
-            <a:extLst>
-              <a:ext uri="{FF2B5EF4-FFF2-40B4-BE49-F238E27FC236}">
-                <a16:creationId xmlns:a16="http://schemas.microsoft.com/office/drawing/2014/main" id="{57E5E67E-8FC4-42C8-9A76-3CEAD6E3051F}"/>
-              </a:ext>
-            </a:extLst>
-          </p:cNvPr>
-          <p:cNvSpPr/>
-          <p:nvPr/>
-        </p:nvSpPr>
-        <p:spPr>
-          <a:xfrm>
-            <a:off x="11829964" y="3617319"/>
-            <a:ext cx="2539999" cy="2012950"/>
-          </a:xfrm>
-          <a:prstGeom prst="rect">
-            <a:avLst/>
-          </a:prstGeom>
-          <a:solidFill>
-            <a:schemeClr val="bg1">
-              <a:alpha val="20000"/>
-            </a:schemeClr>
-          </a:solidFill>
-          <a:ln>
-            <a:solidFill>
-              <a:schemeClr val="bg1"/>
-            </a:solidFill>
-          </a:ln>
-        </p:spPr>
-        <p:style>
-          <a:lnRef idx="2">
-            <a:schemeClr val="accent1">
-              <a:shade val="50000"/>
-            </a:schemeClr>
-          </a:lnRef>
-          <a:fillRef idx="1">
-            <a:schemeClr val="accent1"/>
-          </a:fillRef>
-          <a:effectRef idx="0">
-            <a:schemeClr val="accent1"/>
-          </a:effectRef>
-          <a:fontRef idx="minor">
-            <a:schemeClr val="lt1"/>
-          </a:fontRef>
-        </p:style>
-        <p:txBody>
-          <a:bodyPr rtlCol="0" anchor="ctr"/>
-          <a:lstStyle/>
-          <a:p>
-            <a:pPr algn="ctr"/>
-            <a:endParaRPr lang="ko-KR" altLang="en-US" dirty="0"/>
-          </a:p>
-        </p:txBody>
-      </p:sp>
-      <p:grpSp>
-        <p:nvGrpSpPr>
-          <p:cNvPr id="83" name="그룹 82">
-            <a:extLst>
-              <a:ext uri="{FF2B5EF4-FFF2-40B4-BE49-F238E27FC236}">
-                <a16:creationId xmlns:a16="http://schemas.microsoft.com/office/drawing/2014/main" id="{2870EDBF-90D8-4FE4-BEB7-43E1FA09D9CF}"/>
-              </a:ext>
-            </a:extLst>
-          </p:cNvPr>
-          <p:cNvGrpSpPr/>
-          <p:nvPr/>
-        </p:nvGrpSpPr>
-        <p:grpSpPr>
-          <a:xfrm>
-            <a:off x="11829964" y="3819843"/>
-            <a:ext cx="2499518" cy="1697184"/>
-            <a:chOff x="101600" y="1909794"/>
-            <a:chExt cx="2499518" cy="1697184"/>
-          </a:xfrm>
-        </p:grpSpPr>
-        <p:sp>
-          <p:nvSpPr>
-            <p:cNvPr id="84" name="직사각형 83">
-              <a:extLst>
-                <a:ext uri="{FF2B5EF4-FFF2-40B4-BE49-F238E27FC236}">
-                  <a16:creationId xmlns:a16="http://schemas.microsoft.com/office/drawing/2014/main" id="{9095EBDE-7CE0-4E09-8D54-DAF9A80D8E88}"/>
-                </a:ext>
-              </a:extLst>
-            </p:cNvPr>
-            <p:cNvSpPr/>
-            <p:nvPr/>
-          </p:nvSpPr>
-          <p:spPr>
-            <a:xfrm>
-              <a:off x="651600" y="2180112"/>
-              <a:ext cx="1440000" cy="1152000"/>
-            </a:xfrm>
-            <a:prstGeom prst="rect">
-              <a:avLst/>
-            </a:prstGeom>
-            <a:noFill/>
-            <a:ln>
-              <a:solidFill>
-                <a:schemeClr val="tx1"/>
-              </a:solidFill>
-            </a:ln>
-          </p:spPr>
-          <p:style>
-            <a:lnRef idx="2">
-              <a:schemeClr val="accent1">
-                <a:shade val="50000"/>
-              </a:schemeClr>
-            </a:lnRef>
-            <a:fillRef idx="1">
-              <a:schemeClr val="accent1"/>
-            </a:fillRef>
-            <a:effectRef idx="0">
-              <a:schemeClr val="accent1"/>
-            </a:effectRef>
-            <a:fontRef idx="minor">
-              <a:schemeClr val="lt1"/>
-            </a:fontRef>
-          </p:style>
-          <p:txBody>
-            <a:bodyPr rtlCol="0" anchor="ctr"/>
-            <a:lstStyle/>
-            <a:p>
-              <a:pPr algn="ctr"/>
-              <a:endParaRPr lang="ko-KR" altLang="en-US" dirty="0"/>
-            </a:p>
-          </p:txBody>
-        </p:sp>
-        <p:sp>
-          <p:nvSpPr>
-            <p:cNvPr id="85" name="육각형 84">
-              <a:extLst>
-                <a:ext uri="{FF2B5EF4-FFF2-40B4-BE49-F238E27FC236}">
-                  <a16:creationId xmlns:a16="http://schemas.microsoft.com/office/drawing/2014/main" id="{C7D6531C-3D59-4D2A-8A0C-AE059F8882C6}"/>
-                </a:ext>
-              </a:extLst>
-            </p:cNvPr>
-            <p:cNvSpPr>
-              <a:spLocks noChangeAspect="1"/>
-            </p:cNvSpPr>
-            <p:nvPr/>
-          </p:nvSpPr>
-          <p:spPr>
-            <a:xfrm>
-              <a:off x="651600" y="2180112"/>
-              <a:ext cx="1440000" cy="1152000"/>
-            </a:xfrm>
-            <a:prstGeom prst="hexagon">
-              <a:avLst/>
-            </a:prstGeom>
-            <a:ln>
-              <a:noFill/>
-            </a:ln>
-          </p:spPr>
-          <p:style>
-            <a:lnRef idx="2">
-              <a:schemeClr val="accent1">
-                <a:shade val="50000"/>
-              </a:schemeClr>
-            </a:lnRef>
-            <a:fillRef idx="1">
-              <a:schemeClr val="accent1"/>
-            </a:fillRef>
-            <a:effectRef idx="0">
-              <a:schemeClr val="accent1"/>
-            </a:effectRef>
-            <a:fontRef idx="minor">
-              <a:schemeClr val="lt1"/>
-            </a:fontRef>
-          </p:style>
-          <p:txBody>
-            <a:bodyPr rtlCol="0" anchor="ctr"/>
-            <a:lstStyle/>
-            <a:p>
-              <a:pPr algn="ctr"/>
-              <a:endParaRPr lang="ko-KR" altLang="en-US" sz="1400"/>
-            </a:p>
-          </p:txBody>
-        </p:sp>
-        <p:sp>
-          <p:nvSpPr>
-            <p:cNvPr id="86" name="왼쪽 대괄호 85">
-              <a:extLst>
-                <a:ext uri="{FF2B5EF4-FFF2-40B4-BE49-F238E27FC236}">
-                  <a16:creationId xmlns:a16="http://schemas.microsoft.com/office/drawing/2014/main" id="{2E1AC0CF-59A7-4547-903E-9EDBE210FCC1}"/>
-                </a:ext>
-              </a:extLst>
-            </p:cNvPr>
-            <p:cNvSpPr/>
-            <p:nvPr/>
-          </p:nvSpPr>
-          <p:spPr>
-            <a:xfrm>
-              <a:off x="552450" y="2180112"/>
-              <a:ext cx="99150" cy="1152000"/>
-            </a:xfrm>
-            <a:prstGeom prst="leftBracket">
-              <a:avLst>
-                <a:gd name="adj" fmla="val 530295"/>
-              </a:avLst>
-            </a:prstGeom>
-          </p:spPr>
-          <p:style>
-            <a:lnRef idx="1">
-              <a:schemeClr val="dk1"/>
-            </a:lnRef>
-            <a:fillRef idx="0">
-              <a:schemeClr val="dk1"/>
-            </a:fillRef>
-            <a:effectRef idx="0">
-              <a:schemeClr val="dk1"/>
-            </a:effectRef>
-            <a:fontRef idx="minor">
-              <a:schemeClr val="tx1"/>
-            </a:fontRef>
-          </p:style>
-          <p:txBody>
-            <a:bodyPr rtlCol="0" anchor="ctr"/>
-            <a:lstStyle/>
-            <a:p>
-              <a:pPr algn="ctr"/>
-              <a:endParaRPr lang="ko-KR" altLang="en-US"/>
-            </a:p>
-          </p:txBody>
-        </p:sp>
-        <p:sp>
-          <p:nvSpPr>
-            <p:cNvPr id="87" name="왼쪽 대괄호 86">
-              <a:extLst>
-                <a:ext uri="{FF2B5EF4-FFF2-40B4-BE49-F238E27FC236}">
-                  <a16:creationId xmlns:a16="http://schemas.microsoft.com/office/drawing/2014/main" id="{FDC56159-D4FB-4E65-85AE-2415ACC53EB2}"/>
-                </a:ext>
-              </a:extLst>
-            </p:cNvPr>
-            <p:cNvSpPr/>
-            <p:nvPr/>
-          </p:nvSpPr>
-          <p:spPr>
-            <a:xfrm rot="5400000">
-              <a:off x="1322025" y="1410537"/>
-              <a:ext cx="99150" cy="1440000"/>
-            </a:xfrm>
-            <a:prstGeom prst="leftBracket">
-              <a:avLst>
-                <a:gd name="adj" fmla="val 703214"/>
-              </a:avLst>
-            </a:prstGeom>
-          </p:spPr>
-          <p:style>
-            <a:lnRef idx="1">
-              <a:schemeClr val="dk1"/>
-            </a:lnRef>
-            <a:fillRef idx="0">
-              <a:schemeClr val="dk1"/>
-            </a:fillRef>
-            <a:effectRef idx="0">
-              <a:schemeClr val="dk1"/>
-            </a:effectRef>
-            <a:fontRef idx="minor">
-              <a:schemeClr val="tx1"/>
-            </a:fontRef>
-          </p:style>
-          <p:txBody>
-            <a:bodyPr rtlCol="0" anchor="ctr"/>
-            <a:lstStyle/>
-            <a:p>
-              <a:pPr algn="ctr"/>
-              <a:endParaRPr lang="ko-KR" altLang="en-US"/>
-            </a:p>
-          </p:txBody>
-        </p:sp>
-        <p:sp>
-          <p:nvSpPr>
-            <p:cNvPr id="90" name="TextBox 89">
-              <a:extLst>
-                <a:ext uri="{FF2B5EF4-FFF2-40B4-BE49-F238E27FC236}">
-                  <a16:creationId xmlns:a16="http://schemas.microsoft.com/office/drawing/2014/main" id="{3C67C785-6A57-49D5-B496-273D6E3CE004}"/>
-                </a:ext>
-              </a:extLst>
-            </p:cNvPr>
-            <p:cNvSpPr txBox="1"/>
-            <p:nvPr/>
-          </p:nvSpPr>
-          <p:spPr>
-            <a:xfrm>
-              <a:off x="838200" y="1909794"/>
-              <a:ext cx="1066800" cy="230832"/>
-            </a:xfrm>
-            <a:prstGeom prst="rect">
-              <a:avLst/>
-            </a:prstGeom>
-            <a:noFill/>
-          </p:spPr>
-          <p:txBody>
-            <a:bodyPr wrap="square" rtlCol="0">
-              <a:spAutoFit/>
-            </a:bodyPr>
-            <a:lstStyle/>
-            <a:p>
-              <a:pPr algn="ctr"/>
-              <a:r>
-                <a:rPr lang="en-US" altLang="ko-KR" sz="900" dirty="0"/>
-                <a:t>240</a:t>
-              </a:r>
-            </a:p>
-          </p:txBody>
-        </p:sp>
-        <p:sp>
-          <p:nvSpPr>
-            <p:cNvPr id="91" name="TextBox 90">
-              <a:extLst>
-                <a:ext uri="{FF2B5EF4-FFF2-40B4-BE49-F238E27FC236}">
-                  <a16:creationId xmlns:a16="http://schemas.microsoft.com/office/drawing/2014/main" id="{DD33BF1A-12C7-4D4B-92B6-A2BE806C147B}"/>
-                </a:ext>
-              </a:extLst>
-            </p:cNvPr>
-            <p:cNvSpPr txBox="1"/>
-            <p:nvPr/>
-          </p:nvSpPr>
-          <p:spPr>
-            <a:xfrm>
-              <a:off x="101600" y="2640696"/>
-              <a:ext cx="587375" cy="230832"/>
-            </a:xfrm>
-            <a:prstGeom prst="rect">
-              <a:avLst/>
-            </a:prstGeom>
-            <a:noFill/>
-          </p:spPr>
-          <p:txBody>
-            <a:bodyPr wrap="square" rtlCol="0">
-              <a:spAutoFit/>
-            </a:bodyPr>
-            <a:lstStyle/>
-            <a:p>
-              <a:pPr algn="ctr"/>
-              <a:r>
-                <a:rPr lang="en-US" altLang="ko-KR" sz="900" dirty="0"/>
-                <a:t>192</a:t>
-              </a:r>
-            </a:p>
-          </p:txBody>
-        </p:sp>
-        <p:sp>
-          <p:nvSpPr>
-            <p:cNvPr id="98" name="왼쪽 대괄호 97">
-              <a:extLst>
-                <a:ext uri="{FF2B5EF4-FFF2-40B4-BE49-F238E27FC236}">
-                  <a16:creationId xmlns:a16="http://schemas.microsoft.com/office/drawing/2014/main" id="{F2C56C16-E434-40B5-8F63-305082EA41EF}"/>
-                </a:ext>
-              </a:extLst>
-            </p:cNvPr>
-            <p:cNvSpPr/>
-            <p:nvPr/>
-          </p:nvSpPr>
-          <p:spPr>
-            <a:xfrm rot="16200000" flipV="1">
-              <a:off x="1898025" y="3237688"/>
-              <a:ext cx="99150" cy="288000"/>
-            </a:xfrm>
-            <a:prstGeom prst="leftBracket">
-              <a:avLst>
-                <a:gd name="adj" fmla="val 703214"/>
-              </a:avLst>
-            </a:prstGeom>
-          </p:spPr>
-          <p:style>
-            <a:lnRef idx="1">
-              <a:schemeClr val="dk1"/>
-            </a:lnRef>
-            <a:fillRef idx="0">
-              <a:schemeClr val="dk1"/>
-            </a:fillRef>
-            <a:effectRef idx="0">
-              <a:schemeClr val="dk1"/>
-            </a:effectRef>
-            <a:fontRef idx="minor">
-              <a:schemeClr val="tx1"/>
-            </a:fontRef>
-          </p:style>
-          <p:txBody>
-            <a:bodyPr rtlCol="0" anchor="ctr"/>
-            <a:lstStyle/>
-            <a:p>
-              <a:pPr algn="ctr"/>
-              <a:endParaRPr lang="ko-KR" altLang="en-US"/>
-            </a:p>
-          </p:txBody>
-        </p:sp>
-        <p:sp>
-          <p:nvSpPr>
-            <p:cNvPr id="100" name="TextBox 99">
-              <a:extLst>
-                <a:ext uri="{FF2B5EF4-FFF2-40B4-BE49-F238E27FC236}">
-                  <a16:creationId xmlns:a16="http://schemas.microsoft.com/office/drawing/2014/main" id="{A9CECAEA-6AA5-413C-A46A-CA2B66E5EC26}"/>
-                </a:ext>
-              </a:extLst>
-            </p:cNvPr>
-            <p:cNvSpPr txBox="1"/>
-            <p:nvPr/>
-          </p:nvSpPr>
-          <p:spPr>
-            <a:xfrm>
-              <a:off x="1414200" y="3376146"/>
-              <a:ext cx="1066800" cy="230832"/>
-            </a:xfrm>
-            <a:prstGeom prst="rect">
-              <a:avLst/>
-            </a:prstGeom>
-            <a:noFill/>
-          </p:spPr>
-          <p:txBody>
-            <a:bodyPr wrap="square" rtlCol="0">
-              <a:spAutoFit/>
-            </a:bodyPr>
-            <a:lstStyle/>
-            <a:p>
-              <a:pPr algn="ctr"/>
-              <a:r>
-                <a:rPr lang="en-US" altLang="ko-KR" sz="900" dirty="0"/>
-                <a:t>48</a:t>
-              </a:r>
-            </a:p>
-          </p:txBody>
-        </p:sp>
-        <p:sp>
-          <p:nvSpPr>
-            <p:cNvPr id="103" name="왼쪽 대괄호 102">
-              <a:extLst>
-                <a:ext uri="{FF2B5EF4-FFF2-40B4-BE49-F238E27FC236}">
-                  <a16:creationId xmlns:a16="http://schemas.microsoft.com/office/drawing/2014/main" id="{D2868C65-1BB1-407A-B24B-0FB0D34A1181}"/>
-                </a:ext>
-              </a:extLst>
-            </p:cNvPr>
-            <p:cNvSpPr/>
-            <p:nvPr/>
-          </p:nvSpPr>
-          <p:spPr>
-            <a:xfrm flipH="1">
-              <a:off x="2097019" y="2755111"/>
-              <a:ext cx="99150" cy="576999"/>
-            </a:xfrm>
-            <a:prstGeom prst="leftBracket">
-              <a:avLst>
-                <a:gd name="adj" fmla="val 530295"/>
-              </a:avLst>
-            </a:prstGeom>
-          </p:spPr>
-          <p:style>
-            <a:lnRef idx="1">
-              <a:schemeClr val="dk1"/>
-            </a:lnRef>
-            <a:fillRef idx="0">
-              <a:schemeClr val="dk1"/>
-            </a:fillRef>
-            <a:effectRef idx="0">
-              <a:schemeClr val="dk1"/>
-            </a:effectRef>
-            <a:fontRef idx="minor">
-              <a:schemeClr val="tx1"/>
-            </a:fontRef>
-          </p:style>
-          <p:txBody>
-            <a:bodyPr rtlCol="0" anchor="ctr"/>
-            <a:lstStyle/>
-            <a:p>
-              <a:pPr algn="ctr"/>
-              <a:endParaRPr lang="ko-KR" altLang="en-US"/>
-            </a:p>
-          </p:txBody>
-        </p:sp>
-        <p:sp>
-          <p:nvSpPr>
-            <p:cNvPr id="104" name="TextBox 103">
-              <a:extLst>
-                <a:ext uri="{FF2B5EF4-FFF2-40B4-BE49-F238E27FC236}">
-                  <a16:creationId xmlns:a16="http://schemas.microsoft.com/office/drawing/2014/main" id="{7F37CDAD-0640-4EDD-B6D1-B553C0EDA277}"/>
-                </a:ext>
-              </a:extLst>
-            </p:cNvPr>
-            <p:cNvSpPr txBox="1"/>
-            <p:nvPr/>
-          </p:nvSpPr>
-          <p:spPr>
-            <a:xfrm>
-              <a:off x="2013743" y="2925567"/>
-              <a:ext cx="587375" cy="230832"/>
-            </a:xfrm>
-            <a:prstGeom prst="rect">
-              <a:avLst/>
-            </a:prstGeom>
-            <a:noFill/>
-          </p:spPr>
-          <p:txBody>
-            <a:bodyPr wrap="square" rtlCol="0">
-              <a:spAutoFit/>
-            </a:bodyPr>
-            <a:lstStyle/>
-            <a:p>
-              <a:pPr algn="ctr"/>
-              <a:r>
-                <a:rPr lang="en-US" altLang="ko-KR" sz="900" dirty="0"/>
-                <a:t>96</a:t>
-              </a:r>
-            </a:p>
-          </p:txBody>
-        </p:sp>
-      </p:grpSp>
-      <p:sp>
-        <p:nvSpPr>
-          <p:cNvPr id="105" name="직사각형 104">
-            <a:extLst>
-              <a:ext uri="{FF2B5EF4-FFF2-40B4-BE49-F238E27FC236}">
-                <a16:creationId xmlns:a16="http://schemas.microsoft.com/office/drawing/2014/main" id="{736049F3-6162-4EF7-9BAA-D637066D043D}"/>
-              </a:ext>
-            </a:extLst>
-          </p:cNvPr>
-          <p:cNvSpPr/>
-          <p:nvPr/>
-        </p:nvSpPr>
-        <p:spPr>
-          <a:xfrm>
-            <a:off x="227547" y="7988299"/>
-            <a:ext cx="10800000" cy="1800000"/>
-          </a:xfrm>
-          <a:prstGeom prst="rect">
-            <a:avLst/>
-          </a:prstGeom>
-        </p:spPr>
-        <p:style>
-          <a:lnRef idx="2">
-            <a:schemeClr val="accent1">
-              <a:shade val="50000"/>
-            </a:schemeClr>
-          </a:lnRef>
-          <a:fillRef idx="1">
-            <a:schemeClr val="accent1"/>
-          </a:fillRef>
-          <a:effectRef idx="0">
-            <a:schemeClr val="accent1"/>
-          </a:effectRef>
-          <a:fontRef idx="minor">
-            <a:schemeClr val="lt1"/>
-          </a:fontRef>
-        </p:style>
-        <p:txBody>
-          <a:bodyPr rtlCol="0" anchor="ctr"/>
-          <a:lstStyle/>
-          <a:p>
-            <a:pPr algn="ctr"/>
-            <a:endParaRPr lang="ko-KR" altLang="en-US" dirty="0"/>
-          </a:p>
-        </p:txBody>
-      </p:sp>
-      <p:sp>
-        <p:nvSpPr>
-          <p:cNvPr id="107" name="직사각형 106">
-            <a:extLst>
-              <a:ext uri="{FF2B5EF4-FFF2-40B4-BE49-F238E27FC236}">
-                <a16:creationId xmlns:a16="http://schemas.microsoft.com/office/drawing/2014/main" id="{0A251D63-6729-4CAD-A61F-7ECE7D3F1140}"/>
-              </a:ext>
-            </a:extLst>
-          </p:cNvPr>
-          <p:cNvSpPr/>
-          <p:nvPr/>
-        </p:nvSpPr>
-        <p:spPr>
-          <a:xfrm>
-            <a:off x="609963" y="5780847"/>
-            <a:ext cx="10620000" cy="1620000"/>
-          </a:xfrm>
-          <a:prstGeom prst="rect">
-            <a:avLst/>
-          </a:prstGeom>
-          <a:solidFill>
-            <a:schemeClr val="tx1"/>
-          </a:solidFill>
-        </p:spPr>
-        <p:style>
-          <a:lnRef idx="2">
-            <a:schemeClr val="accent1">
-              <a:shade val="50000"/>
-            </a:schemeClr>
-          </a:lnRef>
-          <a:fillRef idx="1">
-            <a:schemeClr val="accent1"/>
-          </a:fillRef>
-          <a:effectRef idx="0">
-            <a:schemeClr val="accent1"/>
-          </a:effectRef>
-          <a:fontRef idx="minor">
-            <a:schemeClr val="lt1"/>
-          </a:fontRef>
-        </p:style>
-        <p:txBody>
-          <a:bodyPr rtlCol="0" anchor="ctr"/>
-          <a:lstStyle/>
-          <a:p>
-            <a:pPr algn="ctr"/>
-            <a:r>
-              <a:rPr lang="ko-KR" altLang="en-US" b="1" dirty="0">
-                <a:solidFill>
-                  <a:srgbClr val="FF0000"/>
-                </a:solidFill>
-              </a:rPr>
-              <a:t>③</a:t>
-            </a:r>
-          </a:p>
-        </p:txBody>
-      </p:sp>
-      <p:sp>
-        <p:nvSpPr>
-          <p:cNvPr id="108" name="왼쪽 대괄호 107">
-            <a:extLst>
-              <a:ext uri="{FF2B5EF4-FFF2-40B4-BE49-F238E27FC236}">
-                <a16:creationId xmlns:a16="http://schemas.microsoft.com/office/drawing/2014/main" id="{389F003B-1D5B-4228-80BE-06B4F95C4A34}"/>
-              </a:ext>
-            </a:extLst>
-          </p:cNvPr>
-          <p:cNvSpPr/>
-          <p:nvPr/>
-        </p:nvSpPr>
-        <p:spPr>
-          <a:xfrm rot="5400000">
-            <a:off x="5512130" y="4272884"/>
-            <a:ext cx="230831" cy="10799999"/>
-          </a:xfrm>
-          <a:prstGeom prst="leftBracket">
-            <a:avLst>
-              <a:gd name="adj" fmla="val 703214"/>
-            </a:avLst>
-          </a:prstGeom>
-        </p:spPr>
-        <p:style>
-          <a:lnRef idx="1">
-            <a:schemeClr val="dk1"/>
-          </a:lnRef>
-          <a:fillRef idx="0">
-            <a:schemeClr val="dk1"/>
-          </a:fillRef>
-          <a:effectRef idx="0">
-            <a:schemeClr val="dk1"/>
-          </a:effectRef>
-          <a:fontRef idx="minor">
-            <a:schemeClr val="tx1"/>
-          </a:fontRef>
-        </p:style>
-        <p:txBody>
-          <a:bodyPr rtlCol="0" anchor="ctr"/>
-          <a:lstStyle/>
-          <a:p>
-            <a:pPr algn="ctr"/>
-            <a:endParaRPr lang="ko-KR" altLang="en-US"/>
-          </a:p>
-        </p:txBody>
-      </p:sp>
-      <p:sp>
-        <p:nvSpPr>
-          <p:cNvPr id="110" name="TextBox 109">
-            <a:extLst>
-              <a:ext uri="{FF2B5EF4-FFF2-40B4-BE49-F238E27FC236}">
-                <a16:creationId xmlns:a16="http://schemas.microsoft.com/office/drawing/2014/main" id="{450982ED-E8D4-4C9B-8F71-644F09415E69}"/>
-              </a:ext>
-            </a:extLst>
-          </p:cNvPr>
-          <p:cNvSpPr txBox="1"/>
-          <p:nvPr/>
-        </p:nvSpPr>
-        <p:spPr>
-          <a:xfrm>
-            <a:off x="5056363" y="9295858"/>
-            <a:ext cx="1066800" cy="261610"/>
-          </a:xfrm>
-          <a:prstGeom prst="rect">
-            <a:avLst/>
-          </a:prstGeom>
-          <a:noFill/>
-        </p:spPr>
-        <p:txBody>
-          <a:bodyPr wrap="square" rtlCol="0">
-            <a:spAutoFit/>
-          </a:bodyPr>
-          <a:lstStyle/>
-          <a:p>
-            <a:pPr algn="ctr"/>
-            <a:r>
-              <a:rPr lang="en-US" altLang="ko-KR" sz="1100" b="1" dirty="0"/>
-              <a:t>1800</a:t>
-            </a:r>
-            <a:endParaRPr lang="en-US" altLang="ko-KR" sz="900" b="1" dirty="0"/>
-          </a:p>
-        </p:txBody>
-      </p:sp>
-      <p:sp>
-        <p:nvSpPr>
-          <p:cNvPr id="111" name="왼쪽 대괄호 110">
-            <a:extLst>
-              <a:ext uri="{FF2B5EF4-FFF2-40B4-BE49-F238E27FC236}">
-                <a16:creationId xmlns:a16="http://schemas.microsoft.com/office/drawing/2014/main" id="{557540AC-6BA8-4520-9312-F42CB6497BE7}"/>
-              </a:ext>
-            </a:extLst>
-          </p:cNvPr>
-          <p:cNvSpPr/>
-          <p:nvPr/>
-        </p:nvSpPr>
-        <p:spPr>
-          <a:xfrm rot="10800000">
-            <a:off x="11027545" y="8020245"/>
-            <a:ext cx="322218" cy="1768053"/>
-          </a:xfrm>
-          <a:prstGeom prst="leftBracket">
-            <a:avLst>
-              <a:gd name="adj" fmla="val 703214"/>
-            </a:avLst>
-          </a:prstGeom>
-        </p:spPr>
-        <p:style>
-          <a:lnRef idx="1">
-            <a:schemeClr val="dk1"/>
-          </a:lnRef>
-          <a:fillRef idx="0">
-            <a:schemeClr val="dk1"/>
-          </a:fillRef>
-          <a:effectRef idx="0">
-            <a:schemeClr val="dk1"/>
-          </a:effectRef>
-          <a:fontRef idx="minor">
-            <a:schemeClr val="tx1"/>
-          </a:fontRef>
-        </p:style>
-        <p:txBody>
-          <a:bodyPr rtlCol="0" anchor="ctr"/>
-          <a:lstStyle/>
-          <a:p>
-            <a:pPr algn="ctr"/>
-            <a:endParaRPr lang="ko-KR" altLang="en-US"/>
-          </a:p>
-        </p:txBody>
-      </p:sp>
-      <p:sp>
-        <p:nvSpPr>
-          <p:cNvPr id="112" name="TextBox 111">
-            <a:extLst>
-              <a:ext uri="{FF2B5EF4-FFF2-40B4-BE49-F238E27FC236}">
-                <a16:creationId xmlns:a16="http://schemas.microsoft.com/office/drawing/2014/main" id="{D8E98F61-208F-4E60-B65A-9B8B3ADF6EB5}"/>
-              </a:ext>
-            </a:extLst>
-          </p:cNvPr>
-          <p:cNvSpPr txBox="1"/>
-          <p:nvPr/>
-        </p:nvSpPr>
-        <p:spPr>
-          <a:xfrm>
-            <a:off x="11027543" y="8773467"/>
-            <a:ext cx="1066800" cy="261610"/>
-          </a:xfrm>
-          <a:prstGeom prst="rect">
-            <a:avLst/>
-          </a:prstGeom>
-          <a:noFill/>
-        </p:spPr>
-        <p:txBody>
-          <a:bodyPr wrap="square" rtlCol="0">
-            <a:spAutoFit/>
-          </a:bodyPr>
-          <a:lstStyle/>
-          <a:p>
-            <a:pPr algn="ctr"/>
-            <a:r>
-              <a:rPr lang="en-US" altLang="ko-KR" sz="1100" b="1" dirty="0"/>
-              <a:t>300</a:t>
-            </a:r>
-            <a:endParaRPr lang="en-US" altLang="ko-KR" sz="900" b="1" dirty="0"/>
-          </a:p>
-        </p:txBody>
-      </p:sp>
-    </p:spTree>
-    <p:extLst>
-      <p:ext uri="{BB962C8B-B14F-4D97-AF65-F5344CB8AC3E}">
-        <p14:creationId xmlns:p14="http://schemas.microsoft.com/office/powerpoint/2010/main" val="2526617739"/>
-      </p:ext>
-    </p:extLst>
-  </p:cSld>
-  <p:clrMapOvr>
-    <a:masterClrMapping/>
-  </p:clrMapOvr>
-</p:sld>
-</file>
-
-<file path=ppt/slides/slide7.xml><?xml version="1.0" encoding="utf-8"?>
-<p:sld xmlns:a="http://schemas.openxmlformats.org/drawingml/2006/main" xmlns:r="http://schemas.openxmlformats.org/officeDocument/2006/relationships" xmlns:p="http://schemas.openxmlformats.org/presentationml/2006/main">
-  <p:cSld>
-    <p:spTree>
-      <p:nvGrpSpPr>
-        <p:cNvPr id="1" name=""/>
-        <p:cNvGrpSpPr/>
-        <p:nvPr/>
-      </p:nvGrpSpPr>
-      <p:grpSpPr>
-        <a:xfrm>
-          <a:off x="0" y="0"/>
-          <a:ext cx="0" cy="0"/>
-          <a:chOff x="0" y="0"/>
-          <a:chExt cx="0" cy="0"/>
-        </a:xfrm>
-      </p:grpSpPr>
-      <p:sp>
-        <p:nvSpPr>
           <p:cNvPr id="4" name="직사각형 3">
             <a:extLst>
               <a:ext uri="{FF2B5EF4-FFF2-40B4-BE49-F238E27FC236}">
@@ -11580,7 +9804,7 @@
 </p:sld>
 </file>
 
-<file path=ppt/slides/slide8.xml><?xml version="1.0" encoding="utf-8"?>
+<file path=ppt/slides/slide7.xml><?xml version="1.0" encoding="utf-8"?>
 <p:sld xmlns:a="http://schemas.openxmlformats.org/drawingml/2006/main" xmlns:r="http://schemas.openxmlformats.org/officeDocument/2006/relationships" xmlns:p="http://schemas.openxmlformats.org/presentationml/2006/main">
   <p:cSld>
     <p:spTree>
